--- a/Proyecto Final.pptx
+++ b/Proyecto Final.pptx
@@ -5,10 +5,10 @@
     <p:sldMasterId id="2147483708" r:id="rId4"/>
   </p:sldMasterIdLst>
   <p:notesMasterIdLst>
-    <p:notesMasterId r:id="rId36"/>
+    <p:notesMasterId r:id="rId43"/>
   </p:notesMasterIdLst>
   <p:handoutMasterIdLst>
-    <p:handoutMasterId r:id="rId37"/>
+    <p:handoutMasterId r:id="rId44"/>
   </p:handoutMasterIdLst>
   <p:sldIdLst>
     <p:sldId id="315" r:id="rId5"/>
@@ -40,8 +40,15 @@
     <p:sldId id="354" r:id="rId31"/>
     <p:sldId id="353" r:id="rId32"/>
     <p:sldId id="348" r:id="rId33"/>
-    <p:sldId id="352" r:id="rId34"/>
-    <p:sldId id="363" r:id="rId35"/>
+    <p:sldId id="369" r:id="rId34"/>
+    <p:sldId id="352" r:id="rId35"/>
+    <p:sldId id="363" r:id="rId36"/>
+    <p:sldId id="370" r:id="rId37"/>
+    <p:sldId id="371" r:id="rId38"/>
+    <p:sldId id="372" r:id="rId39"/>
+    <p:sldId id="373" r:id="rId40"/>
+    <p:sldId id="374" r:id="rId41"/>
+    <p:sldId id="375" r:id="rId42"/>
   </p:sldIdLst>
   <p:sldSz cx="12192000" cy="6858000"/>
   <p:notesSz cx="6858000" cy="9144000"/>
@@ -252,7 +259,7 @@
           <a:p>
             <a:fld id="{367A1AC4-3AE8-4F87-AAED-904EC6054702}" type="datetimeFigureOut">
               <a:rPr lang="en-US" smtClean="0"/>
-              <a:t>10/16/2025</a:t>
+              <a:t>10/17/2025</a:t>
             </a:fld>
             <a:endParaRPr lang="en-US" dirty="0"/>
           </a:p>
@@ -330,7 +337,7 @@
           <a:p>
             <a:fld id="{7AF8A362-CAFC-4987-9A50-47570528395E}" type="slidenum">
               <a:rPr lang="en-US" smtClean="0"/>
-              <a:t>‹Nº›</a:t>
+              <a:t>‹#›</a:t>
             </a:fld>
             <a:endParaRPr lang="en-US" dirty="0"/>
           </a:p>
@@ -429,7 +436,7 @@
           <a:p>
             <a:fld id="{C5556653-6123-4FE4-861F-5F9583BF59B0}" type="datetimeFigureOut">
               <a:rPr lang="en-US" smtClean="0"/>
-              <a:t>10/16/2025</a:t>
+              <a:t>10/17/2025</a:t>
             </a:fld>
             <a:endParaRPr lang="en-US" dirty="0"/>
           </a:p>
@@ -587,7 +594,7 @@
           <a:p>
             <a:fld id="{54EEB602-95FC-483A-B12D-216A7AD7EA24}" type="slidenum">
               <a:rPr lang="en-US" smtClean="0"/>
-              <a:t>‹Nº›</a:t>
+              <a:t>‹#›</a:t>
             </a:fld>
             <a:endParaRPr lang="en-US" dirty="0"/>
           </a:p>
@@ -2925,6 +2932,121 @@
         <p:cNvPr id="1" name="">
           <a:extLst>
             <a:ext uri="{FF2B5EF4-FFF2-40B4-BE49-F238E27FC236}">
+              <a16:creationId xmlns:a16="http://schemas.microsoft.com/office/drawing/2014/main" id="{B3DFD33D-B52E-42C5-3EC3-502F7EEB2BC1}"/>
+            </a:ext>
+          </a:extLst>
+        </p:cNvPr>
+        <p:cNvGrpSpPr/>
+        <p:nvPr/>
+      </p:nvGrpSpPr>
+      <p:grpSpPr>
+        <a:xfrm>
+          <a:off x="0" y="0"/>
+          <a:ext cx="0" cy="0"/>
+          <a:chOff x="0" y="0"/>
+          <a:chExt cx="0" cy="0"/>
+        </a:xfrm>
+      </p:grpSpPr>
+      <p:sp>
+        <p:nvSpPr>
+          <p:cNvPr id="2" name="Slide Image Placeholder 1">
+            <a:extLst>
+              <a:ext uri="{FF2B5EF4-FFF2-40B4-BE49-F238E27FC236}">
+                <a16:creationId xmlns:a16="http://schemas.microsoft.com/office/drawing/2014/main" id="{8D6B0C10-6C1A-CC07-5B0E-F85C14241777}"/>
+              </a:ext>
+            </a:extLst>
+          </p:cNvPr>
+          <p:cNvSpPr>
+            <a:spLocks noGrp="1" noRot="1" noChangeAspect="1"/>
+          </p:cNvSpPr>
+          <p:nvPr>
+            <p:ph type="sldImg"/>
+          </p:nvPr>
+        </p:nvSpPr>
+        <p:spPr/>
+        <p:txBody>
+          <a:bodyPr/>
+          <a:lstStyle/>
+          <a:p>
+            <a:endParaRPr lang="es-MX"/>
+          </a:p>
+        </p:txBody>
+      </p:sp>
+      <p:sp>
+        <p:nvSpPr>
+          <p:cNvPr id="3" name="Notes Placeholder 2">
+            <a:extLst>
+              <a:ext uri="{FF2B5EF4-FFF2-40B4-BE49-F238E27FC236}">
+                <a16:creationId xmlns:a16="http://schemas.microsoft.com/office/drawing/2014/main" id="{61D1650F-DF9C-C571-793A-D6E5F0477216}"/>
+              </a:ext>
+            </a:extLst>
+          </p:cNvPr>
+          <p:cNvSpPr>
+            <a:spLocks noGrp="1"/>
+          </p:cNvSpPr>
+          <p:nvPr>
+            <p:ph type="body" idx="1"/>
+          </p:nvPr>
+        </p:nvSpPr>
+        <p:spPr/>
+        <p:txBody>
+          <a:bodyPr/>
+          <a:lstStyle/>
+          <a:p>
+            <a:endParaRPr lang="en-US" dirty="0"/>
+          </a:p>
+        </p:txBody>
+      </p:sp>
+      <p:sp>
+        <p:nvSpPr>
+          <p:cNvPr id="4" name="Slide Number Placeholder 3">
+            <a:extLst>
+              <a:ext uri="{FF2B5EF4-FFF2-40B4-BE49-F238E27FC236}">
+                <a16:creationId xmlns:a16="http://schemas.microsoft.com/office/drawing/2014/main" id="{4C0F4D48-7945-CD2A-AC08-59BFF3B5AB53}"/>
+              </a:ext>
+            </a:extLst>
+          </p:cNvPr>
+          <p:cNvSpPr>
+            <a:spLocks noGrp="1"/>
+          </p:cNvSpPr>
+          <p:nvPr>
+            <p:ph type="sldNum" sz="quarter" idx="5"/>
+          </p:nvPr>
+        </p:nvSpPr>
+        <p:spPr/>
+        <p:txBody>
+          <a:bodyPr/>
+          <a:lstStyle/>
+          <a:p>
+            <a:fld id="{54EEB602-95FC-483A-B12D-216A7AD7EA24}" type="slidenum">
+              <a:rPr lang="en-US" smtClean="0"/>
+              <a:t>30</a:t>
+            </a:fld>
+            <a:endParaRPr lang="en-US" dirty="0"/>
+          </a:p>
+        </p:txBody>
+      </p:sp>
+    </p:spTree>
+    <p:extLst>
+      <p:ext uri="{BB962C8B-B14F-4D97-AF65-F5344CB8AC3E}">
+        <p14:creationId xmlns:p14="http://schemas.microsoft.com/office/powerpoint/2010/main" val="433117968"/>
+      </p:ext>
+    </p:extLst>
+  </p:cSld>
+  <p:clrMapOvr>
+    <a:masterClrMapping/>
+  </p:clrMapOvr>
+</p:notes>
+</file>
+
+<file path=ppt/notesSlides/notesSlide29.xml><?xml version="1.0" encoding="utf-8"?>
+<p:notes xmlns:a="http://schemas.openxmlformats.org/drawingml/2006/main" xmlns:r="http://schemas.openxmlformats.org/officeDocument/2006/relationships" xmlns:p="http://schemas.openxmlformats.org/presentationml/2006/main">
+  <p:cSld>
+    <p:spTree>
+      <p:nvGrpSpPr>
+        <p:cNvPr id="1" name="">
+          <a:extLst>
+            <a:ext uri="{FF2B5EF4-FFF2-40B4-BE49-F238E27FC236}">
               <a16:creationId xmlns:a16="http://schemas.microsoft.com/office/drawing/2014/main" id="{3AF2EF8C-1809-C727-28DA-E3AEA63F0341}"/>
             </a:ext>
           </a:extLst>
@@ -3013,7 +3135,7 @@
           <a:p>
             <a:fld id="{54EEB602-95FC-483A-B12D-216A7AD7EA24}" type="slidenum">
               <a:rPr lang="en-US" smtClean="0"/>
-              <a:t>30</a:t>
+              <a:t>31</a:t>
             </a:fld>
             <a:endParaRPr lang="en-US" dirty="0"/>
           </a:p>
@@ -3023,121 +3145,6 @@
     <p:extLst>
       <p:ext uri="{BB962C8B-B14F-4D97-AF65-F5344CB8AC3E}">
         <p14:creationId xmlns:p14="http://schemas.microsoft.com/office/powerpoint/2010/main" val="3186729866"/>
-      </p:ext>
-    </p:extLst>
-  </p:cSld>
-  <p:clrMapOvr>
-    <a:masterClrMapping/>
-  </p:clrMapOvr>
-</p:notes>
-</file>
-
-<file path=ppt/notesSlides/notesSlide29.xml><?xml version="1.0" encoding="utf-8"?>
-<p:notes xmlns:a="http://schemas.openxmlformats.org/drawingml/2006/main" xmlns:r="http://schemas.openxmlformats.org/officeDocument/2006/relationships" xmlns:p="http://schemas.openxmlformats.org/presentationml/2006/main">
-  <p:cSld>
-    <p:spTree>
-      <p:nvGrpSpPr>
-        <p:cNvPr id="1" name="">
-          <a:extLst>
-            <a:ext uri="{FF2B5EF4-FFF2-40B4-BE49-F238E27FC236}">
-              <a16:creationId xmlns:a16="http://schemas.microsoft.com/office/drawing/2014/main" id="{A28B831F-870D-6473-B9AE-74563917D287}"/>
-            </a:ext>
-          </a:extLst>
-        </p:cNvPr>
-        <p:cNvGrpSpPr/>
-        <p:nvPr/>
-      </p:nvGrpSpPr>
-      <p:grpSpPr>
-        <a:xfrm>
-          <a:off x="0" y="0"/>
-          <a:ext cx="0" cy="0"/>
-          <a:chOff x="0" y="0"/>
-          <a:chExt cx="0" cy="0"/>
-        </a:xfrm>
-      </p:grpSpPr>
-      <p:sp>
-        <p:nvSpPr>
-          <p:cNvPr id="2" name="Slide Image Placeholder 1">
-            <a:extLst>
-              <a:ext uri="{FF2B5EF4-FFF2-40B4-BE49-F238E27FC236}">
-                <a16:creationId xmlns:a16="http://schemas.microsoft.com/office/drawing/2014/main" id="{972B90D0-F812-3DED-F014-E884BFD9BDC7}"/>
-              </a:ext>
-            </a:extLst>
-          </p:cNvPr>
-          <p:cNvSpPr>
-            <a:spLocks noGrp="1" noRot="1" noChangeAspect="1"/>
-          </p:cNvSpPr>
-          <p:nvPr>
-            <p:ph type="sldImg"/>
-          </p:nvPr>
-        </p:nvSpPr>
-        <p:spPr/>
-        <p:txBody>
-          <a:bodyPr/>
-          <a:lstStyle/>
-          <a:p>
-            <a:endParaRPr lang="es-MX"/>
-          </a:p>
-        </p:txBody>
-      </p:sp>
-      <p:sp>
-        <p:nvSpPr>
-          <p:cNvPr id="3" name="Notes Placeholder 2">
-            <a:extLst>
-              <a:ext uri="{FF2B5EF4-FFF2-40B4-BE49-F238E27FC236}">
-                <a16:creationId xmlns:a16="http://schemas.microsoft.com/office/drawing/2014/main" id="{0C4A5C12-36B6-430A-7456-531411F6EB45}"/>
-              </a:ext>
-            </a:extLst>
-          </p:cNvPr>
-          <p:cNvSpPr>
-            <a:spLocks noGrp="1"/>
-          </p:cNvSpPr>
-          <p:nvPr>
-            <p:ph type="body" idx="1"/>
-          </p:nvPr>
-        </p:nvSpPr>
-        <p:spPr/>
-        <p:txBody>
-          <a:bodyPr/>
-          <a:lstStyle/>
-          <a:p>
-            <a:endParaRPr lang="en-US" dirty="0"/>
-          </a:p>
-        </p:txBody>
-      </p:sp>
-      <p:sp>
-        <p:nvSpPr>
-          <p:cNvPr id="4" name="Slide Number Placeholder 3">
-            <a:extLst>
-              <a:ext uri="{FF2B5EF4-FFF2-40B4-BE49-F238E27FC236}">
-                <a16:creationId xmlns:a16="http://schemas.microsoft.com/office/drawing/2014/main" id="{EC67E25B-5242-9ADF-015C-F397B9DA376C}"/>
-              </a:ext>
-            </a:extLst>
-          </p:cNvPr>
-          <p:cNvSpPr>
-            <a:spLocks noGrp="1"/>
-          </p:cNvSpPr>
-          <p:nvPr>
-            <p:ph type="sldNum" sz="quarter" idx="5"/>
-          </p:nvPr>
-        </p:nvSpPr>
-        <p:spPr/>
-        <p:txBody>
-          <a:bodyPr/>
-          <a:lstStyle/>
-          <a:p>
-            <a:fld id="{54EEB602-95FC-483A-B12D-216A7AD7EA24}" type="slidenum">
-              <a:rPr lang="en-US" smtClean="0"/>
-              <a:t>31</a:t>
-            </a:fld>
-            <a:endParaRPr lang="en-US" dirty="0"/>
-          </a:p>
-        </p:txBody>
-      </p:sp>
-    </p:spTree>
-    <p:extLst>
-      <p:ext uri="{BB962C8B-B14F-4D97-AF65-F5344CB8AC3E}">
-        <p14:creationId xmlns:p14="http://schemas.microsoft.com/office/powerpoint/2010/main" val="3885089675"/>
       </p:ext>
     </p:extLst>
   </p:cSld>
@@ -3253,6 +3260,811 @@
     <p:extLst>
       <p:ext uri="{BB962C8B-B14F-4D97-AF65-F5344CB8AC3E}">
         <p14:creationId xmlns:p14="http://schemas.microsoft.com/office/powerpoint/2010/main" val="1963472251"/>
+      </p:ext>
+    </p:extLst>
+  </p:cSld>
+  <p:clrMapOvr>
+    <a:masterClrMapping/>
+  </p:clrMapOvr>
+</p:notes>
+</file>
+
+<file path=ppt/notesSlides/notesSlide30.xml><?xml version="1.0" encoding="utf-8"?>
+<p:notes xmlns:a="http://schemas.openxmlformats.org/drawingml/2006/main" xmlns:r="http://schemas.openxmlformats.org/officeDocument/2006/relationships" xmlns:p="http://schemas.openxmlformats.org/presentationml/2006/main">
+  <p:cSld>
+    <p:spTree>
+      <p:nvGrpSpPr>
+        <p:cNvPr id="1" name="">
+          <a:extLst>
+            <a:ext uri="{FF2B5EF4-FFF2-40B4-BE49-F238E27FC236}">
+              <a16:creationId xmlns:a16="http://schemas.microsoft.com/office/drawing/2014/main" id="{A28B831F-870D-6473-B9AE-74563917D287}"/>
+            </a:ext>
+          </a:extLst>
+        </p:cNvPr>
+        <p:cNvGrpSpPr/>
+        <p:nvPr/>
+      </p:nvGrpSpPr>
+      <p:grpSpPr>
+        <a:xfrm>
+          <a:off x="0" y="0"/>
+          <a:ext cx="0" cy="0"/>
+          <a:chOff x="0" y="0"/>
+          <a:chExt cx="0" cy="0"/>
+        </a:xfrm>
+      </p:grpSpPr>
+      <p:sp>
+        <p:nvSpPr>
+          <p:cNvPr id="2" name="Slide Image Placeholder 1">
+            <a:extLst>
+              <a:ext uri="{FF2B5EF4-FFF2-40B4-BE49-F238E27FC236}">
+                <a16:creationId xmlns:a16="http://schemas.microsoft.com/office/drawing/2014/main" id="{972B90D0-F812-3DED-F014-E884BFD9BDC7}"/>
+              </a:ext>
+            </a:extLst>
+          </p:cNvPr>
+          <p:cNvSpPr>
+            <a:spLocks noGrp="1" noRot="1" noChangeAspect="1"/>
+          </p:cNvSpPr>
+          <p:nvPr>
+            <p:ph type="sldImg"/>
+          </p:nvPr>
+        </p:nvSpPr>
+        <p:spPr/>
+        <p:txBody>
+          <a:bodyPr/>
+          <a:lstStyle/>
+          <a:p>
+            <a:endParaRPr lang="es-MX"/>
+          </a:p>
+        </p:txBody>
+      </p:sp>
+      <p:sp>
+        <p:nvSpPr>
+          <p:cNvPr id="3" name="Notes Placeholder 2">
+            <a:extLst>
+              <a:ext uri="{FF2B5EF4-FFF2-40B4-BE49-F238E27FC236}">
+                <a16:creationId xmlns:a16="http://schemas.microsoft.com/office/drawing/2014/main" id="{0C4A5C12-36B6-430A-7456-531411F6EB45}"/>
+              </a:ext>
+            </a:extLst>
+          </p:cNvPr>
+          <p:cNvSpPr>
+            <a:spLocks noGrp="1"/>
+          </p:cNvSpPr>
+          <p:nvPr>
+            <p:ph type="body" idx="1"/>
+          </p:nvPr>
+        </p:nvSpPr>
+        <p:spPr/>
+        <p:txBody>
+          <a:bodyPr/>
+          <a:lstStyle/>
+          <a:p>
+            <a:endParaRPr lang="en-US" dirty="0"/>
+          </a:p>
+        </p:txBody>
+      </p:sp>
+      <p:sp>
+        <p:nvSpPr>
+          <p:cNvPr id="4" name="Slide Number Placeholder 3">
+            <a:extLst>
+              <a:ext uri="{FF2B5EF4-FFF2-40B4-BE49-F238E27FC236}">
+                <a16:creationId xmlns:a16="http://schemas.microsoft.com/office/drawing/2014/main" id="{EC67E25B-5242-9ADF-015C-F397B9DA376C}"/>
+              </a:ext>
+            </a:extLst>
+          </p:cNvPr>
+          <p:cNvSpPr>
+            <a:spLocks noGrp="1"/>
+          </p:cNvSpPr>
+          <p:nvPr>
+            <p:ph type="sldNum" sz="quarter" idx="5"/>
+          </p:nvPr>
+        </p:nvSpPr>
+        <p:spPr/>
+        <p:txBody>
+          <a:bodyPr/>
+          <a:lstStyle/>
+          <a:p>
+            <a:fld id="{54EEB602-95FC-483A-B12D-216A7AD7EA24}" type="slidenum">
+              <a:rPr lang="en-US" smtClean="0"/>
+              <a:t>32</a:t>
+            </a:fld>
+            <a:endParaRPr lang="en-US" dirty="0"/>
+          </a:p>
+        </p:txBody>
+      </p:sp>
+    </p:spTree>
+    <p:extLst>
+      <p:ext uri="{BB962C8B-B14F-4D97-AF65-F5344CB8AC3E}">
+        <p14:creationId xmlns:p14="http://schemas.microsoft.com/office/powerpoint/2010/main" val="3885089675"/>
+      </p:ext>
+    </p:extLst>
+  </p:cSld>
+  <p:clrMapOvr>
+    <a:masterClrMapping/>
+  </p:clrMapOvr>
+</p:notes>
+</file>
+
+<file path=ppt/notesSlides/notesSlide31.xml><?xml version="1.0" encoding="utf-8"?>
+<p:notes xmlns:a="http://schemas.openxmlformats.org/drawingml/2006/main" xmlns:r="http://schemas.openxmlformats.org/officeDocument/2006/relationships" xmlns:p="http://schemas.openxmlformats.org/presentationml/2006/main">
+  <p:cSld>
+    <p:spTree>
+      <p:nvGrpSpPr>
+        <p:cNvPr id="1" name="">
+          <a:extLst>
+            <a:ext uri="{FF2B5EF4-FFF2-40B4-BE49-F238E27FC236}">
+              <a16:creationId xmlns:a16="http://schemas.microsoft.com/office/drawing/2014/main" id="{5B6D0337-9852-CCE4-CCA8-23BD255000E6}"/>
+            </a:ext>
+          </a:extLst>
+        </p:cNvPr>
+        <p:cNvGrpSpPr/>
+        <p:nvPr/>
+      </p:nvGrpSpPr>
+      <p:grpSpPr>
+        <a:xfrm>
+          <a:off x="0" y="0"/>
+          <a:ext cx="0" cy="0"/>
+          <a:chOff x="0" y="0"/>
+          <a:chExt cx="0" cy="0"/>
+        </a:xfrm>
+      </p:grpSpPr>
+      <p:sp>
+        <p:nvSpPr>
+          <p:cNvPr id="2" name="Slide Image Placeholder 1">
+            <a:extLst>
+              <a:ext uri="{FF2B5EF4-FFF2-40B4-BE49-F238E27FC236}">
+                <a16:creationId xmlns:a16="http://schemas.microsoft.com/office/drawing/2014/main" id="{679CD5AB-60CB-6739-9041-443B06B980CD}"/>
+              </a:ext>
+            </a:extLst>
+          </p:cNvPr>
+          <p:cNvSpPr>
+            <a:spLocks noGrp="1" noRot="1" noChangeAspect="1"/>
+          </p:cNvSpPr>
+          <p:nvPr>
+            <p:ph type="sldImg"/>
+          </p:nvPr>
+        </p:nvSpPr>
+        <p:spPr/>
+        <p:txBody>
+          <a:bodyPr/>
+          <a:lstStyle/>
+          <a:p>
+            <a:endParaRPr lang="es-MX"/>
+          </a:p>
+        </p:txBody>
+      </p:sp>
+      <p:sp>
+        <p:nvSpPr>
+          <p:cNvPr id="3" name="Notes Placeholder 2">
+            <a:extLst>
+              <a:ext uri="{FF2B5EF4-FFF2-40B4-BE49-F238E27FC236}">
+                <a16:creationId xmlns:a16="http://schemas.microsoft.com/office/drawing/2014/main" id="{67807255-5E9C-E846-5C25-62AE387F58FF}"/>
+              </a:ext>
+            </a:extLst>
+          </p:cNvPr>
+          <p:cNvSpPr>
+            <a:spLocks noGrp="1"/>
+          </p:cNvSpPr>
+          <p:nvPr>
+            <p:ph type="body" idx="1"/>
+          </p:nvPr>
+        </p:nvSpPr>
+        <p:spPr/>
+        <p:txBody>
+          <a:bodyPr/>
+          <a:lstStyle/>
+          <a:p>
+            <a:endParaRPr lang="en-US" dirty="0"/>
+          </a:p>
+        </p:txBody>
+      </p:sp>
+      <p:sp>
+        <p:nvSpPr>
+          <p:cNvPr id="4" name="Slide Number Placeholder 3">
+            <a:extLst>
+              <a:ext uri="{FF2B5EF4-FFF2-40B4-BE49-F238E27FC236}">
+                <a16:creationId xmlns:a16="http://schemas.microsoft.com/office/drawing/2014/main" id="{C8448D00-2D7E-68B8-B8DE-6885E18F6D5D}"/>
+              </a:ext>
+            </a:extLst>
+          </p:cNvPr>
+          <p:cNvSpPr>
+            <a:spLocks noGrp="1"/>
+          </p:cNvSpPr>
+          <p:nvPr>
+            <p:ph type="sldNum" sz="quarter" idx="5"/>
+          </p:nvPr>
+        </p:nvSpPr>
+        <p:spPr/>
+        <p:txBody>
+          <a:bodyPr/>
+          <a:lstStyle/>
+          <a:p>
+            <a:fld id="{54EEB602-95FC-483A-B12D-216A7AD7EA24}" type="slidenum">
+              <a:rPr lang="en-US" smtClean="0"/>
+              <a:t>33</a:t>
+            </a:fld>
+            <a:endParaRPr lang="en-US" dirty="0"/>
+          </a:p>
+        </p:txBody>
+      </p:sp>
+    </p:spTree>
+    <p:extLst>
+      <p:ext uri="{BB962C8B-B14F-4D97-AF65-F5344CB8AC3E}">
+        <p14:creationId xmlns:p14="http://schemas.microsoft.com/office/powerpoint/2010/main" val="796277313"/>
+      </p:ext>
+    </p:extLst>
+  </p:cSld>
+  <p:clrMapOvr>
+    <a:masterClrMapping/>
+  </p:clrMapOvr>
+</p:notes>
+</file>
+
+<file path=ppt/notesSlides/notesSlide32.xml><?xml version="1.0" encoding="utf-8"?>
+<p:notes xmlns:a="http://schemas.openxmlformats.org/drawingml/2006/main" xmlns:r="http://schemas.openxmlformats.org/officeDocument/2006/relationships" xmlns:p="http://schemas.openxmlformats.org/presentationml/2006/main">
+  <p:cSld>
+    <p:spTree>
+      <p:nvGrpSpPr>
+        <p:cNvPr id="1" name="">
+          <a:extLst>
+            <a:ext uri="{FF2B5EF4-FFF2-40B4-BE49-F238E27FC236}">
+              <a16:creationId xmlns:a16="http://schemas.microsoft.com/office/drawing/2014/main" id="{3822ADCE-5235-DFEE-14B1-87D090B0952E}"/>
+            </a:ext>
+          </a:extLst>
+        </p:cNvPr>
+        <p:cNvGrpSpPr/>
+        <p:nvPr/>
+      </p:nvGrpSpPr>
+      <p:grpSpPr>
+        <a:xfrm>
+          <a:off x="0" y="0"/>
+          <a:ext cx="0" cy="0"/>
+          <a:chOff x="0" y="0"/>
+          <a:chExt cx="0" cy="0"/>
+        </a:xfrm>
+      </p:grpSpPr>
+      <p:sp>
+        <p:nvSpPr>
+          <p:cNvPr id="2" name="Slide Image Placeholder 1">
+            <a:extLst>
+              <a:ext uri="{FF2B5EF4-FFF2-40B4-BE49-F238E27FC236}">
+                <a16:creationId xmlns:a16="http://schemas.microsoft.com/office/drawing/2014/main" id="{844A9D7D-5FF8-FAC7-C91B-FCF9FDF087BF}"/>
+              </a:ext>
+            </a:extLst>
+          </p:cNvPr>
+          <p:cNvSpPr>
+            <a:spLocks noGrp="1" noRot="1" noChangeAspect="1"/>
+          </p:cNvSpPr>
+          <p:nvPr>
+            <p:ph type="sldImg"/>
+          </p:nvPr>
+        </p:nvSpPr>
+        <p:spPr/>
+        <p:txBody>
+          <a:bodyPr/>
+          <a:lstStyle/>
+          <a:p>
+            <a:endParaRPr lang="es-MX"/>
+          </a:p>
+        </p:txBody>
+      </p:sp>
+      <p:sp>
+        <p:nvSpPr>
+          <p:cNvPr id="3" name="Notes Placeholder 2">
+            <a:extLst>
+              <a:ext uri="{FF2B5EF4-FFF2-40B4-BE49-F238E27FC236}">
+                <a16:creationId xmlns:a16="http://schemas.microsoft.com/office/drawing/2014/main" id="{3F30274E-E98A-5D2C-37F2-7879F5D9CAB8}"/>
+              </a:ext>
+            </a:extLst>
+          </p:cNvPr>
+          <p:cNvSpPr>
+            <a:spLocks noGrp="1"/>
+          </p:cNvSpPr>
+          <p:nvPr>
+            <p:ph type="body" idx="1"/>
+          </p:nvPr>
+        </p:nvSpPr>
+        <p:spPr/>
+        <p:txBody>
+          <a:bodyPr/>
+          <a:lstStyle/>
+          <a:p>
+            <a:endParaRPr lang="en-US" dirty="0"/>
+          </a:p>
+        </p:txBody>
+      </p:sp>
+      <p:sp>
+        <p:nvSpPr>
+          <p:cNvPr id="4" name="Slide Number Placeholder 3">
+            <a:extLst>
+              <a:ext uri="{FF2B5EF4-FFF2-40B4-BE49-F238E27FC236}">
+                <a16:creationId xmlns:a16="http://schemas.microsoft.com/office/drawing/2014/main" id="{1A291777-08E1-B663-DFC4-9AFCF5DA7E7B}"/>
+              </a:ext>
+            </a:extLst>
+          </p:cNvPr>
+          <p:cNvSpPr>
+            <a:spLocks noGrp="1"/>
+          </p:cNvSpPr>
+          <p:nvPr>
+            <p:ph type="sldNum" sz="quarter" idx="5"/>
+          </p:nvPr>
+        </p:nvSpPr>
+        <p:spPr/>
+        <p:txBody>
+          <a:bodyPr/>
+          <a:lstStyle/>
+          <a:p>
+            <a:fld id="{54EEB602-95FC-483A-B12D-216A7AD7EA24}" type="slidenum">
+              <a:rPr lang="en-US" smtClean="0"/>
+              <a:t>34</a:t>
+            </a:fld>
+            <a:endParaRPr lang="en-US" dirty="0"/>
+          </a:p>
+        </p:txBody>
+      </p:sp>
+    </p:spTree>
+    <p:extLst>
+      <p:ext uri="{BB962C8B-B14F-4D97-AF65-F5344CB8AC3E}">
+        <p14:creationId xmlns:p14="http://schemas.microsoft.com/office/powerpoint/2010/main" val="2029592522"/>
+      </p:ext>
+    </p:extLst>
+  </p:cSld>
+  <p:clrMapOvr>
+    <a:masterClrMapping/>
+  </p:clrMapOvr>
+</p:notes>
+</file>
+
+<file path=ppt/notesSlides/notesSlide33.xml><?xml version="1.0" encoding="utf-8"?>
+<p:notes xmlns:a="http://schemas.openxmlformats.org/drawingml/2006/main" xmlns:r="http://schemas.openxmlformats.org/officeDocument/2006/relationships" xmlns:p="http://schemas.openxmlformats.org/presentationml/2006/main">
+  <p:cSld>
+    <p:spTree>
+      <p:nvGrpSpPr>
+        <p:cNvPr id="1" name="">
+          <a:extLst>
+            <a:ext uri="{FF2B5EF4-FFF2-40B4-BE49-F238E27FC236}">
+              <a16:creationId xmlns:a16="http://schemas.microsoft.com/office/drawing/2014/main" id="{A146C023-D7F8-B60A-DC28-D2B3F8CC9258}"/>
+            </a:ext>
+          </a:extLst>
+        </p:cNvPr>
+        <p:cNvGrpSpPr/>
+        <p:nvPr/>
+      </p:nvGrpSpPr>
+      <p:grpSpPr>
+        <a:xfrm>
+          <a:off x="0" y="0"/>
+          <a:ext cx="0" cy="0"/>
+          <a:chOff x="0" y="0"/>
+          <a:chExt cx="0" cy="0"/>
+        </a:xfrm>
+      </p:grpSpPr>
+      <p:sp>
+        <p:nvSpPr>
+          <p:cNvPr id="2" name="Slide Image Placeholder 1">
+            <a:extLst>
+              <a:ext uri="{FF2B5EF4-FFF2-40B4-BE49-F238E27FC236}">
+                <a16:creationId xmlns:a16="http://schemas.microsoft.com/office/drawing/2014/main" id="{9AD892BA-5539-1A51-0467-400774689BFE}"/>
+              </a:ext>
+            </a:extLst>
+          </p:cNvPr>
+          <p:cNvSpPr>
+            <a:spLocks noGrp="1" noRot="1" noChangeAspect="1"/>
+          </p:cNvSpPr>
+          <p:nvPr>
+            <p:ph type="sldImg"/>
+          </p:nvPr>
+        </p:nvSpPr>
+        <p:spPr/>
+        <p:txBody>
+          <a:bodyPr/>
+          <a:lstStyle/>
+          <a:p>
+            <a:endParaRPr lang="es-MX"/>
+          </a:p>
+        </p:txBody>
+      </p:sp>
+      <p:sp>
+        <p:nvSpPr>
+          <p:cNvPr id="3" name="Notes Placeholder 2">
+            <a:extLst>
+              <a:ext uri="{FF2B5EF4-FFF2-40B4-BE49-F238E27FC236}">
+                <a16:creationId xmlns:a16="http://schemas.microsoft.com/office/drawing/2014/main" id="{AFB034F4-9EAB-2D4A-85F7-5BA8F7A339EB}"/>
+              </a:ext>
+            </a:extLst>
+          </p:cNvPr>
+          <p:cNvSpPr>
+            <a:spLocks noGrp="1"/>
+          </p:cNvSpPr>
+          <p:nvPr>
+            <p:ph type="body" idx="1"/>
+          </p:nvPr>
+        </p:nvSpPr>
+        <p:spPr/>
+        <p:txBody>
+          <a:bodyPr/>
+          <a:lstStyle/>
+          <a:p>
+            <a:endParaRPr lang="en-US" dirty="0"/>
+          </a:p>
+        </p:txBody>
+      </p:sp>
+      <p:sp>
+        <p:nvSpPr>
+          <p:cNvPr id="4" name="Slide Number Placeholder 3">
+            <a:extLst>
+              <a:ext uri="{FF2B5EF4-FFF2-40B4-BE49-F238E27FC236}">
+                <a16:creationId xmlns:a16="http://schemas.microsoft.com/office/drawing/2014/main" id="{D4A965DE-F843-A7F2-A0CC-B7D8AA3F9DE5}"/>
+              </a:ext>
+            </a:extLst>
+          </p:cNvPr>
+          <p:cNvSpPr>
+            <a:spLocks noGrp="1"/>
+          </p:cNvSpPr>
+          <p:nvPr>
+            <p:ph type="sldNum" sz="quarter" idx="5"/>
+          </p:nvPr>
+        </p:nvSpPr>
+        <p:spPr/>
+        <p:txBody>
+          <a:bodyPr/>
+          <a:lstStyle/>
+          <a:p>
+            <a:fld id="{54EEB602-95FC-483A-B12D-216A7AD7EA24}" type="slidenum">
+              <a:rPr lang="en-US" smtClean="0"/>
+              <a:t>35</a:t>
+            </a:fld>
+            <a:endParaRPr lang="en-US" dirty="0"/>
+          </a:p>
+        </p:txBody>
+      </p:sp>
+    </p:spTree>
+    <p:extLst>
+      <p:ext uri="{BB962C8B-B14F-4D97-AF65-F5344CB8AC3E}">
+        <p14:creationId xmlns:p14="http://schemas.microsoft.com/office/powerpoint/2010/main" val="1195613135"/>
+      </p:ext>
+    </p:extLst>
+  </p:cSld>
+  <p:clrMapOvr>
+    <a:masterClrMapping/>
+  </p:clrMapOvr>
+</p:notes>
+</file>
+
+<file path=ppt/notesSlides/notesSlide34.xml><?xml version="1.0" encoding="utf-8"?>
+<p:notes xmlns:a="http://schemas.openxmlformats.org/drawingml/2006/main" xmlns:r="http://schemas.openxmlformats.org/officeDocument/2006/relationships" xmlns:p="http://schemas.openxmlformats.org/presentationml/2006/main">
+  <p:cSld>
+    <p:spTree>
+      <p:nvGrpSpPr>
+        <p:cNvPr id="1" name="">
+          <a:extLst>
+            <a:ext uri="{FF2B5EF4-FFF2-40B4-BE49-F238E27FC236}">
+              <a16:creationId xmlns:a16="http://schemas.microsoft.com/office/drawing/2014/main" id="{84F9C9D4-44CC-C062-707A-D24A08AE9075}"/>
+            </a:ext>
+          </a:extLst>
+        </p:cNvPr>
+        <p:cNvGrpSpPr/>
+        <p:nvPr/>
+      </p:nvGrpSpPr>
+      <p:grpSpPr>
+        <a:xfrm>
+          <a:off x="0" y="0"/>
+          <a:ext cx="0" cy="0"/>
+          <a:chOff x="0" y="0"/>
+          <a:chExt cx="0" cy="0"/>
+        </a:xfrm>
+      </p:grpSpPr>
+      <p:sp>
+        <p:nvSpPr>
+          <p:cNvPr id="2" name="Slide Image Placeholder 1">
+            <a:extLst>
+              <a:ext uri="{FF2B5EF4-FFF2-40B4-BE49-F238E27FC236}">
+                <a16:creationId xmlns:a16="http://schemas.microsoft.com/office/drawing/2014/main" id="{E31EA045-E47D-CEE3-5C30-E11AF9BA37DB}"/>
+              </a:ext>
+            </a:extLst>
+          </p:cNvPr>
+          <p:cNvSpPr>
+            <a:spLocks noGrp="1" noRot="1" noChangeAspect="1"/>
+          </p:cNvSpPr>
+          <p:nvPr>
+            <p:ph type="sldImg"/>
+          </p:nvPr>
+        </p:nvSpPr>
+        <p:spPr/>
+        <p:txBody>
+          <a:bodyPr/>
+          <a:lstStyle/>
+          <a:p>
+            <a:endParaRPr lang="es-MX"/>
+          </a:p>
+        </p:txBody>
+      </p:sp>
+      <p:sp>
+        <p:nvSpPr>
+          <p:cNvPr id="3" name="Notes Placeholder 2">
+            <a:extLst>
+              <a:ext uri="{FF2B5EF4-FFF2-40B4-BE49-F238E27FC236}">
+                <a16:creationId xmlns:a16="http://schemas.microsoft.com/office/drawing/2014/main" id="{9F2EF5F9-167A-1C6F-D63F-2F3E7421A242}"/>
+              </a:ext>
+            </a:extLst>
+          </p:cNvPr>
+          <p:cNvSpPr>
+            <a:spLocks noGrp="1"/>
+          </p:cNvSpPr>
+          <p:nvPr>
+            <p:ph type="body" idx="1"/>
+          </p:nvPr>
+        </p:nvSpPr>
+        <p:spPr/>
+        <p:txBody>
+          <a:bodyPr/>
+          <a:lstStyle/>
+          <a:p>
+            <a:endParaRPr lang="en-US" dirty="0"/>
+          </a:p>
+        </p:txBody>
+      </p:sp>
+      <p:sp>
+        <p:nvSpPr>
+          <p:cNvPr id="4" name="Slide Number Placeholder 3">
+            <a:extLst>
+              <a:ext uri="{FF2B5EF4-FFF2-40B4-BE49-F238E27FC236}">
+                <a16:creationId xmlns:a16="http://schemas.microsoft.com/office/drawing/2014/main" id="{D34B68ED-97C0-A1F2-246F-2920711AEBC1}"/>
+              </a:ext>
+            </a:extLst>
+          </p:cNvPr>
+          <p:cNvSpPr>
+            <a:spLocks noGrp="1"/>
+          </p:cNvSpPr>
+          <p:nvPr>
+            <p:ph type="sldNum" sz="quarter" idx="5"/>
+          </p:nvPr>
+        </p:nvSpPr>
+        <p:spPr/>
+        <p:txBody>
+          <a:bodyPr/>
+          <a:lstStyle/>
+          <a:p>
+            <a:fld id="{54EEB602-95FC-483A-B12D-216A7AD7EA24}" type="slidenum">
+              <a:rPr lang="en-US" smtClean="0"/>
+              <a:t>36</a:t>
+            </a:fld>
+            <a:endParaRPr lang="en-US" dirty="0"/>
+          </a:p>
+        </p:txBody>
+      </p:sp>
+    </p:spTree>
+    <p:extLst>
+      <p:ext uri="{BB962C8B-B14F-4D97-AF65-F5344CB8AC3E}">
+        <p14:creationId xmlns:p14="http://schemas.microsoft.com/office/powerpoint/2010/main" val="1614752831"/>
+      </p:ext>
+    </p:extLst>
+  </p:cSld>
+  <p:clrMapOvr>
+    <a:masterClrMapping/>
+  </p:clrMapOvr>
+</p:notes>
+</file>
+
+<file path=ppt/notesSlides/notesSlide35.xml><?xml version="1.0" encoding="utf-8"?>
+<p:notes xmlns:a="http://schemas.openxmlformats.org/drawingml/2006/main" xmlns:r="http://schemas.openxmlformats.org/officeDocument/2006/relationships" xmlns:p="http://schemas.openxmlformats.org/presentationml/2006/main">
+  <p:cSld>
+    <p:spTree>
+      <p:nvGrpSpPr>
+        <p:cNvPr id="1" name="">
+          <a:extLst>
+            <a:ext uri="{FF2B5EF4-FFF2-40B4-BE49-F238E27FC236}">
+              <a16:creationId xmlns:a16="http://schemas.microsoft.com/office/drawing/2014/main" id="{2746207C-1FDE-2D25-FC93-AE5E02FF021A}"/>
+            </a:ext>
+          </a:extLst>
+        </p:cNvPr>
+        <p:cNvGrpSpPr/>
+        <p:nvPr/>
+      </p:nvGrpSpPr>
+      <p:grpSpPr>
+        <a:xfrm>
+          <a:off x="0" y="0"/>
+          <a:ext cx="0" cy="0"/>
+          <a:chOff x="0" y="0"/>
+          <a:chExt cx="0" cy="0"/>
+        </a:xfrm>
+      </p:grpSpPr>
+      <p:sp>
+        <p:nvSpPr>
+          <p:cNvPr id="2" name="Slide Image Placeholder 1">
+            <a:extLst>
+              <a:ext uri="{FF2B5EF4-FFF2-40B4-BE49-F238E27FC236}">
+                <a16:creationId xmlns:a16="http://schemas.microsoft.com/office/drawing/2014/main" id="{3E1DBB0E-E6E8-096A-FE0E-2858A1367CF4}"/>
+              </a:ext>
+            </a:extLst>
+          </p:cNvPr>
+          <p:cNvSpPr>
+            <a:spLocks noGrp="1" noRot="1" noChangeAspect="1"/>
+          </p:cNvSpPr>
+          <p:nvPr>
+            <p:ph type="sldImg"/>
+          </p:nvPr>
+        </p:nvSpPr>
+        <p:spPr/>
+        <p:txBody>
+          <a:bodyPr/>
+          <a:lstStyle/>
+          <a:p>
+            <a:endParaRPr lang="es-MX"/>
+          </a:p>
+        </p:txBody>
+      </p:sp>
+      <p:sp>
+        <p:nvSpPr>
+          <p:cNvPr id="3" name="Notes Placeholder 2">
+            <a:extLst>
+              <a:ext uri="{FF2B5EF4-FFF2-40B4-BE49-F238E27FC236}">
+                <a16:creationId xmlns:a16="http://schemas.microsoft.com/office/drawing/2014/main" id="{EC7EBE4B-FFE9-D9EF-6CD5-371FACFB1E46}"/>
+              </a:ext>
+            </a:extLst>
+          </p:cNvPr>
+          <p:cNvSpPr>
+            <a:spLocks noGrp="1"/>
+          </p:cNvSpPr>
+          <p:nvPr>
+            <p:ph type="body" idx="1"/>
+          </p:nvPr>
+        </p:nvSpPr>
+        <p:spPr/>
+        <p:txBody>
+          <a:bodyPr/>
+          <a:lstStyle/>
+          <a:p>
+            <a:endParaRPr lang="en-US" dirty="0"/>
+          </a:p>
+        </p:txBody>
+      </p:sp>
+      <p:sp>
+        <p:nvSpPr>
+          <p:cNvPr id="4" name="Slide Number Placeholder 3">
+            <a:extLst>
+              <a:ext uri="{FF2B5EF4-FFF2-40B4-BE49-F238E27FC236}">
+                <a16:creationId xmlns:a16="http://schemas.microsoft.com/office/drawing/2014/main" id="{727C99C5-32A8-95C6-6429-335BD12DEAD7}"/>
+              </a:ext>
+            </a:extLst>
+          </p:cNvPr>
+          <p:cNvSpPr>
+            <a:spLocks noGrp="1"/>
+          </p:cNvSpPr>
+          <p:nvPr>
+            <p:ph type="sldNum" sz="quarter" idx="5"/>
+          </p:nvPr>
+        </p:nvSpPr>
+        <p:spPr/>
+        <p:txBody>
+          <a:bodyPr/>
+          <a:lstStyle/>
+          <a:p>
+            <a:fld id="{54EEB602-95FC-483A-B12D-216A7AD7EA24}" type="slidenum">
+              <a:rPr lang="en-US" smtClean="0"/>
+              <a:t>37</a:t>
+            </a:fld>
+            <a:endParaRPr lang="en-US" dirty="0"/>
+          </a:p>
+        </p:txBody>
+      </p:sp>
+    </p:spTree>
+    <p:extLst>
+      <p:ext uri="{BB962C8B-B14F-4D97-AF65-F5344CB8AC3E}">
+        <p14:creationId xmlns:p14="http://schemas.microsoft.com/office/powerpoint/2010/main" val="3570708756"/>
+      </p:ext>
+    </p:extLst>
+  </p:cSld>
+  <p:clrMapOvr>
+    <a:masterClrMapping/>
+  </p:clrMapOvr>
+</p:notes>
+</file>
+
+<file path=ppt/notesSlides/notesSlide36.xml><?xml version="1.0" encoding="utf-8"?>
+<p:notes xmlns:a="http://schemas.openxmlformats.org/drawingml/2006/main" xmlns:r="http://schemas.openxmlformats.org/officeDocument/2006/relationships" xmlns:p="http://schemas.openxmlformats.org/presentationml/2006/main">
+  <p:cSld>
+    <p:spTree>
+      <p:nvGrpSpPr>
+        <p:cNvPr id="1" name="">
+          <a:extLst>
+            <a:ext uri="{FF2B5EF4-FFF2-40B4-BE49-F238E27FC236}">
+              <a16:creationId xmlns:a16="http://schemas.microsoft.com/office/drawing/2014/main" id="{12507ACE-9396-D887-69F6-466D604E49F1}"/>
+            </a:ext>
+          </a:extLst>
+        </p:cNvPr>
+        <p:cNvGrpSpPr/>
+        <p:nvPr/>
+      </p:nvGrpSpPr>
+      <p:grpSpPr>
+        <a:xfrm>
+          <a:off x="0" y="0"/>
+          <a:ext cx="0" cy="0"/>
+          <a:chOff x="0" y="0"/>
+          <a:chExt cx="0" cy="0"/>
+        </a:xfrm>
+      </p:grpSpPr>
+      <p:sp>
+        <p:nvSpPr>
+          <p:cNvPr id="2" name="Slide Image Placeholder 1">
+            <a:extLst>
+              <a:ext uri="{FF2B5EF4-FFF2-40B4-BE49-F238E27FC236}">
+                <a16:creationId xmlns:a16="http://schemas.microsoft.com/office/drawing/2014/main" id="{C2A02A69-10DE-3649-BD03-992C15ECC5D0}"/>
+              </a:ext>
+            </a:extLst>
+          </p:cNvPr>
+          <p:cNvSpPr>
+            <a:spLocks noGrp="1" noRot="1" noChangeAspect="1"/>
+          </p:cNvSpPr>
+          <p:nvPr>
+            <p:ph type="sldImg"/>
+          </p:nvPr>
+        </p:nvSpPr>
+        <p:spPr/>
+        <p:txBody>
+          <a:bodyPr/>
+          <a:lstStyle/>
+          <a:p>
+            <a:endParaRPr lang="es-MX"/>
+          </a:p>
+        </p:txBody>
+      </p:sp>
+      <p:sp>
+        <p:nvSpPr>
+          <p:cNvPr id="3" name="Notes Placeholder 2">
+            <a:extLst>
+              <a:ext uri="{FF2B5EF4-FFF2-40B4-BE49-F238E27FC236}">
+                <a16:creationId xmlns:a16="http://schemas.microsoft.com/office/drawing/2014/main" id="{E0E9D0DE-773F-AB88-4064-5584C77B41F4}"/>
+              </a:ext>
+            </a:extLst>
+          </p:cNvPr>
+          <p:cNvSpPr>
+            <a:spLocks noGrp="1"/>
+          </p:cNvSpPr>
+          <p:nvPr>
+            <p:ph type="body" idx="1"/>
+          </p:nvPr>
+        </p:nvSpPr>
+        <p:spPr/>
+        <p:txBody>
+          <a:bodyPr/>
+          <a:lstStyle/>
+          <a:p>
+            <a:endParaRPr lang="en-US" dirty="0"/>
+          </a:p>
+        </p:txBody>
+      </p:sp>
+      <p:sp>
+        <p:nvSpPr>
+          <p:cNvPr id="4" name="Slide Number Placeholder 3">
+            <a:extLst>
+              <a:ext uri="{FF2B5EF4-FFF2-40B4-BE49-F238E27FC236}">
+                <a16:creationId xmlns:a16="http://schemas.microsoft.com/office/drawing/2014/main" id="{ECBEF3D8-26D7-BF43-7EC7-4A7D8F5A2DA5}"/>
+              </a:ext>
+            </a:extLst>
+          </p:cNvPr>
+          <p:cNvSpPr>
+            <a:spLocks noGrp="1"/>
+          </p:cNvSpPr>
+          <p:nvPr>
+            <p:ph type="sldNum" sz="quarter" idx="5"/>
+          </p:nvPr>
+        </p:nvSpPr>
+        <p:spPr/>
+        <p:txBody>
+          <a:bodyPr/>
+          <a:lstStyle/>
+          <a:p>
+            <a:fld id="{54EEB602-95FC-483A-B12D-216A7AD7EA24}" type="slidenum">
+              <a:rPr lang="en-US" smtClean="0"/>
+              <a:t>38</a:t>
+            </a:fld>
+            <a:endParaRPr lang="en-US" dirty="0"/>
+          </a:p>
+        </p:txBody>
+      </p:sp>
+    </p:spTree>
+    <p:extLst>
+      <p:ext uri="{BB962C8B-B14F-4D97-AF65-F5344CB8AC3E}">
+        <p14:creationId xmlns:p14="http://schemas.microsoft.com/office/powerpoint/2010/main" val="428208517"/>
       </p:ext>
     </p:extLst>
   </p:cSld>
@@ -12768,7 +13580,7 @@
             <a:fld id="{FAEF9944-A4F6-4C59-AEBD-678D6480B8EA}" type="slidenum">
               <a:rPr lang="en-US" smtClean="0"/>
               <a:pPr/>
-              <a:t>‹Nº›</a:t>
+              <a:t>‹#›</a:t>
             </a:fld>
             <a:endParaRPr lang="en-US" dirty="0"/>
           </a:p>
@@ -12986,7 +13798,7 @@
             <a:fld id="{FAEF9944-A4F6-4C59-AEBD-678D6480B8EA}" type="slidenum">
               <a:rPr lang="en-US" smtClean="0"/>
               <a:pPr/>
-              <a:t>‹Nº›</a:t>
+              <a:t>‹#›</a:t>
             </a:fld>
             <a:endParaRPr lang="en-US" dirty="0"/>
           </a:p>
@@ -13172,7 +13984,7 @@
             <a:fld id="{FAEF9944-A4F6-4C59-AEBD-678D6480B8EA}" type="slidenum">
               <a:rPr lang="en-US" smtClean="0"/>
               <a:pPr/>
-              <a:t>‹Nº›</a:t>
+              <a:t>‹#›</a:t>
             </a:fld>
             <a:endParaRPr lang="en-US" dirty="0"/>
           </a:p>
@@ -14355,7 +15167,7 @@
             <a:fld id="{FAEF9944-A4F6-4C59-AEBD-678D6480B8EA}" type="slidenum">
               <a:rPr lang="en-US" smtClean="0"/>
               <a:pPr/>
-              <a:t>‹Nº›</a:t>
+              <a:t>‹#›</a:t>
             </a:fld>
             <a:endParaRPr lang="en-US" dirty="0"/>
           </a:p>
@@ -15170,7 +15982,7 @@
             <a:fld id="{FAEF9944-A4F6-4C59-AEBD-678D6480B8EA}" type="slidenum">
               <a:rPr lang="en-US" smtClean="0"/>
               <a:pPr/>
-              <a:t>‹Nº›</a:t>
+              <a:t>‹#›</a:t>
             </a:fld>
             <a:endParaRPr lang="en-US" dirty="0"/>
           </a:p>
@@ -15382,7 +16194,7 @@
             <a:fld id="{FAEF9944-A4F6-4C59-AEBD-678D6480B8EA}" type="slidenum">
               <a:rPr lang="en-US" smtClean="0"/>
               <a:pPr/>
-              <a:t>‹Nº›</a:t>
+              <a:t>‹#›</a:t>
             </a:fld>
             <a:endParaRPr lang="en-US" dirty="0"/>
           </a:p>
@@ -24286,7 +25098,7 @@
             <a:fld id="{FAEF9944-A4F6-4C59-AEBD-678D6480B8EA}" type="slidenum">
               <a:rPr lang="en-US" smtClean="0"/>
               <a:pPr/>
-              <a:t>‹Nº›</a:t>
+              <a:t>‹#›</a:t>
             </a:fld>
             <a:endParaRPr lang="en-US" dirty="0"/>
           </a:p>
@@ -24566,7 +25378,7 @@
             <a:fld id="{FAEF9944-A4F6-4C59-AEBD-678D6480B8EA}" type="slidenum">
               <a:rPr lang="en-US" smtClean="0"/>
               <a:pPr/>
-              <a:t>‹Nº›</a:t>
+              <a:t>‹#›</a:t>
             </a:fld>
             <a:endParaRPr lang="en-US" dirty="0"/>
           </a:p>
@@ -24970,7 +25782,7 @@
             <a:fld id="{FAEF9944-A4F6-4C59-AEBD-678D6480B8EA}" type="slidenum">
               <a:rPr lang="en-US" smtClean="0"/>
               <a:pPr/>
-              <a:t>‹Nº›</a:t>
+              <a:t>‹#›</a:t>
             </a:fld>
             <a:endParaRPr lang="en-US" dirty="0"/>
           </a:p>
@@ -25047,7 +25859,7 @@
           <a:p>
             <a:fld id="{005CD215-1C45-48A0-8534-39FFE8A7C95A}" type="datetime1">
               <a:rPr lang="en-US" smtClean="0"/>
-              <a:t>10/16/2025</a:t>
+              <a:t>10/17/2025</a:t>
             </a:fld>
             <a:endParaRPr lang="en-US" dirty="0"/>
           </a:p>
@@ -25089,7 +25901,7 @@
           <a:p>
             <a:fld id="{FAEF9944-A4F6-4C59-AEBD-678D6480B8EA}" type="slidenum">
               <a:rPr lang="en-US" smtClean="0"/>
-              <a:t>‹Nº›</a:t>
+              <a:t>‹#›</a:t>
             </a:fld>
             <a:endParaRPr lang="en-US" dirty="0"/>
           </a:p>
@@ -25631,7 +26443,7 @@
             <a:fld id="{FAEF9944-A4F6-4C59-AEBD-678D6480B8EA}" type="slidenum">
               <a:rPr lang="en-US" smtClean="0"/>
               <a:pPr/>
-              <a:t>‹Nº›</a:t>
+              <a:t>‹#›</a:t>
             </a:fld>
             <a:endParaRPr lang="en-US" dirty="0"/>
           </a:p>
@@ -25932,7 +26744,7 @@
             <a:fld id="{FAEF9944-A4F6-4C59-AEBD-678D6480B8EA}" type="slidenum">
               <a:rPr lang="en-US" smtClean="0"/>
               <a:pPr/>
-              <a:t>‹Nº›</a:t>
+              <a:t>‹#›</a:t>
             </a:fld>
             <a:endParaRPr lang="en-US" dirty="0"/>
           </a:p>
@@ -26223,7 +27035,7 @@
             <a:fld id="{FAEF9944-A4F6-4C59-AEBD-678D6480B8EA}" type="slidenum">
               <a:rPr lang="en-US" smtClean="0"/>
               <a:pPr/>
-              <a:t>‹Nº›</a:t>
+              <a:t>‹#›</a:t>
             </a:fld>
             <a:endParaRPr lang="en-US" dirty="0"/>
           </a:p>
@@ -26519,7 +27331,7 @@
             <a:fld id="{FAEF9944-A4F6-4C59-AEBD-678D6480B8EA}" type="slidenum">
               <a:rPr lang="en-US" smtClean="0"/>
               <a:pPr/>
-              <a:t>‹Nº›</a:t>
+              <a:t>‹#›</a:t>
             </a:fld>
             <a:endParaRPr lang="en-US" dirty="0"/>
           </a:p>
@@ -26987,13 +27799,12 @@
               <a:rPr lang="en-US" noProof="0" dirty="0"/>
             </a:br>
             <a:br>
-              <a:rPr lang="en-US" dirty="0"/>
+              <a:rPr lang="en-US" noProof="0" dirty="0"/>
             </a:br>
             <a:r>
-              <a:rPr lang="en-US" dirty="0"/>
+              <a:rPr lang="en-US" noProof="0" dirty="0"/>
               <a:t>Design and implementation of database for PPAP’s</a:t>
             </a:r>
-            <a:endParaRPr lang="en-US" noProof="0" dirty="0"/>
           </a:p>
         </p:txBody>
       </p:sp>
@@ -27076,14 +27887,14 @@
           <p:nvPr>
             <p:extLst>
               <p:ext uri="{D42A27DB-BD31-4B8C-83A1-F6EECF244321}">
-                <p14:modId xmlns:p14="http://schemas.microsoft.com/office/powerpoint/2010/main" val="238277321"/>
+                <p14:modId xmlns:p14="http://schemas.microsoft.com/office/powerpoint/2010/main" val="1748164958"/>
               </p:ext>
             </p:extLst>
           </p:nvPr>
         </p:nvGraphicFramePr>
         <p:xfrm>
           <a:off x="1444752" y="2457026"/>
-          <a:ext cx="10195560" cy="2318891"/>
+          <a:ext cx="10195559" cy="2318891"/>
         </p:xfrm>
         <a:graphic>
           <a:graphicData uri="http://schemas.openxmlformats.org/drawingml/2006/table">
@@ -27092,34 +27903,41 @@
                 <a:tableStyleId>{8A107856-5554-42FB-B03E-39F5DBC370BA}</a:tableStyleId>
               </a:tblPr>
               <a:tblGrid>
-                <a:gridCol w="2548890">
+                <a:gridCol w="1700784">
                   <a:extLst>
                     <a:ext uri="{9D8B030D-6E8A-4147-A177-3AD203B41FA5}">
                       <a16:colId xmlns:a16="http://schemas.microsoft.com/office/drawing/2014/main" val="2245506330"/>
                     </a:ext>
                   </a:extLst>
                 </a:gridCol>
-                <a:gridCol w="3586734">
+                <a:gridCol w="2551176">
                   <a:extLst>
                     <a:ext uri="{9D8B030D-6E8A-4147-A177-3AD203B41FA5}">
                       <a16:colId xmlns:a16="http://schemas.microsoft.com/office/drawing/2014/main" val="1063389680"/>
                     </a:ext>
                   </a:extLst>
                 </a:gridCol>
-                <a:gridCol w="2167128">
+                <a:gridCol w="1499616">
                   <a:extLst>
                     <a:ext uri="{9D8B030D-6E8A-4147-A177-3AD203B41FA5}">
                       <a16:colId xmlns:a16="http://schemas.microsoft.com/office/drawing/2014/main" val="2334273950"/>
                     </a:ext>
                   </a:extLst>
                 </a:gridCol>
-                <a:gridCol w="1892808">
+                <a:gridCol w="1078992">
                   <a:extLst>
                     <a:ext uri="{9D8B030D-6E8A-4147-A177-3AD203B41FA5}">
                       <a16:colId xmlns:a16="http://schemas.microsoft.com/office/drawing/2014/main" val="3087133834"/>
                     </a:ext>
                   </a:extLst>
                 </a:gridCol>
+                <a:gridCol w="3364991">
+                  <a:extLst>
+                    <a:ext uri="{9D8B030D-6E8A-4147-A177-3AD203B41FA5}">
+                      <a16:colId xmlns:a16="http://schemas.microsoft.com/office/drawing/2014/main" val="4117523385"/>
+                    </a:ext>
+                  </a:extLst>
+                </a:gridCol>
               </a:tblGrid>
               <a:tr h="375341">
                 <a:tc>
@@ -27169,6 +27987,19 @@
                       <a:r>
                         <a:rPr lang="en-US" noProof="0" dirty="0"/>
                         <a:t>Required</a:t>
+                      </a:r>
+                    </a:p>
+                  </a:txBody>
+                  <a:tcPr/>
+                </a:tc>
+                <a:tc>
+                  <a:txBody>
+                    <a:bodyPr/>
+                    <a:lstStyle/>
+                    <a:p>
+                      <a:r>
+                        <a:rPr lang="en-US" noProof="0" dirty="0"/>
+                        <a:t>Example</a:t>
                       </a:r>
                     </a:p>
                   </a:txBody>
@@ -27259,6 +28090,19 @@
                   </a:txBody>
                   <a:tcPr/>
                 </a:tc>
+                <a:tc>
+                  <a:txBody>
+                    <a:bodyPr/>
+                    <a:lstStyle/>
+                    <a:p>
+                      <a:r>
+                        <a:rPr lang="en-US" noProof="0" dirty="0"/>
+                        <a:t>E26424100</a:t>
+                      </a:r>
+                    </a:p>
+                  </a:txBody>
+                  <a:tcPr/>
+                </a:tc>
                 <a:extLst>
                   <a:ext uri="{0D108BD9-81ED-4DB2-BD59-A6C34878D82A}">
                     <a16:rowId xmlns:a16="http://schemas.microsoft.com/office/drawing/2014/main" val="371253128"/>
@@ -27428,6 +28272,19 @@
                   </a:txBody>
                   <a:tcPr/>
                 </a:tc>
+                <a:tc>
+                  <a:txBody>
+                    <a:bodyPr/>
+                    <a:lstStyle/>
+                    <a:p>
+                      <a:r>
+                        <a:rPr lang="en-US" noProof="0" dirty="0"/>
+                        <a:t>CUS019</a:t>
+                      </a:r>
+                    </a:p>
+                  </a:txBody>
+                  <a:tcPr/>
+                </a:tc>
                 <a:extLst>
                   <a:ext uri="{0D108BD9-81ED-4DB2-BD59-A6C34878D82A}">
                     <a16:rowId xmlns:a16="http://schemas.microsoft.com/office/drawing/2014/main" val="2226317490"/>
@@ -27590,6 +28447,19 @@
                     </a:p>
                     <a:p>
                       <a:endParaRPr lang="en-US" noProof="0" dirty="0"/>
+                    </a:p>
+                  </a:txBody>
+                  <a:tcPr/>
+                </a:tc>
+                <a:tc>
+                  <a:txBody>
+                    <a:bodyPr/>
+                    <a:lstStyle/>
+                    <a:p>
+                      <a:r>
+                        <a:rPr lang="en-US" noProof="0" dirty="0"/>
+                        <a:t>P000042</a:t>
+                      </a:r>
                     </a:p>
                   </a:txBody>
                   <a:tcPr/>
@@ -27634,32 +28504,16 @@
           <a:p>
             <a:pPr algn="ctr"/>
             <a:r>
-              <a:rPr lang="en-US" dirty="0">
-                <a:highlight>
-                  <a:srgbClr val="FFFF00"/>
-                </a:highlight>
-              </a:rPr>
-              <a:t>Primary</a:t>
-            </a:r>
-            <a:r>
               <a:rPr lang="en-US" noProof="0" dirty="0">
                 <a:highlight>
                   <a:srgbClr val="FFFF00"/>
                 </a:highlight>
               </a:rPr>
-              <a:t> Key</a:t>
+              <a:t>Primary Key</a:t>
             </a:r>
             <a:r>
               <a:rPr lang="en-US" noProof="0" dirty="0"/>
               <a:t> / </a:t>
-            </a:r>
-            <a:r>
-              <a:rPr lang="en-US" dirty="0">
-                <a:highlight>
-                  <a:srgbClr val="00FF00"/>
-                </a:highlight>
-              </a:rPr>
-              <a:t>Foreign </a:t>
             </a:r>
             <a:r>
               <a:rPr lang="en-US" noProof="0" dirty="0">
@@ -27667,7 +28521,7 @@
                   <a:srgbClr val="00FF00"/>
                 </a:highlight>
               </a:rPr>
-              <a:t>Key</a:t>
+              <a:t>Foreign Key</a:t>
             </a:r>
           </a:p>
         </p:txBody>
@@ -27751,14 +28605,14 @@
           <p:nvPr>
             <p:extLst>
               <p:ext uri="{D42A27DB-BD31-4B8C-83A1-F6EECF244321}">
-                <p14:modId xmlns:p14="http://schemas.microsoft.com/office/powerpoint/2010/main" val="3175493909"/>
+                <p14:modId xmlns:p14="http://schemas.microsoft.com/office/powerpoint/2010/main" val="2264087012"/>
               </p:ext>
             </p:extLst>
           </p:nvPr>
         </p:nvGraphicFramePr>
         <p:xfrm>
           <a:off x="1444752" y="2457026"/>
-          <a:ext cx="10195560" cy="2318891"/>
+          <a:ext cx="10195559" cy="2318891"/>
         </p:xfrm>
         <a:graphic>
           <a:graphicData uri="http://schemas.openxmlformats.org/drawingml/2006/table">
@@ -27767,34 +28621,41 @@
                 <a:tableStyleId>{8A107856-5554-42FB-B03E-39F5DBC370BA}</a:tableStyleId>
               </a:tblPr>
               <a:tblGrid>
-                <a:gridCol w="2548890">
+                <a:gridCol w="2496312">
                   <a:extLst>
                     <a:ext uri="{9D8B030D-6E8A-4147-A177-3AD203B41FA5}">
                       <a16:colId xmlns:a16="http://schemas.microsoft.com/office/drawing/2014/main" val="2245506330"/>
                     </a:ext>
                   </a:extLst>
                 </a:gridCol>
-                <a:gridCol w="3586734">
+                <a:gridCol w="2514600">
                   <a:extLst>
                     <a:ext uri="{9D8B030D-6E8A-4147-A177-3AD203B41FA5}">
                       <a16:colId xmlns:a16="http://schemas.microsoft.com/office/drawing/2014/main" val="1063389680"/>
                     </a:ext>
                   </a:extLst>
                 </a:gridCol>
-                <a:gridCol w="2167128">
+                <a:gridCol w="1435608">
                   <a:extLst>
                     <a:ext uri="{9D8B030D-6E8A-4147-A177-3AD203B41FA5}">
                       <a16:colId xmlns:a16="http://schemas.microsoft.com/office/drawing/2014/main" val="2334273950"/>
                     </a:ext>
                   </a:extLst>
                 </a:gridCol>
-                <a:gridCol w="1892808">
+                <a:gridCol w="1051560">
                   <a:extLst>
                     <a:ext uri="{9D8B030D-6E8A-4147-A177-3AD203B41FA5}">
                       <a16:colId xmlns:a16="http://schemas.microsoft.com/office/drawing/2014/main" val="3087133834"/>
                     </a:ext>
                   </a:extLst>
                 </a:gridCol>
+                <a:gridCol w="2697479">
+                  <a:extLst>
+                    <a:ext uri="{9D8B030D-6E8A-4147-A177-3AD203B41FA5}">
+                      <a16:colId xmlns:a16="http://schemas.microsoft.com/office/drawing/2014/main" val="1129728837"/>
+                    </a:ext>
+                  </a:extLst>
+                </a:gridCol>
               </a:tblGrid>
               <a:tr h="375341">
                 <a:tc>
@@ -27844,6 +28705,19 @@
                       <a:r>
                         <a:rPr lang="en-US" noProof="0" dirty="0"/>
                         <a:t>Required</a:t>
+                      </a:r>
+                    </a:p>
+                  </a:txBody>
+                  <a:tcPr/>
+                </a:tc>
+                <a:tc>
+                  <a:txBody>
+                    <a:bodyPr/>
+                    <a:lstStyle/>
+                    <a:p>
+                      <a:r>
+                        <a:rPr lang="en-US" noProof="0" dirty="0"/>
+                        <a:t>Example</a:t>
                       </a:r>
                     </a:p>
                   </a:txBody>
@@ -27934,6 +28808,19 @@
                   </a:txBody>
                   <a:tcPr/>
                 </a:tc>
+                <a:tc>
+                  <a:txBody>
+                    <a:bodyPr/>
+                    <a:lstStyle/>
+                    <a:p>
+                      <a:r>
+                        <a:rPr lang="en-US" noProof="0" dirty="0"/>
+                        <a:t>PP00062</a:t>
+                      </a:r>
+                    </a:p>
+                  </a:txBody>
+                  <a:tcPr/>
+                </a:tc>
                 <a:extLst>
                   <a:ext uri="{0D108BD9-81ED-4DB2-BD59-A6C34878D82A}">
                     <a16:rowId xmlns:a16="http://schemas.microsoft.com/office/drawing/2014/main" val="371253128"/>
@@ -28103,6 +28990,19 @@
                   </a:txBody>
                   <a:tcPr/>
                 </a:tc>
+                <a:tc>
+                  <a:txBody>
+                    <a:bodyPr/>
+                    <a:lstStyle/>
+                    <a:p>
+                      <a:r>
+                        <a:rPr lang="en-US" noProof="0" dirty="0"/>
+                        <a:t>CUS026</a:t>
+                      </a:r>
+                    </a:p>
+                  </a:txBody>
+                  <a:tcPr/>
+                </a:tc>
                 <a:extLst>
                   <a:ext uri="{0D108BD9-81ED-4DB2-BD59-A6C34878D82A}">
                     <a16:rowId xmlns:a16="http://schemas.microsoft.com/office/drawing/2014/main" val="2226317490"/>
@@ -28229,6 +29129,19 @@
                     </a:p>
                     <a:p>
                       <a:endParaRPr lang="en-US" noProof="0" dirty="0"/>
+                    </a:p>
+                  </a:txBody>
+                  <a:tcPr/>
+                </a:tc>
+                <a:tc>
+                  <a:txBody>
+                    <a:bodyPr/>
+                    <a:lstStyle/>
+                    <a:p>
+                      <a:r>
+                        <a:rPr lang="en-US" noProof="0" dirty="0"/>
+                        <a:t>Brazil</a:t>
+                      </a:r>
                     </a:p>
                   </a:txBody>
                   <a:tcPr/>
@@ -28273,32 +29186,16 @@
           <a:p>
             <a:pPr algn="ctr"/>
             <a:r>
-              <a:rPr lang="en-US" dirty="0">
-                <a:highlight>
-                  <a:srgbClr val="FFFF00"/>
-                </a:highlight>
-              </a:rPr>
-              <a:t>Primary</a:t>
-            </a:r>
-            <a:r>
               <a:rPr lang="en-US" noProof="0" dirty="0">
                 <a:highlight>
                   <a:srgbClr val="FFFF00"/>
                 </a:highlight>
               </a:rPr>
-              <a:t> Key</a:t>
+              <a:t>Primary Key</a:t>
             </a:r>
             <a:r>
               <a:rPr lang="en-US" noProof="0" dirty="0"/>
               <a:t> / </a:t>
-            </a:r>
-            <a:r>
-              <a:rPr lang="en-US" dirty="0">
-                <a:highlight>
-                  <a:srgbClr val="00FF00"/>
-                </a:highlight>
-              </a:rPr>
-              <a:t>Foreign </a:t>
             </a:r>
             <a:r>
               <a:rPr lang="en-US" noProof="0" dirty="0">
@@ -28306,7 +29203,7 @@
                   <a:srgbClr val="00FF00"/>
                 </a:highlight>
               </a:rPr>
-              <a:t>Key</a:t>
+              <a:t>Foreign Key</a:t>
             </a:r>
           </a:p>
         </p:txBody>
@@ -28391,14 +29288,14 @@
           <p:nvPr>
             <p:extLst>
               <p:ext uri="{D42A27DB-BD31-4B8C-83A1-F6EECF244321}">
-                <p14:modId xmlns:p14="http://schemas.microsoft.com/office/powerpoint/2010/main" val="2601612329"/>
+                <p14:modId xmlns:p14="http://schemas.microsoft.com/office/powerpoint/2010/main" val="2927502407"/>
               </p:ext>
             </p:extLst>
           </p:nvPr>
         </p:nvGraphicFramePr>
         <p:xfrm>
           <a:off x="1444752" y="2365586"/>
-          <a:ext cx="10195560" cy="3950169"/>
+          <a:ext cx="10195559" cy="3950169"/>
         </p:xfrm>
         <a:graphic>
           <a:graphicData uri="http://schemas.openxmlformats.org/drawingml/2006/table">
@@ -28407,34 +29304,41 @@
                 <a:tableStyleId>{8A107856-5554-42FB-B03E-39F5DBC370BA}</a:tableStyleId>
               </a:tblPr>
               <a:tblGrid>
-                <a:gridCol w="3163824">
+                <a:gridCol w="2185416">
                   <a:extLst>
                     <a:ext uri="{9D8B030D-6E8A-4147-A177-3AD203B41FA5}">
                       <a16:colId xmlns:a16="http://schemas.microsoft.com/office/drawing/2014/main" val="2245506330"/>
                     </a:ext>
                   </a:extLst>
                 </a:gridCol>
-                <a:gridCol w="3419856">
+                <a:gridCol w="2542032">
                   <a:extLst>
                     <a:ext uri="{9D8B030D-6E8A-4147-A177-3AD203B41FA5}">
                       <a16:colId xmlns:a16="http://schemas.microsoft.com/office/drawing/2014/main" val="1063389680"/>
                     </a:ext>
                   </a:extLst>
                 </a:gridCol>
-                <a:gridCol w="1965960">
+                <a:gridCol w="1517904">
                   <a:extLst>
                     <a:ext uri="{9D8B030D-6E8A-4147-A177-3AD203B41FA5}">
                       <a16:colId xmlns:a16="http://schemas.microsoft.com/office/drawing/2014/main" val="2334273950"/>
                     </a:ext>
                   </a:extLst>
                 </a:gridCol>
-                <a:gridCol w="1645920">
+                <a:gridCol w="1051560">
                   <a:extLst>
                     <a:ext uri="{9D8B030D-6E8A-4147-A177-3AD203B41FA5}">
                       <a16:colId xmlns:a16="http://schemas.microsoft.com/office/drawing/2014/main" val="3087133834"/>
                     </a:ext>
                   </a:extLst>
                 </a:gridCol>
+                <a:gridCol w="2898647">
+                  <a:extLst>
+                    <a:ext uri="{9D8B030D-6E8A-4147-A177-3AD203B41FA5}">
+                      <a16:colId xmlns:a16="http://schemas.microsoft.com/office/drawing/2014/main" val="1260120040"/>
+                    </a:ext>
+                  </a:extLst>
+                </a:gridCol>
               </a:tblGrid>
               <a:tr h="377614">
                 <a:tc>
@@ -28484,6 +29388,19 @@
                       <a:r>
                         <a:rPr lang="en-US" noProof="0" dirty="0"/>
                         <a:t>Required</a:t>
+                      </a:r>
+                    </a:p>
+                  </a:txBody>
+                  <a:tcPr/>
+                </a:tc>
+                <a:tc>
+                  <a:txBody>
+                    <a:bodyPr/>
+                    <a:lstStyle/>
+                    <a:p>
+                      <a:r>
+                        <a:rPr lang="en-US" noProof="0" dirty="0"/>
+                        <a:t>Example</a:t>
                       </a:r>
                     </a:p>
                   </a:txBody>
@@ -28564,6 +29481,19 @@
                       <a:r>
                         <a:rPr lang="en-US" noProof="0" dirty="0"/>
                         <a:t>Yes</a:t>
+                      </a:r>
+                    </a:p>
+                  </a:txBody>
+                  <a:tcPr/>
+                </a:tc>
+                <a:tc>
+                  <a:txBody>
+                    <a:bodyPr/>
+                    <a:lstStyle/>
+                    <a:p>
+                      <a:r>
+                        <a:rPr lang="en-US" noProof="0" dirty="0"/>
+                        <a:t>1</a:t>
                       </a:r>
                     </a:p>
                   </a:txBody>
@@ -28754,6 +29684,19 @@
                   </a:txBody>
                   <a:tcPr/>
                 </a:tc>
+                <a:tc>
+                  <a:txBody>
+                    <a:bodyPr/>
+                    <a:lstStyle/>
+                    <a:p>
+                      <a:r>
+                        <a:rPr lang="en-US" noProof="0" dirty="0"/>
+                        <a:t>E26459</a:t>
+                      </a:r>
+                    </a:p>
+                  </a:txBody>
+                  <a:tcPr/>
+                </a:tc>
                 <a:extLst>
                   <a:ext uri="{0D108BD9-81ED-4DB2-BD59-A6C34878D82A}">
                     <a16:rowId xmlns:a16="http://schemas.microsoft.com/office/drawing/2014/main" val="2226317490"/>
@@ -28874,6 +29817,36 @@
                         <a:defRPr/>
                       </a:pPr>
                       <a:endParaRPr lang="en-US" noProof="0" dirty="0"/>
+                    </a:p>
+                  </a:txBody>
+                  <a:tcPr/>
+                </a:tc>
+                <a:tc>
+                  <a:txBody>
+                    <a:bodyPr/>
+                    <a:lstStyle/>
+                    <a:p>
+                      <a:pPr marL="0" marR="0" lvl="0" indent="0" algn="l" defTabSz="914400" rtl="0" eaLnBrk="1" fontAlgn="auto" latinLnBrk="0" hangingPunct="1">
+                        <a:lnSpc>
+                          <a:spcPct val="100000"/>
+                        </a:lnSpc>
+                        <a:spcBef>
+                          <a:spcPts val="0"/>
+                        </a:spcBef>
+                        <a:spcAft>
+                          <a:spcPts val="0"/>
+                        </a:spcAft>
+                        <a:buClrTx/>
+                        <a:buSzTx/>
+                        <a:buFontTx/>
+                        <a:buNone/>
+                        <a:tabLst/>
+                        <a:defRPr/>
+                      </a:pPr>
+                      <a:r>
+                        <a:rPr lang="en-US" noProof="0" dirty="0"/>
+                        <a:t>1076153443</a:t>
+                      </a:r>
                     </a:p>
                   </a:txBody>
                   <a:tcPr/>
@@ -29000,6 +29973,36 @@
                   </a:txBody>
                   <a:tcPr/>
                 </a:tc>
+                <a:tc>
+                  <a:txBody>
+                    <a:bodyPr/>
+                    <a:lstStyle/>
+                    <a:p>
+                      <a:pPr marL="0" marR="0" lvl="0" indent="0" algn="l" defTabSz="914400" rtl="0" eaLnBrk="1" fontAlgn="auto" latinLnBrk="0" hangingPunct="1">
+                        <a:lnSpc>
+                          <a:spcPct val="100000"/>
+                        </a:lnSpc>
+                        <a:spcBef>
+                          <a:spcPts val="0"/>
+                        </a:spcBef>
+                        <a:spcAft>
+                          <a:spcPts val="0"/>
+                        </a:spcAft>
+                        <a:buClrTx/>
+                        <a:buSzTx/>
+                        <a:buFontTx/>
+                        <a:buNone/>
+                        <a:tabLst/>
+                        <a:defRPr/>
+                      </a:pPr>
+                      <a:r>
+                        <a:rPr lang="en-US" noProof="0" dirty="0"/>
+                        <a:t>2025-09-26</a:t>
+                      </a:r>
+                    </a:p>
+                  </a:txBody>
+                  <a:tcPr/>
+                </a:tc>
                 <a:extLst>
                   <a:ext uri="{0D108BD9-81ED-4DB2-BD59-A6C34878D82A}">
                     <a16:rowId xmlns:a16="http://schemas.microsoft.com/office/drawing/2014/main" val="1293842506"/>
@@ -29122,6 +30125,36 @@
                   </a:txBody>
                   <a:tcPr/>
                 </a:tc>
+                <a:tc>
+                  <a:txBody>
+                    <a:bodyPr/>
+                    <a:lstStyle/>
+                    <a:p>
+                      <a:pPr marL="0" marR="0" lvl="0" indent="0" algn="l" defTabSz="914400" rtl="0" eaLnBrk="1" fontAlgn="auto" latinLnBrk="0" hangingPunct="1">
+                        <a:lnSpc>
+                          <a:spcPct val="100000"/>
+                        </a:lnSpc>
+                        <a:spcBef>
+                          <a:spcPts val="0"/>
+                        </a:spcBef>
+                        <a:spcAft>
+                          <a:spcPts val="0"/>
+                        </a:spcAft>
+                        <a:buClrTx/>
+                        <a:buSzTx/>
+                        <a:buFontTx/>
+                        <a:buNone/>
+                        <a:tabLst/>
+                        <a:defRPr/>
+                      </a:pPr>
+                      <a:r>
+                        <a:rPr lang="en-US" noProof="0" dirty="0"/>
+                        <a:t>2025-09-29</a:t>
+                      </a:r>
+                    </a:p>
+                  </a:txBody>
+                  <a:tcPr/>
+                </a:tc>
                 <a:extLst>
                   <a:ext uri="{0D108BD9-81ED-4DB2-BD59-A6C34878D82A}">
                     <a16:rowId xmlns:a16="http://schemas.microsoft.com/office/drawing/2014/main" val="3087432334"/>
@@ -29244,6 +30277,36 @@
                   </a:txBody>
                   <a:tcPr/>
                 </a:tc>
+                <a:tc>
+                  <a:txBody>
+                    <a:bodyPr/>
+                    <a:lstStyle/>
+                    <a:p>
+                      <a:pPr marL="0" marR="0" lvl="0" indent="0" algn="l" defTabSz="914400" rtl="0" eaLnBrk="1" fontAlgn="auto" latinLnBrk="0" hangingPunct="1">
+                        <a:lnSpc>
+                          <a:spcPct val="100000"/>
+                        </a:lnSpc>
+                        <a:spcBef>
+                          <a:spcPts val="0"/>
+                        </a:spcBef>
+                        <a:spcAft>
+                          <a:spcPts val="0"/>
+                        </a:spcAft>
+                        <a:buClrTx/>
+                        <a:buSzTx/>
+                        <a:buFontTx/>
+                        <a:buNone/>
+                        <a:tabLst/>
+                        <a:defRPr/>
+                      </a:pPr>
+                      <a:r>
+                        <a:rPr lang="en-US" noProof="0" dirty="0"/>
+                        <a:t>2025-09-29</a:t>
+                      </a:r>
+                    </a:p>
+                  </a:txBody>
+                  <a:tcPr/>
+                </a:tc>
                 <a:extLst>
                   <a:ext uri="{0D108BD9-81ED-4DB2-BD59-A6C34878D82A}">
                     <a16:rowId xmlns:a16="http://schemas.microsoft.com/office/drawing/2014/main" val="838972659"/>
@@ -29362,6 +30425,36 @@
                         <a:defRPr/>
                       </a:pPr>
                       <a:endParaRPr lang="en-US" noProof="0" dirty="0"/>
+                    </a:p>
+                  </a:txBody>
+                  <a:tcPr/>
+                </a:tc>
+                <a:tc>
+                  <a:txBody>
+                    <a:bodyPr/>
+                    <a:lstStyle/>
+                    <a:p>
+                      <a:pPr marL="0" marR="0" lvl="0" indent="0" algn="l" defTabSz="914400" rtl="0" eaLnBrk="1" fontAlgn="auto" latinLnBrk="0" hangingPunct="1">
+                        <a:lnSpc>
+                          <a:spcPct val="100000"/>
+                        </a:lnSpc>
+                        <a:spcBef>
+                          <a:spcPts val="0"/>
+                        </a:spcBef>
+                        <a:spcAft>
+                          <a:spcPts val="0"/>
+                        </a:spcAft>
+                        <a:buClrTx/>
+                        <a:buSzTx/>
+                        <a:buFontTx/>
+                        <a:buNone/>
+                        <a:tabLst/>
+                        <a:defRPr/>
+                      </a:pPr>
+                      <a:r>
+                        <a:rPr lang="en-US" noProof="0" dirty="0"/>
+                        <a:t>2025-10-02</a:t>
+                      </a:r>
                     </a:p>
                   </a:txBody>
                   <a:tcPr/>
@@ -29478,6 +30571,36 @@
                   </a:txBody>
                   <a:tcPr/>
                 </a:tc>
+                <a:tc>
+                  <a:txBody>
+                    <a:bodyPr/>
+                    <a:lstStyle/>
+                    <a:p>
+                      <a:pPr marL="0" marR="0" lvl="0" indent="0" algn="l" defTabSz="914400" rtl="0" eaLnBrk="1" fontAlgn="auto" latinLnBrk="0" hangingPunct="1">
+                        <a:lnSpc>
+                          <a:spcPct val="100000"/>
+                        </a:lnSpc>
+                        <a:spcBef>
+                          <a:spcPts val="0"/>
+                        </a:spcBef>
+                        <a:spcAft>
+                          <a:spcPts val="0"/>
+                        </a:spcAft>
+                        <a:buClrTx/>
+                        <a:buSzTx/>
+                        <a:buFontTx/>
+                        <a:buNone/>
+                        <a:tabLst/>
+                        <a:defRPr/>
+                      </a:pPr>
+                      <a:r>
+                        <a:rPr lang="en-US" noProof="0" dirty="0"/>
+                        <a:t>1</a:t>
+                      </a:r>
+                    </a:p>
+                  </a:txBody>
+                  <a:tcPr/>
+                </a:tc>
                 <a:extLst>
                   <a:ext uri="{0D108BD9-81ED-4DB2-BD59-A6C34878D82A}">
                     <a16:rowId xmlns:a16="http://schemas.microsoft.com/office/drawing/2014/main" val="4203764920"/>
@@ -29576,6 +30699,33 @@
                         <a:rPr lang="en-US" noProof="0" dirty="0"/>
                         <a:t>1 character</a:t>
                       </a:r>
+                    </a:p>
+                  </a:txBody>
+                  <a:tcPr/>
+                </a:tc>
+                <a:tc>
+                  <a:txBody>
+                    <a:bodyPr/>
+                    <a:lstStyle/>
+                    <a:p>
+                      <a:pPr marL="0" marR="0" lvl="0" indent="0" algn="l" defTabSz="914400" rtl="0" eaLnBrk="1" fontAlgn="auto" latinLnBrk="0" hangingPunct="1">
+                        <a:lnSpc>
+                          <a:spcPct val="100000"/>
+                        </a:lnSpc>
+                        <a:spcBef>
+                          <a:spcPts val="0"/>
+                        </a:spcBef>
+                        <a:spcAft>
+                          <a:spcPts val="0"/>
+                        </a:spcAft>
+                        <a:buClrTx/>
+                        <a:buSzTx/>
+                        <a:buFontTx/>
+                        <a:buNone/>
+                        <a:tabLst/>
+                        <a:defRPr/>
+                      </a:pPr>
+                      <a:endParaRPr lang="en-US" noProof="0" dirty="0"/>
                     </a:p>
                   </a:txBody>
                   <a:tcPr/>
@@ -29631,7 +30781,7 @@
         </p:nvSpPr>
         <p:spPr>
           <a:xfrm>
-            <a:off x="3350970" y="6402586"/>
+            <a:off x="3350970" y="6411730"/>
             <a:ext cx="6382512" cy="369332"/>
           </a:xfrm>
           <a:prstGeom prst="rect">
@@ -29647,32 +30797,16 @@
           <a:p>
             <a:pPr algn="ctr"/>
             <a:r>
-              <a:rPr lang="en-US" dirty="0">
-                <a:highlight>
-                  <a:srgbClr val="FFFF00"/>
-                </a:highlight>
-              </a:rPr>
-              <a:t>Primary</a:t>
-            </a:r>
-            <a:r>
               <a:rPr lang="en-US" noProof="0" dirty="0">
                 <a:highlight>
                   <a:srgbClr val="FFFF00"/>
                 </a:highlight>
               </a:rPr>
-              <a:t> Key</a:t>
+              <a:t>Primary Key</a:t>
             </a:r>
             <a:r>
               <a:rPr lang="en-US" noProof="0" dirty="0"/>
               <a:t> / </a:t>
-            </a:r>
-            <a:r>
-              <a:rPr lang="en-US" dirty="0">
-                <a:highlight>
-                  <a:srgbClr val="00FF00"/>
-                </a:highlight>
-              </a:rPr>
-              <a:t>Foreign </a:t>
             </a:r>
             <a:r>
               <a:rPr lang="en-US" noProof="0" dirty="0">
@@ -29680,7 +30814,7 @@
                   <a:srgbClr val="00FF00"/>
                 </a:highlight>
               </a:rPr>
-              <a:t>Key</a:t>
+              <a:t>Foreign Key</a:t>
             </a:r>
           </a:p>
         </p:txBody>
@@ -29765,7 +30899,7 @@
           <p:nvPr>
             <p:extLst>
               <p:ext uri="{D42A27DB-BD31-4B8C-83A1-F6EECF244321}">
-                <p14:modId xmlns:p14="http://schemas.microsoft.com/office/powerpoint/2010/main" val="3406052887"/>
+                <p14:modId xmlns:p14="http://schemas.microsoft.com/office/powerpoint/2010/main" val="3109464412"/>
               </p:ext>
             </p:extLst>
           </p:nvPr>
@@ -29781,34 +30915,41 @@
                 <a:tableStyleId>{8A107856-5554-42FB-B03E-39F5DBC370BA}</a:tableStyleId>
               </a:tblPr>
               <a:tblGrid>
-                <a:gridCol w="2990088">
+                <a:gridCol w="2331720">
                   <a:extLst>
                     <a:ext uri="{9D8B030D-6E8A-4147-A177-3AD203B41FA5}">
                       <a16:colId xmlns:a16="http://schemas.microsoft.com/office/drawing/2014/main" val="2245506330"/>
                     </a:ext>
                   </a:extLst>
                 </a:gridCol>
-                <a:gridCol w="3157815">
+                <a:gridCol w="2532888">
                   <a:extLst>
                     <a:ext uri="{9D8B030D-6E8A-4147-A177-3AD203B41FA5}">
                       <a16:colId xmlns:a16="http://schemas.microsoft.com/office/drawing/2014/main" val="1063389680"/>
                     </a:ext>
                   </a:extLst>
                 </a:gridCol>
-                <a:gridCol w="2118534">
+                <a:gridCol w="1508760">
                   <a:extLst>
                     <a:ext uri="{9D8B030D-6E8A-4147-A177-3AD203B41FA5}">
                       <a16:colId xmlns:a16="http://schemas.microsoft.com/office/drawing/2014/main" val="2334273950"/>
                     </a:ext>
                   </a:extLst>
                 </a:gridCol>
-                <a:gridCol w="1910835">
+                <a:gridCol w="1051560">
                   <a:extLst>
                     <a:ext uri="{9D8B030D-6E8A-4147-A177-3AD203B41FA5}">
                       <a16:colId xmlns:a16="http://schemas.microsoft.com/office/drawing/2014/main" val="3087133834"/>
                     </a:ext>
                   </a:extLst>
                 </a:gridCol>
+                <a:gridCol w="2752344">
+                  <a:extLst>
+                    <a:ext uri="{9D8B030D-6E8A-4147-A177-3AD203B41FA5}">
+                      <a16:colId xmlns:a16="http://schemas.microsoft.com/office/drawing/2014/main" val="3356876459"/>
+                    </a:ext>
+                  </a:extLst>
+                </a:gridCol>
               </a:tblGrid>
               <a:tr h="375341">
                 <a:tc>
@@ -29858,6 +30999,19 @@
                       <a:r>
                         <a:rPr lang="en-US" noProof="0" dirty="0"/>
                         <a:t>Required</a:t>
+                      </a:r>
+                    </a:p>
+                  </a:txBody>
+                  <a:tcPr/>
+                </a:tc>
+                <a:tc>
+                  <a:txBody>
+                    <a:bodyPr/>
+                    <a:lstStyle/>
+                    <a:p>
+                      <a:r>
+                        <a:rPr lang="en-US" noProof="0" dirty="0"/>
+                        <a:t>Example</a:t>
                       </a:r>
                     </a:p>
                   </a:txBody>
@@ -29955,6 +31109,19 @@
                       <a:r>
                         <a:rPr lang="en-US" noProof="0" dirty="0"/>
                         <a:t>Yes</a:t>
+                      </a:r>
+                    </a:p>
+                  </a:txBody>
+                  <a:tcPr/>
+                </a:tc>
+                <a:tc>
+                  <a:txBody>
+                    <a:bodyPr/>
+                    <a:lstStyle/>
+                    <a:p>
+                      <a:r>
+                        <a:rPr lang="en-US" noProof="0" dirty="0"/>
+                        <a:t>1</a:t>
                       </a:r>
                     </a:p>
                   </a:txBody>
@@ -30142,6 +31309,36 @@
                   </a:txBody>
                   <a:tcPr/>
                 </a:tc>
+                <a:tc>
+                  <a:txBody>
+                    <a:bodyPr/>
+                    <a:lstStyle/>
+                    <a:p>
+                      <a:pPr marL="0" marR="0" lvl="0" indent="0" algn="l" defTabSz="914400" rtl="0" eaLnBrk="1" fontAlgn="auto" latinLnBrk="0" hangingPunct="1">
+                        <a:lnSpc>
+                          <a:spcPct val="100000"/>
+                        </a:lnSpc>
+                        <a:spcBef>
+                          <a:spcPts val="0"/>
+                        </a:spcBef>
+                        <a:spcAft>
+                          <a:spcPts val="0"/>
+                        </a:spcAft>
+                        <a:buClrTx/>
+                        <a:buSzTx/>
+                        <a:buFontTx/>
+                        <a:buNone/>
+                        <a:tabLst/>
+                        <a:defRPr/>
+                      </a:pPr>
+                      <a:r>
+                        <a:rPr lang="en-US" noProof="0" dirty="0"/>
+                        <a:t>163497</a:t>
+                      </a:r>
+                    </a:p>
+                  </a:txBody>
+                  <a:tcPr/>
+                </a:tc>
                 <a:extLst>
                   <a:ext uri="{0D108BD9-81ED-4DB2-BD59-A6C34878D82A}">
                     <a16:rowId xmlns:a16="http://schemas.microsoft.com/office/drawing/2014/main" val="4074494692"/>
@@ -30251,6 +31448,36 @@
                   </a:txBody>
                   <a:tcPr/>
                 </a:tc>
+                <a:tc>
+                  <a:txBody>
+                    <a:bodyPr/>
+                    <a:lstStyle/>
+                    <a:p>
+                      <a:pPr marL="0" marR="0" lvl="0" indent="0" algn="l" defTabSz="914400" rtl="0" eaLnBrk="1" fontAlgn="auto" latinLnBrk="0" hangingPunct="1">
+                        <a:lnSpc>
+                          <a:spcPct val="100000"/>
+                        </a:lnSpc>
+                        <a:spcBef>
+                          <a:spcPts val="0"/>
+                        </a:spcBef>
+                        <a:spcAft>
+                          <a:spcPts val="0"/>
+                        </a:spcAft>
+                        <a:buClrTx/>
+                        <a:buSzTx/>
+                        <a:buFontTx/>
+                        <a:buNone/>
+                        <a:tabLst/>
+                        <a:defRPr/>
+                      </a:pPr>
+                      <a:r>
+                        <a:rPr lang="en-US" noProof="0" dirty="0"/>
+                        <a:t>2024-12-10</a:t>
+                      </a:r>
+                    </a:p>
+                  </a:txBody>
+                  <a:tcPr/>
+                </a:tc>
                 <a:extLst>
                   <a:ext uri="{0D108BD9-81ED-4DB2-BD59-A6C34878D82A}">
                     <a16:rowId xmlns:a16="http://schemas.microsoft.com/office/drawing/2014/main" val="3115815306"/>
@@ -30360,6 +31587,36 @@
                   </a:txBody>
                   <a:tcPr/>
                 </a:tc>
+                <a:tc>
+                  <a:txBody>
+                    <a:bodyPr/>
+                    <a:lstStyle/>
+                    <a:p>
+                      <a:pPr marL="0" marR="0" lvl="0" indent="0" algn="l" defTabSz="914400" rtl="0" eaLnBrk="1" fontAlgn="auto" latinLnBrk="0" hangingPunct="1">
+                        <a:lnSpc>
+                          <a:spcPct val="100000"/>
+                        </a:lnSpc>
+                        <a:spcBef>
+                          <a:spcPts val="0"/>
+                        </a:spcBef>
+                        <a:spcAft>
+                          <a:spcPts val="0"/>
+                        </a:spcAft>
+                        <a:buClrTx/>
+                        <a:buSzTx/>
+                        <a:buFontTx/>
+                        <a:buNone/>
+                        <a:tabLst/>
+                        <a:defRPr/>
+                      </a:pPr>
+                      <a:r>
+                        <a:rPr lang="en-US" noProof="0" dirty="0"/>
+                        <a:t>2024-12-14</a:t>
+                      </a:r>
+                    </a:p>
+                  </a:txBody>
+                  <a:tcPr/>
+                </a:tc>
                 <a:extLst>
                   <a:ext uri="{0D108BD9-81ED-4DB2-BD59-A6C34878D82A}">
                     <a16:rowId xmlns:a16="http://schemas.microsoft.com/office/drawing/2014/main" val="1095117736"/>
@@ -30469,6 +31726,36 @@
                   </a:txBody>
                   <a:tcPr/>
                 </a:tc>
+                <a:tc>
+                  <a:txBody>
+                    <a:bodyPr/>
+                    <a:lstStyle/>
+                    <a:p>
+                      <a:pPr marL="0" marR="0" lvl="0" indent="0" algn="l" defTabSz="914400" rtl="0" eaLnBrk="1" fontAlgn="auto" latinLnBrk="0" hangingPunct="1">
+                        <a:lnSpc>
+                          <a:spcPct val="100000"/>
+                        </a:lnSpc>
+                        <a:spcBef>
+                          <a:spcPts val="0"/>
+                        </a:spcBef>
+                        <a:spcAft>
+                          <a:spcPts val="0"/>
+                        </a:spcAft>
+                        <a:buClrTx/>
+                        <a:buSzTx/>
+                        <a:buFontTx/>
+                        <a:buNone/>
+                        <a:tabLst/>
+                        <a:defRPr/>
+                      </a:pPr>
+                      <a:r>
+                        <a:rPr lang="en-US" noProof="0" dirty="0"/>
+                        <a:t>2024-12-15</a:t>
+                      </a:r>
+                    </a:p>
+                  </a:txBody>
+                  <a:tcPr/>
+                </a:tc>
                 <a:extLst>
                   <a:ext uri="{0D108BD9-81ED-4DB2-BD59-A6C34878D82A}">
                     <a16:rowId xmlns:a16="http://schemas.microsoft.com/office/drawing/2014/main" val="3829836681"/>
@@ -30578,6 +31865,36 @@
                   </a:txBody>
                   <a:tcPr/>
                 </a:tc>
+                <a:tc>
+                  <a:txBody>
+                    <a:bodyPr/>
+                    <a:lstStyle/>
+                    <a:p>
+                      <a:pPr marL="0" marR="0" lvl="0" indent="0" algn="l" defTabSz="914400" rtl="0" eaLnBrk="1" fontAlgn="auto" latinLnBrk="0" hangingPunct="1">
+                        <a:lnSpc>
+                          <a:spcPct val="100000"/>
+                        </a:lnSpc>
+                        <a:spcBef>
+                          <a:spcPts val="0"/>
+                        </a:spcBef>
+                        <a:spcAft>
+                          <a:spcPts val="0"/>
+                        </a:spcAft>
+                        <a:buClrTx/>
+                        <a:buSzTx/>
+                        <a:buFontTx/>
+                        <a:buNone/>
+                        <a:tabLst/>
+                        <a:defRPr/>
+                      </a:pPr>
+                      <a:r>
+                        <a:rPr lang="en-US" noProof="0" dirty="0"/>
+                        <a:t>2024-12-20</a:t>
+                      </a:r>
+                    </a:p>
+                  </a:txBody>
+                  <a:tcPr/>
+                </a:tc>
                 <a:extLst>
                   <a:ext uri="{0D108BD9-81ED-4DB2-BD59-A6C34878D82A}">
                     <a16:rowId xmlns:a16="http://schemas.microsoft.com/office/drawing/2014/main" val="2160113453"/>
@@ -30690,6 +32007,33 @@
                   </a:txBody>
                   <a:tcPr/>
                 </a:tc>
+                <a:tc>
+                  <a:txBody>
+                    <a:bodyPr/>
+                    <a:lstStyle/>
+                    <a:p>
+                      <a:pPr marL="0" marR="0" lvl="0" indent="0" algn="l" defTabSz="914400" rtl="0" eaLnBrk="1" fontAlgn="auto" latinLnBrk="0" hangingPunct="1">
+                        <a:lnSpc>
+                          <a:spcPct val="100000"/>
+                        </a:lnSpc>
+                        <a:spcBef>
+                          <a:spcPts val="0"/>
+                        </a:spcBef>
+                        <a:spcAft>
+                          <a:spcPts val="0"/>
+                        </a:spcAft>
+                        <a:buClrTx/>
+                        <a:buSzTx/>
+                        <a:buFontTx/>
+                        <a:buNone/>
+                        <a:tabLst/>
+                        <a:defRPr/>
+                      </a:pPr>
+                      <a:endParaRPr lang="en-US" noProof="0" dirty="0"/>
+                    </a:p>
+                  </a:txBody>
+                  <a:tcPr/>
+                </a:tc>
                 <a:extLst>
                   <a:ext uri="{0D108BD9-81ED-4DB2-BD59-A6C34878D82A}">
                     <a16:rowId xmlns:a16="http://schemas.microsoft.com/office/drawing/2014/main" val="3643015772"/>
@@ -30815,6 +32159,36 @@
                         <a:defRPr/>
                       </a:pPr>
                       <a:endParaRPr lang="en-US" noProof="0" dirty="0"/>
+                    </a:p>
+                  </a:txBody>
+                  <a:tcPr/>
+                </a:tc>
+                <a:tc>
+                  <a:txBody>
+                    <a:bodyPr/>
+                    <a:lstStyle/>
+                    <a:p>
+                      <a:pPr marL="0" marR="0" lvl="0" indent="0" algn="l" defTabSz="914400" rtl="0" eaLnBrk="1" fontAlgn="auto" latinLnBrk="0" hangingPunct="1">
+                        <a:lnSpc>
+                          <a:spcPct val="100000"/>
+                        </a:lnSpc>
+                        <a:spcBef>
+                          <a:spcPts val="0"/>
+                        </a:spcBef>
+                        <a:spcAft>
+                          <a:spcPts val="0"/>
+                        </a:spcAft>
+                        <a:buClrTx/>
+                        <a:buSzTx/>
+                        <a:buFontTx/>
+                        <a:buNone/>
+                        <a:tabLst/>
+                        <a:defRPr/>
+                      </a:pPr>
+                      <a:r>
+                        <a:rPr lang="en-US" noProof="0" dirty="0"/>
+                        <a:t>1</a:t>
+                      </a:r>
                     </a:p>
                   </a:txBody>
                   <a:tcPr/>
@@ -30859,32 +32233,16 @@
           <a:p>
             <a:pPr algn="ctr"/>
             <a:r>
-              <a:rPr lang="en-US" dirty="0">
-                <a:highlight>
-                  <a:srgbClr val="FFFF00"/>
-                </a:highlight>
-              </a:rPr>
-              <a:t>Primary</a:t>
-            </a:r>
-            <a:r>
               <a:rPr lang="en-US" noProof="0" dirty="0">
                 <a:highlight>
                   <a:srgbClr val="FFFF00"/>
                 </a:highlight>
               </a:rPr>
-              <a:t> Key</a:t>
+              <a:t>Primary Key</a:t>
             </a:r>
             <a:r>
               <a:rPr lang="en-US" noProof="0" dirty="0"/>
               <a:t> / </a:t>
-            </a:r>
-            <a:r>
-              <a:rPr lang="en-US" dirty="0">
-                <a:highlight>
-                  <a:srgbClr val="00FF00"/>
-                </a:highlight>
-              </a:rPr>
-              <a:t>Foreign </a:t>
             </a:r>
             <a:r>
               <a:rPr lang="en-US" noProof="0" dirty="0">
@@ -30892,7 +32250,7 @@
                   <a:srgbClr val="00FF00"/>
                 </a:highlight>
               </a:rPr>
-              <a:t>Key</a:t>
+              <a:t>Foreign Key</a:t>
             </a:r>
           </a:p>
         </p:txBody>
@@ -30977,7 +32335,7 @@
           <p:nvPr>
             <p:extLst>
               <p:ext uri="{D42A27DB-BD31-4B8C-83A1-F6EECF244321}">
-                <p14:modId xmlns:p14="http://schemas.microsoft.com/office/powerpoint/2010/main" val="2683546571"/>
+                <p14:modId xmlns:p14="http://schemas.microsoft.com/office/powerpoint/2010/main" val="484998733"/>
               </p:ext>
             </p:extLst>
           </p:nvPr>
@@ -30993,34 +32351,41 @@
                 <a:tableStyleId>{8A107856-5554-42FB-B03E-39F5DBC370BA}</a:tableStyleId>
               </a:tblPr>
               <a:tblGrid>
-                <a:gridCol w="3319753">
+                <a:gridCol w="2432304">
                   <a:extLst>
                     <a:ext uri="{9D8B030D-6E8A-4147-A177-3AD203B41FA5}">
                       <a16:colId xmlns:a16="http://schemas.microsoft.com/office/drawing/2014/main" val="2245506330"/>
                     </a:ext>
                   </a:extLst>
                 </a:gridCol>
-                <a:gridCol w="3272590">
+                <a:gridCol w="2542032">
                   <a:extLst>
                     <a:ext uri="{9D8B030D-6E8A-4147-A177-3AD203B41FA5}">
                       <a16:colId xmlns:a16="http://schemas.microsoft.com/office/drawing/2014/main" val="1063389680"/>
                     </a:ext>
                   </a:extLst>
                 </a:gridCol>
-                <a:gridCol w="1876926">
+                <a:gridCol w="1682496">
                   <a:extLst>
                     <a:ext uri="{9D8B030D-6E8A-4147-A177-3AD203B41FA5}">
                       <a16:colId xmlns:a16="http://schemas.microsoft.com/office/drawing/2014/main" val="2334273950"/>
                     </a:ext>
                   </a:extLst>
                 </a:gridCol>
-                <a:gridCol w="1708003">
+                <a:gridCol w="1051560">
                   <a:extLst>
                     <a:ext uri="{9D8B030D-6E8A-4147-A177-3AD203B41FA5}">
                       <a16:colId xmlns:a16="http://schemas.microsoft.com/office/drawing/2014/main" val="3087133834"/>
                     </a:ext>
                   </a:extLst>
                 </a:gridCol>
+                <a:gridCol w="2468880">
+                  <a:extLst>
+                    <a:ext uri="{9D8B030D-6E8A-4147-A177-3AD203B41FA5}">
+                      <a16:colId xmlns:a16="http://schemas.microsoft.com/office/drawing/2014/main" val="1182865073"/>
+                    </a:ext>
+                  </a:extLst>
+                </a:gridCol>
               </a:tblGrid>
               <a:tr h="375341">
                 <a:tc>
@@ -31070,6 +32435,19 @@
                       <a:r>
                         <a:rPr lang="en-US" noProof="0" dirty="0"/>
                         <a:t>Required</a:t>
+                      </a:r>
+                    </a:p>
+                  </a:txBody>
+                  <a:tcPr/>
+                </a:tc>
+                <a:tc>
+                  <a:txBody>
+                    <a:bodyPr/>
+                    <a:lstStyle/>
+                    <a:p>
+                      <a:r>
+                        <a:rPr lang="en-US" noProof="0" dirty="0"/>
+                        <a:t>Example</a:t>
                       </a:r>
                     </a:p>
                   </a:txBody>
@@ -31172,6 +32550,19 @@
                   </a:txBody>
                   <a:tcPr/>
                 </a:tc>
+                <a:tc>
+                  <a:txBody>
+                    <a:bodyPr/>
+                    <a:lstStyle/>
+                    <a:p>
+                      <a:r>
+                        <a:rPr lang="en-US" noProof="0" dirty="0"/>
+                        <a:t>1</a:t>
+                      </a:r>
+                    </a:p>
+                  </a:txBody>
+                  <a:tcPr/>
+                </a:tc>
                 <a:extLst>
                   <a:ext uri="{0D108BD9-81ED-4DB2-BD59-A6C34878D82A}">
                     <a16:rowId xmlns:a16="http://schemas.microsoft.com/office/drawing/2014/main" val="371253128"/>
@@ -31279,6 +32670,19 @@
                   </a:txBody>
                   <a:tcPr/>
                 </a:tc>
+                <a:tc>
+                  <a:txBody>
+                    <a:bodyPr/>
+                    <a:lstStyle/>
+                    <a:p>
+                      <a:r>
+                        <a:rPr lang="en-US" noProof="0" dirty="0"/>
+                        <a:t>Fluence</a:t>
+                      </a:r>
+                    </a:p>
+                  </a:txBody>
+                  <a:tcPr/>
+                </a:tc>
                 <a:extLst>
                   <a:ext uri="{0D108BD9-81ED-4DB2-BD59-A6C34878D82A}">
                     <a16:rowId xmlns:a16="http://schemas.microsoft.com/office/drawing/2014/main" val="3572821578"/>
@@ -31382,6 +32786,19 @@
                     <a:lstStyle/>
                     <a:p>
                       <a:endParaRPr lang="en-US" noProof="0" dirty="0"/>
+                    </a:p>
+                  </a:txBody>
+                  <a:tcPr/>
+                </a:tc>
+                <a:tc>
+                  <a:txBody>
+                    <a:bodyPr/>
+                    <a:lstStyle/>
+                    <a:p>
+                      <a:r>
+                        <a:rPr lang="en-US" noProof="0" dirty="0"/>
+                        <a:t>MEX</a:t>
+                      </a:r>
                     </a:p>
                   </a:txBody>
                   <a:tcPr/>
@@ -31481,6 +32898,19 @@
                     <a:lstStyle/>
                     <a:p>
                       <a:endParaRPr lang="en-US" noProof="0" dirty="0"/>
+                    </a:p>
+                  </a:txBody>
+                  <a:tcPr/>
+                </a:tc>
+                <a:tc>
+                  <a:txBody>
+                    <a:bodyPr/>
+                    <a:lstStyle/>
+                    <a:p>
+                      <a:r>
+                        <a:rPr lang="en-US" noProof="0" dirty="0"/>
+                        <a:t>2</a:t>
+                      </a:r>
                     </a:p>
                   </a:txBody>
                   <a:tcPr/>
@@ -31664,6 +33094,36 @@
                   </a:txBody>
                   <a:tcPr/>
                 </a:tc>
+                <a:tc>
+                  <a:txBody>
+                    <a:bodyPr/>
+                    <a:lstStyle/>
+                    <a:p>
+                      <a:pPr marL="0" marR="0" lvl="0" indent="0" algn="l" defTabSz="914400" rtl="0" eaLnBrk="1" fontAlgn="auto" latinLnBrk="0" hangingPunct="1">
+                        <a:lnSpc>
+                          <a:spcPct val="100000"/>
+                        </a:lnSpc>
+                        <a:spcBef>
+                          <a:spcPts val="0"/>
+                        </a:spcBef>
+                        <a:spcAft>
+                          <a:spcPts val="0"/>
+                        </a:spcAft>
+                        <a:buClrTx/>
+                        <a:buSzTx/>
+                        <a:buFontTx/>
+                        <a:buNone/>
+                        <a:tabLst/>
+                        <a:defRPr/>
+                      </a:pPr>
+                      <a:r>
+                        <a:rPr lang="en-US" noProof="0" dirty="0"/>
+                        <a:t>10164237-001</a:t>
+                      </a:r>
+                    </a:p>
+                  </a:txBody>
+                  <a:tcPr/>
+                </a:tc>
                 <a:extLst>
                   <a:ext uri="{0D108BD9-81ED-4DB2-BD59-A6C34878D82A}">
                     <a16:rowId xmlns:a16="http://schemas.microsoft.com/office/drawing/2014/main" val="4074494692"/>
@@ -31776,6 +33236,36 @@
                   </a:txBody>
                   <a:tcPr/>
                 </a:tc>
+                <a:tc>
+                  <a:txBody>
+                    <a:bodyPr/>
+                    <a:lstStyle/>
+                    <a:p>
+                      <a:pPr marL="0" marR="0" lvl="0" indent="0" algn="l" defTabSz="914400" rtl="0" eaLnBrk="1" fontAlgn="auto" latinLnBrk="0" hangingPunct="1">
+                        <a:lnSpc>
+                          <a:spcPct val="100000"/>
+                        </a:lnSpc>
+                        <a:spcBef>
+                          <a:spcPts val="0"/>
+                        </a:spcBef>
+                        <a:spcAft>
+                          <a:spcPts val="0"/>
+                        </a:spcAft>
+                        <a:buClrTx/>
+                        <a:buSzTx/>
+                        <a:buFontTx/>
+                        <a:buNone/>
+                        <a:tabLst/>
+                        <a:defRPr/>
+                      </a:pPr>
+                      <a:r>
+                        <a:rPr lang="en-US" noProof="0" dirty="0"/>
+                        <a:t>48001</a:t>
+                      </a:r>
+                    </a:p>
+                  </a:txBody>
+                  <a:tcPr/>
+                </a:tc>
                 <a:extLst>
                   <a:ext uri="{0D108BD9-81ED-4DB2-BD59-A6C34878D82A}">
                     <a16:rowId xmlns:a16="http://schemas.microsoft.com/office/drawing/2014/main" val="1647782307"/>
@@ -31885,6 +33375,36 @@
                   </a:txBody>
                   <a:tcPr/>
                 </a:tc>
+                <a:tc>
+                  <a:txBody>
+                    <a:bodyPr/>
+                    <a:lstStyle/>
+                    <a:p>
+                      <a:pPr marL="0" marR="0" lvl="0" indent="0" algn="l" defTabSz="914400" rtl="0" eaLnBrk="1" fontAlgn="auto" latinLnBrk="0" hangingPunct="1">
+                        <a:lnSpc>
+                          <a:spcPct val="100000"/>
+                        </a:lnSpc>
+                        <a:spcBef>
+                          <a:spcPts val="0"/>
+                        </a:spcBef>
+                        <a:spcAft>
+                          <a:spcPts val="0"/>
+                        </a:spcAft>
+                        <a:buClrTx/>
+                        <a:buSzTx/>
+                        <a:buFontTx/>
+                        <a:buNone/>
+                        <a:tabLst/>
+                        <a:defRPr/>
+                      </a:pPr>
+                      <a:r>
+                        <a:rPr lang="en-US" noProof="0" dirty="0"/>
+                        <a:t>2023-08-24</a:t>
+                      </a:r>
+                    </a:p>
+                  </a:txBody>
+                  <a:tcPr/>
+                </a:tc>
                 <a:extLst>
                   <a:ext uri="{0D108BD9-81ED-4DB2-BD59-A6C34878D82A}">
                     <a16:rowId xmlns:a16="http://schemas.microsoft.com/office/drawing/2014/main" val="3115815306"/>
@@ -31990,6 +33510,36 @@
                         <a:defRPr/>
                       </a:pPr>
                       <a:endParaRPr lang="en-US" noProof="0" dirty="0"/>
+                    </a:p>
+                  </a:txBody>
+                  <a:tcPr/>
+                </a:tc>
+                <a:tc>
+                  <a:txBody>
+                    <a:bodyPr/>
+                    <a:lstStyle/>
+                    <a:p>
+                      <a:pPr marL="0" marR="0" lvl="0" indent="0" algn="l" defTabSz="914400" rtl="0" eaLnBrk="1" fontAlgn="auto" latinLnBrk="0" hangingPunct="1">
+                        <a:lnSpc>
+                          <a:spcPct val="100000"/>
+                        </a:lnSpc>
+                        <a:spcBef>
+                          <a:spcPts val="0"/>
+                        </a:spcBef>
+                        <a:spcAft>
+                          <a:spcPts val="0"/>
+                        </a:spcAft>
+                        <a:buClrTx/>
+                        <a:buSzTx/>
+                        <a:buFontTx/>
+                        <a:buNone/>
+                        <a:tabLst/>
+                        <a:defRPr/>
+                      </a:pPr>
+                      <a:r>
+                        <a:rPr lang="en-US" noProof="0" dirty="0"/>
+                        <a:t>2023-08-27</a:t>
+                      </a:r>
                     </a:p>
                   </a:txBody>
                   <a:tcPr/>
@@ -32034,32 +33584,16 @@
           <a:p>
             <a:pPr algn="ctr"/>
             <a:r>
-              <a:rPr lang="en-US" dirty="0">
-                <a:highlight>
-                  <a:srgbClr val="FFFF00"/>
-                </a:highlight>
-              </a:rPr>
-              <a:t>Primary</a:t>
-            </a:r>
-            <a:r>
               <a:rPr lang="en-US" noProof="0" dirty="0">
                 <a:highlight>
                   <a:srgbClr val="FFFF00"/>
                 </a:highlight>
               </a:rPr>
-              <a:t> Key</a:t>
+              <a:t>Primary Key</a:t>
             </a:r>
             <a:r>
               <a:rPr lang="en-US" noProof="0" dirty="0"/>
               <a:t> / </a:t>
-            </a:r>
-            <a:r>
-              <a:rPr lang="en-US" dirty="0">
-                <a:highlight>
-                  <a:srgbClr val="00FF00"/>
-                </a:highlight>
-              </a:rPr>
-              <a:t>Foreign </a:t>
             </a:r>
             <a:r>
               <a:rPr lang="en-US" noProof="0" dirty="0">
@@ -32067,7 +33601,7 @@
                   <a:srgbClr val="00FF00"/>
                 </a:highlight>
               </a:rPr>
-              <a:t>Key</a:t>
+              <a:t>Foreign Key</a:t>
             </a:r>
           </a:p>
         </p:txBody>
@@ -32151,7 +33685,7 @@
           <p:nvPr>
             <p:extLst>
               <p:ext uri="{D42A27DB-BD31-4B8C-83A1-F6EECF244321}">
-                <p14:modId xmlns:p14="http://schemas.microsoft.com/office/powerpoint/2010/main" val="602441893"/>
+                <p14:modId xmlns:p14="http://schemas.microsoft.com/office/powerpoint/2010/main" val="3372067205"/>
               </p:ext>
             </p:extLst>
           </p:nvPr>
@@ -32167,34 +33701,41 @@
                 <a:tableStyleId>{8A107856-5554-42FB-B03E-39F5DBC370BA}</a:tableStyleId>
               </a:tblPr>
               <a:tblGrid>
-                <a:gridCol w="3319753">
+                <a:gridCol w="2842680">
                   <a:extLst>
                     <a:ext uri="{9D8B030D-6E8A-4147-A177-3AD203B41FA5}">
                       <a16:colId xmlns:a16="http://schemas.microsoft.com/office/drawing/2014/main" val="2245506330"/>
                     </a:ext>
                   </a:extLst>
                 </a:gridCol>
-                <a:gridCol w="3272590">
+                <a:gridCol w="2802294">
                   <a:extLst>
                     <a:ext uri="{9D8B030D-6E8A-4147-A177-3AD203B41FA5}">
                       <a16:colId xmlns:a16="http://schemas.microsoft.com/office/drawing/2014/main" val="1063389680"/>
                     </a:ext>
                   </a:extLst>
                 </a:gridCol>
-                <a:gridCol w="1876926">
+                <a:gridCol w="1607198">
                   <a:extLst>
                     <a:ext uri="{9D8B030D-6E8A-4147-A177-3AD203B41FA5}">
                       <a16:colId xmlns:a16="http://schemas.microsoft.com/office/drawing/2014/main" val="2334273950"/>
                     </a:ext>
                   </a:extLst>
                 </a:gridCol>
-                <a:gridCol w="1708003">
+                <a:gridCol w="1462550">
                   <a:extLst>
                     <a:ext uri="{9D8B030D-6E8A-4147-A177-3AD203B41FA5}">
                       <a16:colId xmlns:a16="http://schemas.microsoft.com/office/drawing/2014/main" val="3087133834"/>
                     </a:ext>
                   </a:extLst>
                 </a:gridCol>
+                <a:gridCol w="1462550">
+                  <a:extLst>
+                    <a:ext uri="{9D8B030D-6E8A-4147-A177-3AD203B41FA5}">
+                      <a16:colId xmlns:a16="http://schemas.microsoft.com/office/drawing/2014/main" val="806953182"/>
+                    </a:ext>
+                  </a:extLst>
+                </a:gridCol>
               </a:tblGrid>
               <a:tr h="375341">
                 <a:tc>
@@ -32244,6 +33785,19 @@
                       <a:r>
                         <a:rPr lang="en-US" noProof="0" dirty="0"/>
                         <a:t>Required</a:t>
+                      </a:r>
+                    </a:p>
+                  </a:txBody>
+                  <a:tcPr/>
+                </a:tc>
+                <a:tc>
+                  <a:txBody>
+                    <a:bodyPr/>
+                    <a:lstStyle/>
+                    <a:p>
+                      <a:r>
+                        <a:rPr lang="en-US" noProof="0" dirty="0"/>
+                        <a:t>Example</a:t>
                       </a:r>
                     </a:p>
                   </a:txBody>
@@ -32361,6 +33915,36 @@
                   </a:txBody>
                   <a:tcPr/>
                 </a:tc>
+                <a:tc>
+                  <a:txBody>
+                    <a:bodyPr/>
+                    <a:lstStyle/>
+                    <a:p>
+                      <a:pPr marL="0" marR="0" lvl="0" indent="0" algn="l" defTabSz="914400" rtl="0" eaLnBrk="1" fontAlgn="auto" latinLnBrk="0" hangingPunct="1">
+                        <a:lnSpc>
+                          <a:spcPct val="100000"/>
+                        </a:lnSpc>
+                        <a:spcBef>
+                          <a:spcPts val="0"/>
+                        </a:spcBef>
+                        <a:spcAft>
+                          <a:spcPts val="0"/>
+                        </a:spcAft>
+                        <a:buClrTx/>
+                        <a:buSzTx/>
+                        <a:buFontTx/>
+                        <a:buNone/>
+                        <a:tabLst/>
+                        <a:defRPr/>
+                      </a:pPr>
+                      <a:r>
+                        <a:rPr lang="en-US" noProof="0" dirty="0"/>
+                        <a:t>*</a:t>
+                      </a:r>
+                    </a:p>
+                  </a:txBody>
+                  <a:tcPr/>
+                </a:tc>
                 <a:extLst>
                   <a:ext uri="{0D108BD9-81ED-4DB2-BD59-A6C34878D82A}">
                     <a16:rowId xmlns:a16="http://schemas.microsoft.com/office/drawing/2014/main" val="3829836681"/>
@@ -32452,6 +34036,36 @@
                         <a:defRPr/>
                       </a:pPr>
                       <a:endParaRPr lang="en-US" noProof="0" dirty="0"/>
+                    </a:p>
+                  </a:txBody>
+                  <a:tcPr/>
+                </a:tc>
+                <a:tc>
+                  <a:txBody>
+                    <a:bodyPr/>
+                    <a:lstStyle/>
+                    <a:p>
+                      <a:pPr marL="0" marR="0" lvl="0" indent="0" algn="l" defTabSz="914400" rtl="0" eaLnBrk="1" fontAlgn="auto" latinLnBrk="0" hangingPunct="1">
+                        <a:lnSpc>
+                          <a:spcPct val="100000"/>
+                        </a:lnSpc>
+                        <a:spcBef>
+                          <a:spcPts val="0"/>
+                        </a:spcBef>
+                        <a:spcAft>
+                          <a:spcPts val="0"/>
+                        </a:spcAft>
+                        <a:buClrTx/>
+                        <a:buSzTx/>
+                        <a:buFontTx/>
+                        <a:buNone/>
+                        <a:tabLst/>
+                        <a:defRPr/>
+                      </a:pPr>
+                      <a:r>
+                        <a:rPr lang="en-US" noProof="0" dirty="0"/>
+                        <a:t>No comments</a:t>
+                      </a:r>
                     </a:p>
                   </a:txBody>
                   <a:tcPr/>
@@ -32545,7 +34159,7 @@
           <p:nvPr>
             <p:extLst>
               <p:ext uri="{D42A27DB-BD31-4B8C-83A1-F6EECF244321}">
-                <p14:modId xmlns:p14="http://schemas.microsoft.com/office/powerpoint/2010/main" val="1379887527"/>
+                <p14:modId xmlns:p14="http://schemas.microsoft.com/office/powerpoint/2010/main" val="3104129632"/>
               </p:ext>
             </p:extLst>
           </p:nvPr>
@@ -32561,34 +34175,41 @@
                 <a:tableStyleId>{8A107856-5554-42FB-B03E-39F5DBC370BA}</a:tableStyleId>
               </a:tblPr>
               <a:tblGrid>
-                <a:gridCol w="2990088">
+                <a:gridCol w="2386584">
                   <a:extLst>
                     <a:ext uri="{9D8B030D-6E8A-4147-A177-3AD203B41FA5}">
                       <a16:colId xmlns:a16="http://schemas.microsoft.com/office/drawing/2014/main" val="2245506330"/>
                     </a:ext>
                   </a:extLst>
                 </a:gridCol>
-                <a:gridCol w="3157815">
+                <a:gridCol w="1453896">
                   <a:extLst>
                     <a:ext uri="{9D8B030D-6E8A-4147-A177-3AD203B41FA5}">
                       <a16:colId xmlns:a16="http://schemas.microsoft.com/office/drawing/2014/main" val="1063389680"/>
                     </a:ext>
                   </a:extLst>
                 </a:gridCol>
-                <a:gridCol w="2118534">
+                <a:gridCol w="1472184">
                   <a:extLst>
                     <a:ext uri="{9D8B030D-6E8A-4147-A177-3AD203B41FA5}">
                       <a16:colId xmlns:a16="http://schemas.microsoft.com/office/drawing/2014/main" val="2334273950"/>
                     </a:ext>
                   </a:extLst>
                 </a:gridCol>
-                <a:gridCol w="1910835">
+                <a:gridCol w="1060704">
                   <a:extLst>
                     <a:ext uri="{9D8B030D-6E8A-4147-A177-3AD203B41FA5}">
                       <a16:colId xmlns:a16="http://schemas.microsoft.com/office/drawing/2014/main" val="3087133834"/>
                     </a:ext>
                   </a:extLst>
                 </a:gridCol>
+                <a:gridCol w="3803904">
+                  <a:extLst>
+                    <a:ext uri="{9D8B030D-6E8A-4147-A177-3AD203B41FA5}">
+                      <a16:colId xmlns:a16="http://schemas.microsoft.com/office/drawing/2014/main" val="2413568740"/>
+                    </a:ext>
+                  </a:extLst>
+                </a:gridCol>
               </a:tblGrid>
               <a:tr h="375341">
                 <a:tc>
@@ -32638,6 +34259,19 @@
                       <a:r>
                         <a:rPr lang="en-US" noProof="0" dirty="0"/>
                         <a:t>Required</a:t>
+                      </a:r>
+                    </a:p>
+                  </a:txBody>
+                  <a:tcPr/>
+                </a:tc>
+                <a:tc>
+                  <a:txBody>
+                    <a:bodyPr/>
+                    <a:lstStyle/>
+                    <a:p>
+                      <a:r>
+                        <a:rPr lang="en-US" noProof="0" dirty="0"/>
+                        <a:t>Example</a:t>
                       </a:r>
                     </a:p>
                   </a:txBody>
@@ -32745,6 +34379,19 @@
                   </a:txBody>
                   <a:tcPr/>
                 </a:tc>
+                <a:tc>
+                  <a:txBody>
+                    <a:bodyPr/>
+                    <a:lstStyle/>
+                    <a:p>
+                      <a:r>
+                        <a:rPr lang="en-US" noProof="0" dirty="0"/>
+                        <a:t>1</a:t>
+                      </a:r>
+                    </a:p>
+                  </a:txBody>
+                  <a:tcPr/>
+                </a:tc>
                 <a:extLst>
                   <a:ext uri="{0D108BD9-81ED-4DB2-BD59-A6C34878D82A}">
                     <a16:rowId xmlns:a16="http://schemas.microsoft.com/office/drawing/2014/main" val="371253128"/>
@@ -32854,6 +34501,36 @@
                   </a:txBody>
                   <a:tcPr/>
                 </a:tc>
+                <a:tc>
+                  <a:txBody>
+                    <a:bodyPr/>
+                    <a:lstStyle/>
+                    <a:p>
+                      <a:pPr marL="0" marR="0" lvl="0" indent="0" algn="l" defTabSz="914400" rtl="0" eaLnBrk="1" fontAlgn="auto" latinLnBrk="0" hangingPunct="1">
+                        <a:lnSpc>
+                          <a:spcPct val="100000"/>
+                        </a:lnSpc>
+                        <a:spcBef>
+                          <a:spcPts val="0"/>
+                        </a:spcBef>
+                        <a:spcAft>
+                          <a:spcPts val="0"/>
+                        </a:spcAft>
+                        <a:buClrTx/>
+                        <a:buSzTx/>
+                        <a:buFontTx/>
+                        <a:buNone/>
+                        <a:tabLst/>
+                        <a:defRPr/>
+                      </a:pPr>
+                      <a:r>
+                        <a:rPr lang="en-US" noProof="0" dirty="0"/>
+                        <a:t>2024-08-24</a:t>
+                      </a:r>
+                    </a:p>
+                  </a:txBody>
+                  <a:tcPr/>
+                </a:tc>
                 <a:extLst>
                   <a:ext uri="{0D108BD9-81ED-4DB2-BD59-A6C34878D82A}">
                     <a16:rowId xmlns:a16="http://schemas.microsoft.com/office/drawing/2014/main" val="3115815306"/>
@@ -32963,6 +34640,36 @@
                   </a:txBody>
                   <a:tcPr/>
                 </a:tc>
+                <a:tc>
+                  <a:txBody>
+                    <a:bodyPr/>
+                    <a:lstStyle/>
+                    <a:p>
+                      <a:pPr marL="0" marR="0" lvl="0" indent="0" algn="l" defTabSz="914400" rtl="0" eaLnBrk="1" fontAlgn="auto" latinLnBrk="0" hangingPunct="1">
+                        <a:lnSpc>
+                          <a:spcPct val="100000"/>
+                        </a:lnSpc>
+                        <a:spcBef>
+                          <a:spcPts val="0"/>
+                        </a:spcBef>
+                        <a:spcAft>
+                          <a:spcPts val="0"/>
+                        </a:spcAft>
+                        <a:buClrTx/>
+                        <a:buSzTx/>
+                        <a:buFontTx/>
+                        <a:buNone/>
+                        <a:tabLst/>
+                        <a:defRPr/>
+                      </a:pPr>
+                      <a:r>
+                        <a:rPr lang="en-US" noProof="0" dirty="0"/>
+                        <a:t>2024-06-24</a:t>
+                      </a:r>
+                    </a:p>
+                  </a:txBody>
+                  <a:tcPr/>
+                </a:tc>
                 <a:extLst>
                   <a:ext uri="{0D108BD9-81ED-4DB2-BD59-A6C34878D82A}">
                     <a16:rowId xmlns:a16="http://schemas.microsoft.com/office/drawing/2014/main" val="1095117736"/>
@@ -33072,6 +34779,36 @@
                   </a:txBody>
                   <a:tcPr/>
                 </a:tc>
+                <a:tc>
+                  <a:txBody>
+                    <a:bodyPr/>
+                    <a:lstStyle/>
+                    <a:p>
+                      <a:pPr marL="0" marR="0" lvl="0" indent="0" algn="l" defTabSz="914400" rtl="0" eaLnBrk="1" fontAlgn="auto" latinLnBrk="0" hangingPunct="1">
+                        <a:lnSpc>
+                          <a:spcPct val="100000"/>
+                        </a:lnSpc>
+                        <a:spcBef>
+                          <a:spcPts val="0"/>
+                        </a:spcBef>
+                        <a:spcAft>
+                          <a:spcPts val="0"/>
+                        </a:spcAft>
+                        <a:buClrTx/>
+                        <a:buSzTx/>
+                        <a:buFontTx/>
+                        <a:buNone/>
+                        <a:tabLst/>
+                        <a:defRPr/>
+                      </a:pPr>
+                      <a:r>
+                        <a:rPr lang="en-US" noProof="0" dirty="0"/>
+                        <a:t>2024-07-20</a:t>
+                      </a:r>
+                    </a:p>
+                  </a:txBody>
+                  <a:tcPr/>
+                </a:tc>
                 <a:extLst>
                   <a:ext uri="{0D108BD9-81ED-4DB2-BD59-A6C34878D82A}">
                     <a16:rowId xmlns:a16="http://schemas.microsoft.com/office/drawing/2014/main" val="3829836681"/>
@@ -33177,6 +34914,36 @@
                         <a:defRPr/>
                       </a:pPr>
                       <a:endParaRPr lang="en-US" noProof="0" dirty="0"/>
+                    </a:p>
+                  </a:txBody>
+                  <a:tcPr/>
+                </a:tc>
+                <a:tc>
+                  <a:txBody>
+                    <a:bodyPr/>
+                    <a:lstStyle/>
+                    <a:p>
+                      <a:pPr marL="0" marR="0" lvl="0" indent="0" algn="l" defTabSz="914400" rtl="0" eaLnBrk="1" fontAlgn="auto" latinLnBrk="0" hangingPunct="1">
+                        <a:lnSpc>
+                          <a:spcPct val="100000"/>
+                        </a:lnSpc>
+                        <a:spcBef>
+                          <a:spcPts val="0"/>
+                        </a:spcBef>
+                        <a:spcAft>
+                          <a:spcPts val="0"/>
+                        </a:spcAft>
+                        <a:buClrTx/>
+                        <a:buSzTx/>
+                        <a:buFontTx/>
+                        <a:buNone/>
+                        <a:tabLst/>
+                        <a:defRPr/>
+                      </a:pPr>
+                      <a:r>
+                        <a:rPr lang="en-US" noProof="0" dirty="0"/>
+                        <a:t>2024-08-10</a:t>
+                      </a:r>
                     </a:p>
                   </a:txBody>
                   <a:tcPr/>
@@ -33333,6 +35100,36 @@
                       <a:r>
                         <a:rPr lang="en-US" noProof="0" dirty="0"/>
                         <a:t>Yes</a:t>
+                      </a:r>
+                    </a:p>
+                  </a:txBody>
+                  <a:tcPr/>
+                </a:tc>
+                <a:tc>
+                  <a:txBody>
+                    <a:bodyPr/>
+                    <a:lstStyle/>
+                    <a:p>
+                      <a:pPr marL="0" marR="0" lvl="0" indent="0" algn="l" defTabSz="914400" rtl="0" eaLnBrk="1" fontAlgn="auto" latinLnBrk="0" hangingPunct="1">
+                        <a:lnSpc>
+                          <a:spcPct val="100000"/>
+                        </a:lnSpc>
+                        <a:spcBef>
+                          <a:spcPts val="0"/>
+                        </a:spcBef>
+                        <a:spcAft>
+                          <a:spcPts val="0"/>
+                        </a:spcAft>
+                        <a:buClrTx/>
+                        <a:buSzTx/>
+                        <a:buFontTx/>
+                        <a:buNone/>
+                        <a:tabLst/>
+                        <a:defRPr/>
+                      </a:pPr>
+                      <a:r>
+                        <a:rPr lang="en-US" noProof="0" dirty="0"/>
+                        <a:t>1</a:t>
                       </a:r>
                     </a:p>
                   </a:txBody>
@@ -33378,32 +35175,16 @@
           <a:p>
             <a:pPr algn="ctr"/>
             <a:r>
-              <a:rPr lang="en-US" dirty="0">
-                <a:highlight>
-                  <a:srgbClr val="FFFF00"/>
-                </a:highlight>
-              </a:rPr>
-              <a:t>Primary</a:t>
-            </a:r>
-            <a:r>
               <a:rPr lang="en-US" noProof="0" dirty="0">
                 <a:highlight>
                   <a:srgbClr val="FFFF00"/>
                 </a:highlight>
               </a:rPr>
-              <a:t> Key</a:t>
+              <a:t>Primary Key</a:t>
             </a:r>
             <a:r>
               <a:rPr lang="en-US" noProof="0" dirty="0"/>
               <a:t> / </a:t>
-            </a:r>
-            <a:r>
-              <a:rPr lang="en-US" dirty="0">
-                <a:highlight>
-                  <a:srgbClr val="00FF00"/>
-                </a:highlight>
-              </a:rPr>
-              <a:t>Foreign </a:t>
             </a:r>
             <a:r>
               <a:rPr lang="en-US" noProof="0" dirty="0">
@@ -33411,7 +35192,7 @@
                   <a:srgbClr val="00FF00"/>
                 </a:highlight>
               </a:rPr>
-              <a:t>Key</a:t>
+              <a:t>Foreign Key</a:t>
             </a:r>
           </a:p>
         </p:txBody>
@@ -33496,7 +35277,7 @@
           <p:nvPr>
             <p:extLst>
               <p:ext uri="{D42A27DB-BD31-4B8C-83A1-F6EECF244321}">
-                <p14:modId xmlns:p14="http://schemas.microsoft.com/office/powerpoint/2010/main" val="2848029469"/>
+                <p14:modId xmlns:p14="http://schemas.microsoft.com/office/powerpoint/2010/main" val="2475719100"/>
               </p:ext>
             </p:extLst>
           </p:nvPr>
@@ -33512,34 +35293,41 @@
                 <a:tableStyleId>{8A107856-5554-42FB-B03E-39F5DBC370BA}</a:tableStyleId>
               </a:tblPr>
               <a:tblGrid>
-                <a:gridCol w="2990088">
+                <a:gridCol w="1755648">
                   <a:extLst>
                     <a:ext uri="{9D8B030D-6E8A-4147-A177-3AD203B41FA5}">
                       <a16:colId xmlns:a16="http://schemas.microsoft.com/office/drawing/2014/main" val="2245506330"/>
                     </a:ext>
                   </a:extLst>
                 </a:gridCol>
-                <a:gridCol w="3157815">
+                <a:gridCol w="2496312">
                   <a:extLst>
                     <a:ext uri="{9D8B030D-6E8A-4147-A177-3AD203B41FA5}">
                       <a16:colId xmlns:a16="http://schemas.microsoft.com/office/drawing/2014/main" val="1063389680"/>
                     </a:ext>
                   </a:extLst>
                 </a:gridCol>
-                <a:gridCol w="2118534">
+                <a:gridCol w="1444752">
                   <a:extLst>
                     <a:ext uri="{9D8B030D-6E8A-4147-A177-3AD203B41FA5}">
                       <a16:colId xmlns:a16="http://schemas.microsoft.com/office/drawing/2014/main" val="2334273950"/>
                     </a:ext>
                   </a:extLst>
                 </a:gridCol>
-                <a:gridCol w="1910835">
+                <a:gridCol w="1069848">
                   <a:extLst>
                     <a:ext uri="{9D8B030D-6E8A-4147-A177-3AD203B41FA5}">
                       <a16:colId xmlns:a16="http://schemas.microsoft.com/office/drawing/2014/main" val="3087133834"/>
                     </a:ext>
                   </a:extLst>
                 </a:gridCol>
+                <a:gridCol w="3410712">
+                  <a:extLst>
+                    <a:ext uri="{9D8B030D-6E8A-4147-A177-3AD203B41FA5}">
+                      <a16:colId xmlns:a16="http://schemas.microsoft.com/office/drawing/2014/main" val="1100718199"/>
+                    </a:ext>
+                  </a:extLst>
+                </a:gridCol>
               </a:tblGrid>
               <a:tr h="375341">
                 <a:tc>
@@ -33589,6 +35377,19 @@
                       <a:r>
                         <a:rPr lang="en-US" noProof="0" dirty="0"/>
                         <a:t>Required</a:t>
+                      </a:r>
+                    </a:p>
+                  </a:txBody>
+                  <a:tcPr/>
+                </a:tc>
+                <a:tc>
+                  <a:txBody>
+                    <a:bodyPr/>
+                    <a:lstStyle/>
+                    <a:p>
+                      <a:r>
+                        <a:rPr lang="en-US" noProof="0" dirty="0"/>
+                        <a:t>Example</a:t>
                       </a:r>
                     </a:p>
                   </a:txBody>
@@ -33691,6 +35492,19 @@
                       <a:r>
                         <a:rPr lang="en-US" noProof="0" dirty="0"/>
                         <a:t>Yes</a:t>
+                      </a:r>
+                    </a:p>
+                  </a:txBody>
+                  <a:tcPr/>
+                </a:tc>
+                <a:tc>
+                  <a:txBody>
+                    <a:bodyPr/>
+                    <a:lstStyle/>
+                    <a:p>
+                      <a:r>
+                        <a:rPr lang="en-US" noProof="0" dirty="0"/>
+                        <a:t>PP00019-0002</a:t>
                       </a:r>
                     </a:p>
                   </a:txBody>
@@ -33870,6 +35684,36 @@
                       <a:r>
                         <a:rPr lang="en-US" noProof="0" dirty="0"/>
                         <a:t>Yes</a:t>
+                      </a:r>
+                    </a:p>
+                  </a:txBody>
+                  <a:tcPr/>
+                </a:tc>
+                <a:tc>
+                  <a:txBody>
+                    <a:bodyPr/>
+                    <a:lstStyle/>
+                    <a:p>
+                      <a:pPr marL="0" marR="0" lvl="0" indent="0" algn="l" defTabSz="914400" rtl="0" eaLnBrk="1" fontAlgn="auto" latinLnBrk="0" hangingPunct="1">
+                        <a:lnSpc>
+                          <a:spcPct val="100000"/>
+                        </a:lnSpc>
+                        <a:spcBef>
+                          <a:spcPts val="0"/>
+                        </a:spcBef>
+                        <a:spcAft>
+                          <a:spcPts val="0"/>
+                        </a:spcAft>
+                        <a:buClrTx/>
+                        <a:buSzTx/>
+                        <a:buFontTx/>
+                        <a:buNone/>
+                        <a:tabLst/>
+                        <a:defRPr/>
+                      </a:pPr>
+                      <a:r>
+                        <a:rPr lang="en-US" noProof="0" dirty="0"/>
+                        <a:t>95849363</a:t>
                       </a:r>
                     </a:p>
                   </a:txBody>
@@ -33915,32 +35759,16 @@
           <a:p>
             <a:pPr algn="ctr"/>
             <a:r>
-              <a:rPr lang="en-US" dirty="0">
-                <a:highlight>
-                  <a:srgbClr val="FFFF00"/>
-                </a:highlight>
-              </a:rPr>
-              <a:t>Primary</a:t>
-            </a:r>
-            <a:r>
               <a:rPr lang="en-US" noProof="0" dirty="0">
                 <a:highlight>
                   <a:srgbClr val="FFFF00"/>
                 </a:highlight>
               </a:rPr>
-              <a:t> Key</a:t>
+              <a:t>Primary Key</a:t>
             </a:r>
             <a:r>
               <a:rPr lang="en-US" noProof="0" dirty="0"/>
               <a:t> / </a:t>
-            </a:r>
-            <a:r>
-              <a:rPr lang="en-US" dirty="0">
-                <a:highlight>
-                  <a:srgbClr val="00FF00"/>
-                </a:highlight>
-              </a:rPr>
-              <a:t>Foreign </a:t>
             </a:r>
             <a:r>
               <a:rPr lang="en-US" noProof="0" dirty="0">
@@ -33948,7 +35776,7 @@
                   <a:srgbClr val="00FF00"/>
                 </a:highlight>
               </a:rPr>
-              <a:t>Key</a:t>
+              <a:t>Foreign Key</a:t>
             </a:r>
           </a:p>
         </p:txBody>
@@ -34033,7 +35861,7 @@
           <p:nvPr>
             <p:extLst>
               <p:ext uri="{D42A27DB-BD31-4B8C-83A1-F6EECF244321}">
-                <p14:modId xmlns:p14="http://schemas.microsoft.com/office/powerpoint/2010/main" val="3234135836"/>
+                <p14:modId xmlns:p14="http://schemas.microsoft.com/office/powerpoint/2010/main" val="2034580365"/>
               </p:ext>
             </p:extLst>
           </p:nvPr>
@@ -34049,34 +35877,41 @@
                 <a:tableStyleId>{8A107856-5554-42FB-B03E-39F5DBC370BA}</a:tableStyleId>
               </a:tblPr>
               <a:tblGrid>
-                <a:gridCol w="2990088">
+                <a:gridCol w="2517428">
                   <a:extLst>
                     <a:ext uri="{9D8B030D-6E8A-4147-A177-3AD203B41FA5}">
                       <a16:colId xmlns:a16="http://schemas.microsoft.com/office/drawing/2014/main" val="2245506330"/>
                     </a:ext>
                   </a:extLst>
                 </a:gridCol>
-                <a:gridCol w="3157815">
+                <a:gridCol w="2557492">
                   <a:extLst>
                     <a:ext uri="{9D8B030D-6E8A-4147-A177-3AD203B41FA5}">
                       <a16:colId xmlns:a16="http://schemas.microsoft.com/office/drawing/2014/main" val="1063389680"/>
                     </a:ext>
                   </a:extLst>
                 </a:gridCol>
-                <a:gridCol w="2118534">
+                <a:gridCol w="1581912">
                   <a:extLst>
                     <a:ext uri="{9D8B030D-6E8A-4147-A177-3AD203B41FA5}">
                       <a16:colId xmlns:a16="http://schemas.microsoft.com/office/drawing/2014/main" val="2334273950"/>
                     </a:ext>
                   </a:extLst>
                 </a:gridCol>
-                <a:gridCol w="1910835">
+                <a:gridCol w="1033272">
                   <a:extLst>
                     <a:ext uri="{9D8B030D-6E8A-4147-A177-3AD203B41FA5}">
                       <a16:colId xmlns:a16="http://schemas.microsoft.com/office/drawing/2014/main" val="3087133834"/>
                     </a:ext>
                   </a:extLst>
                 </a:gridCol>
+                <a:gridCol w="2487168">
+                  <a:extLst>
+                    <a:ext uri="{9D8B030D-6E8A-4147-A177-3AD203B41FA5}">
+                      <a16:colId xmlns:a16="http://schemas.microsoft.com/office/drawing/2014/main" val="901660086"/>
+                    </a:ext>
+                  </a:extLst>
+                </a:gridCol>
               </a:tblGrid>
               <a:tr h="375341">
                 <a:tc>
@@ -34126,6 +35961,19 @@
                       <a:r>
                         <a:rPr lang="en-US" noProof="0" dirty="0"/>
                         <a:t>Required</a:t>
+                      </a:r>
+                    </a:p>
+                  </a:txBody>
+                  <a:tcPr/>
+                </a:tc>
+                <a:tc>
+                  <a:txBody>
+                    <a:bodyPr/>
+                    <a:lstStyle/>
+                    <a:p>
+                      <a:r>
+                        <a:rPr lang="en-US" noProof="0" dirty="0"/>
+                        <a:t>Example</a:t>
                       </a:r>
                     </a:p>
                   </a:txBody>
@@ -34223,6 +36071,19 @@
                       <a:r>
                         <a:rPr lang="en-US" noProof="0" dirty="0"/>
                         <a:t>Yes</a:t>
+                      </a:r>
+                    </a:p>
+                  </a:txBody>
+                  <a:tcPr/>
+                </a:tc>
+                <a:tc>
+                  <a:txBody>
+                    <a:bodyPr/>
+                    <a:lstStyle/>
+                    <a:p>
+                      <a:r>
+                        <a:rPr lang="en-US" noProof="0" dirty="0"/>
+                        <a:t>1</a:t>
                       </a:r>
                     </a:p>
                   </a:txBody>
@@ -34407,6 +36268,36 @@
                   </a:txBody>
                   <a:tcPr/>
                 </a:tc>
+                <a:tc>
+                  <a:txBody>
+                    <a:bodyPr/>
+                    <a:lstStyle/>
+                    <a:p>
+                      <a:pPr marL="0" marR="0" lvl="0" indent="0" algn="l" defTabSz="914400" rtl="0" eaLnBrk="1" fontAlgn="auto" latinLnBrk="0" hangingPunct="1">
+                        <a:lnSpc>
+                          <a:spcPct val="100000"/>
+                        </a:lnSpc>
+                        <a:spcBef>
+                          <a:spcPts val="0"/>
+                        </a:spcBef>
+                        <a:spcAft>
+                          <a:spcPts val="0"/>
+                        </a:spcAft>
+                        <a:buClrTx/>
+                        <a:buSzTx/>
+                        <a:buFontTx/>
+                        <a:buNone/>
+                        <a:tabLst/>
+                        <a:defRPr/>
+                      </a:pPr>
+                      <a:r>
+                        <a:rPr lang="en-US" noProof="0" dirty="0"/>
+                        <a:t>PP00019-0002</a:t>
+                      </a:r>
+                    </a:p>
+                  </a:txBody>
+                  <a:tcPr/>
+                </a:tc>
                 <a:extLst>
                   <a:ext uri="{0D108BD9-81ED-4DB2-BD59-A6C34878D82A}">
                     <a16:rowId xmlns:a16="http://schemas.microsoft.com/office/drawing/2014/main" val="4074494692"/>
@@ -34516,6 +36407,36 @@
                   </a:txBody>
                   <a:tcPr/>
                 </a:tc>
+                <a:tc>
+                  <a:txBody>
+                    <a:bodyPr/>
+                    <a:lstStyle/>
+                    <a:p>
+                      <a:pPr marL="0" marR="0" lvl="0" indent="0" algn="l" defTabSz="914400" rtl="0" eaLnBrk="1" fontAlgn="auto" latinLnBrk="0" hangingPunct="1">
+                        <a:lnSpc>
+                          <a:spcPct val="100000"/>
+                        </a:lnSpc>
+                        <a:spcBef>
+                          <a:spcPts val="0"/>
+                        </a:spcBef>
+                        <a:spcAft>
+                          <a:spcPts val="0"/>
+                        </a:spcAft>
+                        <a:buClrTx/>
+                        <a:buSzTx/>
+                        <a:buFontTx/>
+                        <a:buNone/>
+                        <a:tabLst/>
+                        <a:defRPr/>
+                      </a:pPr>
+                      <a:r>
+                        <a:rPr lang="en-US" noProof="0" dirty="0"/>
+                        <a:t>2024-09-06</a:t>
+                      </a:r>
+                    </a:p>
+                  </a:txBody>
+                  <a:tcPr/>
+                </a:tc>
                 <a:extLst>
                   <a:ext uri="{0D108BD9-81ED-4DB2-BD59-A6C34878D82A}">
                     <a16:rowId xmlns:a16="http://schemas.microsoft.com/office/drawing/2014/main" val="1647782307"/>
@@ -34628,6 +36549,36 @@
                   </a:txBody>
                   <a:tcPr/>
                 </a:tc>
+                <a:tc>
+                  <a:txBody>
+                    <a:bodyPr/>
+                    <a:lstStyle/>
+                    <a:p>
+                      <a:pPr marL="0" marR="0" lvl="0" indent="0" algn="l" defTabSz="914400" rtl="0" eaLnBrk="1" fontAlgn="auto" latinLnBrk="0" hangingPunct="1">
+                        <a:lnSpc>
+                          <a:spcPct val="100000"/>
+                        </a:lnSpc>
+                        <a:spcBef>
+                          <a:spcPts val="0"/>
+                        </a:spcBef>
+                        <a:spcAft>
+                          <a:spcPts val="0"/>
+                        </a:spcAft>
+                        <a:buClrTx/>
+                        <a:buSzTx/>
+                        <a:buFontTx/>
+                        <a:buNone/>
+                        <a:tabLst/>
+                        <a:defRPr/>
+                      </a:pPr>
+                      <a:r>
+                        <a:rPr lang="en-US" noProof="0" dirty="0"/>
+                        <a:t>PSW Pending Approve</a:t>
+                      </a:r>
+                    </a:p>
+                  </a:txBody>
+                  <a:tcPr/>
+                </a:tc>
                 <a:extLst>
                   <a:ext uri="{0D108BD9-81ED-4DB2-BD59-A6C34878D82A}">
                     <a16:rowId xmlns:a16="http://schemas.microsoft.com/office/drawing/2014/main" val="25311995"/>
@@ -34731,6 +36682,36 @@
                         <a:defRPr/>
                       </a:pPr>
                       <a:endParaRPr lang="en-US" noProof="0" dirty="0"/>
+                    </a:p>
+                  </a:txBody>
+                  <a:tcPr/>
+                </a:tc>
+                <a:tc>
+                  <a:txBody>
+                    <a:bodyPr/>
+                    <a:lstStyle/>
+                    <a:p>
+                      <a:pPr marL="0" marR="0" lvl="0" indent="0" algn="l" defTabSz="914400" rtl="0" eaLnBrk="1" fontAlgn="auto" latinLnBrk="0" hangingPunct="1">
+                        <a:lnSpc>
+                          <a:spcPct val="100000"/>
+                        </a:lnSpc>
+                        <a:spcBef>
+                          <a:spcPts val="0"/>
+                        </a:spcBef>
+                        <a:spcAft>
+                          <a:spcPts val="0"/>
+                        </a:spcAft>
+                        <a:buClrTx/>
+                        <a:buSzTx/>
+                        <a:buFontTx/>
+                        <a:buNone/>
+                        <a:tabLst/>
+                        <a:defRPr/>
+                      </a:pPr>
+                      <a:r>
+                        <a:rPr lang="en-US" noProof="0" dirty="0"/>
+                        <a:t>45</a:t>
+                      </a:r>
                     </a:p>
                   </a:txBody>
                   <a:tcPr/>
@@ -34860,6 +36841,36 @@
                   </a:txBody>
                   <a:tcPr/>
                 </a:tc>
+                <a:tc>
+                  <a:txBody>
+                    <a:bodyPr/>
+                    <a:lstStyle/>
+                    <a:p>
+                      <a:pPr marL="0" marR="0" lvl="0" indent="0" algn="l" defTabSz="914400" rtl="0" eaLnBrk="1" fontAlgn="auto" latinLnBrk="0" hangingPunct="1">
+                        <a:lnSpc>
+                          <a:spcPct val="100000"/>
+                        </a:lnSpc>
+                        <a:spcBef>
+                          <a:spcPts val="0"/>
+                        </a:spcBef>
+                        <a:spcAft>
+                          <a:spcPts val="0"/>
+                        </a:spcAft>
+                        <a:buClrTx/>
+                        <a:buSzTx/>
+                        <a:buFontTx/>
+                        <a:buNone/>
+                        <a:tabLst/>
+                        <a:defRPr/>
+                      </a:pPr>
+                      <a:r>
+                        <a:rPr lang="en-US" noProof="0" dirty="0"/>
+                        <a:t>1076153443 / 2</a:t>
+                      </a:r>
+                    </a:p>
+                  </a:txBody>
+                  <a:tcPr/>
+                </a:tc>
                 <a:extLst>
                   <a:ext uri="{0D108BD9-81ED-4DB2-BD59-A6C34878D82A}">
                     <a16:rowId xmlns:a16="http://schemas.microsoft.com/office/drawing/2014/main" val="2113098658"/>
@@ -34985,6 +36996,36 @@
                   </a:txBody>
                   <a:tcPr/>
                 </a:tc>
+                <a:tc>
+                  <a:txBody>
+                    <a:bodyPr/>
+                    <a:lstStyle/>
+                    <a:p>
+                      <a:pPr marL="0" marR="0" lvl="0" indent="0" algn="l" defTabSz="914400" rtl="0" eaLnBrk="1" fontAlgn="auto" latinLnBrk="0" hangingPunct="1">
+                        <a:lnSpc>
+                          <a:spcPct val="100000"/>
+                        </a:lnSpc>
+                        <a:spcBef>
+                          <a:spcPts val="0"/>
+                        </a:spcBef>
+                        <a:spcAft>
+                          <a:spcPts val="0"/>
+                        </a:spcAft>
+                        <a:buClrTx/>
+                        <a:buSzTx/>
+                        <a:buFontTx/>
+                        <a:buNone/>
+                        <a:tabLst/>
+                        <a:defRPr/>
+                      </a:pPr>
+                      <a:r>
+                        <a:rPr lang="en-US" noProof="0" dirty="0"/>
+                        <a:t>SUBMITED</a:t>
+                      </a:r>
+                    </a:p>
+                  </a:txBody>
+                  <a:tcPr/>
+                </a:tc>
                 <a:extLst>
                   <a:ext uri="{0D108BD9-81ED-4DB2-BD59-A6C34878D82A}">
                     <a16:rowId xmlns:a16="http://schemas.microsoft.com/office/drawing/2014/main" val="2983637865"/>
@@ -35106,6 +37147,36 @@
                         <a:defRPr/>
                       </a:pPr>
                       <a:endParaRPr lang="en-US" noProof="0" dirty="0"/>
+                    </a:p>
+                  </a:txBody>
+                  <a:tcPr/>
+                </a:tc>
+                <a:tc>
+                  <a:txBody>
+                    <a:bodyPr/>
+                    <a:lstStyle/>
+                    <a:p>
+                      <a:pPr marL="0" marR="0" lvl="0" indent="0" algn="l" defTabSz="914400" rtl="0" eaLnBrk="1" fontAlgn="auto" latinLnBrk="0" hangingPunct="1">
+                        <a:lnSpc>
+                          <a:spcPct val="100000"/>
+                        </a:lnSpc>
+                        <a:spcBef>
+                          <a:spcPts val="0"/>
+                        </a:spcBef>
+                        <a:spcAft>
+                          <a:spcPts val="0"/>
+                        </a:spcAft>
+                        <a:buClrTx/>
+                        <a:buSzTx/>
+                        <a:buFontTx/>
+                        <a:buNone/>
+                        <a:tabLst/>
+                        <a:defRPr/>
+                      </a:pPr>
+                      <a:r>
+                        <a:rPr lang="en-US" noProof="0" dirty="0"/>
+                        <a:t>ok</a:t>
+                      </a:r>
                     </a:p>
                   </a:txBody>
                   <a:tcPr/>
@@ -35150,32 +37221,16 @@
           <a:p>
             <a:pPr algn="ctr"/>
             <a:r>
-              <a:rPr lang="en-US" dirty="0">
-                <a:highlight>
-                  <a:srgbClr val="FFFF00"/>
-                </a:highlight>
-              </a:rPr>
-              <a:t>Primary</a:t>
-            </a:r>
-            <a:r>
               <a:rPr lang="en-US" noProof="0" dirty="0">
                 <a:highlight>
                   <a:srgbClr val="FFFF00"/>
                 </a:highlight>
               </a:rPr>
-              <a:t> Key</a:t>
+              <a:t>Primary Key</a:t>
             </a:r>
             <a:r>
               <a:rPr lang="en-US" noProof="0" dirty="0"/>
               <a:t> / </a:t>
-            </a:r>
-            <a:r>
-              <a:rPr lang="en-US" dirty="0">
-                <a:highlight>
-                  <a:srgbClr val="00FF00"/>
-                </a:highlight>
-              </a:rPr>
-              <a:t>Foreign </a:t>
             </a:r>
             <a:r>
               <a:rPr lang="en-US" noProof="0" dirty="0">
@@ -35183,7 +37238,7 @@
                   <a:srgbClr val="00FF00"/>
                 </a:highlight>
               </a:rPr>
-              <a:t>Key</a:t>
+              <a:t>Foreign Key</a:t>
             </a:r>
           </a:p>
         </p:txBody>
@@ -35268,7 +37323,7 @@
           <p:nvPr>
             <p:extLst>
               <p:ext uri="{D42A27DB-BD31-4B8C-83A1-F6EECF244321}">
-                <p14:modId xmlns:p14="http://schemas.microsoft.com/office/powerpoint/2010/main" val="2441577600"/>
+                <p14:modId xmlns:p14="http://schemas.microsoft.com/office/powerpoint/2010/main" val="2900518436"/>
               </p:ext>
             </p:extLst>
           </p:nvPr>
@@ -35284,34 +37339,41 @@
                 <a:tableStyleId>{8A107856-5554-42FB-B03E-39F5DBC370BA}</a:tableStyleId>
               </a:tblPr>
               <a:tblGrid>
-                <a:gridCol w="2990088">
+                <a:gridCol w="2103120">
                   <a:extLst>
                     <a:ext uri="{9D8B030D-6E8A-4147-A177-3AD203B41FA5}">
                       <a16:colId xmlns:a16="http://schemas.microsoft.com/office/drawing/2014/main" val="2245506330"/>
                     </a:ext>
                   </a:extLst>
                 </a:gridCol>
-                <a:gridCol w="3157815">
+                <a:gridCol w="2505456">
                   <a:extLst>
                     <a:ext uri="{9D8B030D-6E8A-4147-A177-3AD203B41FA5}">
                       <a16:colId xmlns:a16="http://schemas.microsoft.com/office/drawing/2014/main" val="1063389680"/>
                     </a:ext>
                   </a:extLst>
                 </a:gridCol>
-                <a:gridCol w="2118534">
+                <a:gridCol w="1563624">
                   <a:extLst>
                     <a:ext uri="{9D8B030D-6E8A-4147-A177-3AD203B41FA5}">
                       <a16:colId xmlns:a16="http://schemas.microsoft.com/office/drawing/2014/main" val="2334273950"/>
                     </a:ext>
                   </a:extLst>
                 </a:gridCol>
-                <a:gridCol w="1910835">
+                <a:gridCol w="1088136">
                   <a:extLst>
                     <a:ext uri="{9D8B030D-6E8A-4147-A177-3AD203B41FA5}">
                       <a16:colId xmlns:a16="http://schemas.microsoft.com/office/drawing/2014/main" val="3087133834"/>
                     </a:ext>
                   </a:extLst>
                 </a:gridCol>
+                <a:gridCol w="2916936">
+                  <a:extLst>
+                    <a:ext uri="{9D8B030D-6E8A-4147-A177-3AD203B41FA5}">
+                      <a16:colId xmlns:a16="http://schemas.microsoft.com/office/drawing/2014/main" val="3326325499"/>
+                    </a:ext>
+                  </a:extLst>
+                </a:gridCol>
               </a:tblGrid>
               <a:tr h="375341">
                 <a:tc>
@@ -35361,6 +37423,19 @@
                       <a:r>
                         <a:rPr lang="en-US" noProof="0" dirty="0"/>
                         <a:t>Required</a:t>
+                      </a:r>
+                    </a:p>
+                  </a:txBody>
+                  <a:tcPr/>
+                </a:tc>
+                <a:tc>
+                  <a:txBody>
+                    <a:bodyPr/>
+                    <a:lstStyle/>
+                    <a:p>
+                      <a:r>
+                        <a:rPr lang="en-US" noProof="0" dirty="0"/>
+                        <a:t>Example</a:t>
                       </a:r>
                     </a:p>
                   </a:txBody>
@@ -35478,6 +37553,36 @@
                   </a:txBody>
                   <a:tcPr/>
                 </a:tc>
+                <a:tc>
+                  <a:txBody>
+                    <a:bodyPr/>
+                    <a:lstStyle/>
+                    <a:p>
+                      <a:pPr marL="0" marR="0" lvl="0" indent="0" algn="l" defTabSz="914400" rtl="0" eaLnBrk="1" fontAlgn="auto" latinLnBrk="0" hangingPunct="1">
+                        <a:lnSpc>
+                          <a:spcPct val="100000"/>
+                        </a:lnSpc>
+                        <a:spcBef>
+                          <a:spcPts val="0"/>
+                        </a:spcBef>
+                        <a:spcAft>
+                          <a:spcPts val="0"/>
+                        </a:spcAft>
+                        <a:buClrTx/>
+                        <a:buSzTx/>
+                        <a:buFontTx/>
+                        <a:buNone/>
+                        <a:tabLst/>
+                        <a:defRPr/>
+                      </a:pPr>
+                      <a:r>
+                        <a:rPr lang="en-US" noProof="0" dirty="0"/>
+                        <a:t>3</a:t>
+                      </a:r>
+                    </a:p>
+                  </a:txBody>
+                  <a:tcPr/>
+                </a:tc>
                 <a:extLst>
                   <a:ext uri="{0D108BD9-81ED-4DB2-BD59-A6C34878D82A}">
                     <a16:rowId xmlns:a16="http://schemas.microsoft.com/office/drawing/2014/main" val="1647782307"/>
@@ -35590,6 +37695,36 @@
                   </a:txBody>
                   <a:tcPr/>
                 </a:tc>
+                <a:tc>
+                  <a:txBody>
+                    <a:bodyPr/>
+                    <a:lstStyle/>
+                    <a:p>
+                      <a:pPr marL="0" marR="0" lvl="0" indent="0" algn="l" defTabSz="914400" rtl="0" eaLnBrk="1" fontAlgn="auto" latinLnBrk="0" hangingPunct="1">
+                        <a:lnSpc>
+                          <a:spcPct val="100000"/>
+                        </a:lnSpc>
+                        <a:spcBef>
+                          <a:spcPts val="0"/>
+                        </a:spcBef>
+                        <a:spcAft>
+                          <a:spcPts val="0"/>
+                        </a:spcAft>
+                        <a:buClrTx/>
+                        <a:buSzTx/>
+                        <a:buFontTx/>
+                        <a:buNone/>
+                        <a:tabLst/>
+                        <a:defRPr/>
+                      </a:pPr>
+                      <a:r>
+                        <a:rPr lang="en-US" noProof="0" dirty="0"/>
+                        <a:t>requested</a:t>
+                      </a:r>
+                    </a:p>
+                  </a:txBody>
+                  <a:tcPr/>
+                </a:tc>
                 <a:extLst>
                   <a:ext uri="{0D108BD9-81ED-4DB2-BD59-A6C34878D82A}">
                     <a16:rowId xmlns:a16="http://schemas.microsoft.com/office/drawing/2014/main" val="25311995"/>
@@ -35698,6 +37833,36 @@
                   </a:txBody>
                   <a:tcPr/>
                 </a:tc>
+                <a:tc>
+                  <a:txBody>
+                    <a:bodyPr/>
+                    <a:lstStyle/>
+                    <a:p>
+                      <a:pPr marL="0" marR="0" lvl="0" indent="0" algn="l" defTabSz="914400" rtl="0" eaLnBrk="1" fontAlgn="auto" latinLnBrk="0" hangingPunct="1">
+                        <a:lnSpc>
+                          <a:spcPct val="100000"/>
+                        </a:lnSpc>
+                        <a:spcBef>
+                          <a:spcPts val="0"/>
+                        </a:spcBef>
+                        <a:spcAft>
+                          <a:spcPts val="0"/>
+                        </a:spcAft>
+                        <a:buClrTx/>
+                        <a:buSzTx/>
+                        <a:buFontTx/>
+                        <a:buNone/>
+                        <a:tabLst/>
+                        <a:defRPr/>
+                      </a:pPr>
+                      <a:r>
+                        <a:rPr lang="en-US" noProof="0" dirty="0"/>
+                        <a:t>Initial Submission</a:t>
+                      </a:r>
+                    </a:p>
+                  </a:txBody>
+                  <a:tcPr/>
+                </a:tc>
                 <a:extLst>
                   <a:ext uri="{0D108BD9-81ED-4DB2-BD59-A6C34878D82A}">
                     <a16:rowId xmlns:a16="http://schemas.microsoft.com/office/drawing/2014/main" val="208874764"/>
@@ -35820,6 +37985,36 @@
                   </a:txBody>
                   <a:tcPr/>
                 </a:tc>
+                <a:tc>
+                  <a:txBody>
+                    <a:bodyPr/>
+                    <a:lstStyle/>
+                    <a:p>
+                      <a:pPr marL="0" marR="0" lvl="0" indent="0" algn="l" defTabSz="914400" rtl="0" eaLnBrk="1" fontAlgn="auto" latinLnBrk="0" hangingPunct="1">
+                        <a:lnSpc>
+                          <a:spcPct val="100000"/>
+                        </a:lnSpc>
+                        <a:spcBef>
+                          <a:spcPts val="0"/>
+                        </a:spcBef>
+                        <a:spcAft>
+                          <a:spcPts val="0"/>
+                        </a:spcAft>
+                        <a:buClrTx/>
+                        <a:buSzTx/>
+                        <a:buFontTx/>
+                        <a:buNone/>
+                        <a:tabLst/>
+                        <a:defRPr/>
+                      </a:pPr>
+                      <a:r>
+                        <a:rPr lang="en-US" noProof="0" dirty="0"/>
+                        <a:t>2023-11-22</a:t>
+                      </a:r>
+                    </a:p>
+                  </a:txBody>
+                  <a:tcPr/>
+                </a:tc>
                 <a:extLst>
                   <a:ext uri="{0D108BD9-81ED-4DB2-BD59-A6C34878D82A}">
                     <a16:rowId xmlns:a16="http://schemas.microsoft.com/office/drawing/2014/main" val="2113098658"/>
@@ -35942,6 +38137,36 @@
                   </a:txBody>
                   <a:tcPr/>
                 </a:tc>
+                <a:tc>
+                  <a:txBody>
+                    <a:bodyPr/>
+                    <a:lstStyle/>
+                    <a:p>
+                      <a:pPr marL="0" marR="0" lvl="0" indent="0" algn="l" defTabSz="914400" rtl="0" eaLnBrk="1" fontAlgn="auto" latinLnBrk="0" hangingPunct="1">
+                        <a:lnSpc>
+                          <a:spcPct val="100000"/>
+                        </a:lnSpc>
+                        <a:spcBef>
+                          <a:spcPts val="0"/>
+                        </a:spcBef>
+                        <a:spcAft>
+                          <a:spcPts val="0"/>
+                        </a:spcAft>
+                        <a:buClrTx/>
+                        <a:buSzTx/>
+                        <a:buFontTx/>
+                        <a:buNone/>
+                        <a:tabLst/>
+                        <a:defRPr/>
+                      </a:pPr>
+                      <a:r>
+                        <a:rPr lang="en-US" noProof="0" dirty="0"/>
+                        <a:t>2023-12-14</a:t>
+                      </a:r>
+                    </a:p>
+                  </a:txBody>
+                  <a:tcPr/>
+                </a:tc>
                 <a:extLst>
                   <a:ext uri="{0D108BD9-81ED-4DB2-BD59-A6C34878D82A}">
                     <a16:rowId xmlns:a16="http://schemas.microsoft.com/office/drawing/2014/main" val="2983637865"/>
@@ -36063,6 +38288,36 @@
                         <a:defRPr/>
                       </a:pPr>
                       <a:endParaRPr lang="en-US" noProof="0" dirty="0"/>
+                    </a:p>
+                  </a:txBody>
+                  <a:tcPr/>
+                </a:tc>
+                <a:tc>
+                  <a:txBody>
+                    <a:bodyPr/>
+                    <a:lstStyle/>
+                    <a:p>
+                      <a:pPr marL="0" marR="0" lvl="0" indent="0" algn="l" defTabSz="914400" rtl="0" eaLnBrk="1" fontAlgn="auto" latinLnBrk="0" hangingPunct="1">
+                        <a:lnSpc>
+                          <a:spcPct val="100000"/>
+                        </a:lnSpc>
+                        <a:spcBef>
+                          <a:spcPts val="0"/>
+                        </a:spcBef>
+                        <a:spcAft>
+                          <a:spcPts val="0"/>
+                        </a:spcAft>
+                        <a:buClrTx/>
+                        <a:buSzTx/>
+                        <a:buFontTx/>
+                        <a:buNone/>
+                        <a:tabLst/>
+                        <a:defRPr/>
+                      </a:pPr>
+                      <a:r>
+                        <a:rPr lang="en-US" noProof="0" dirty="0"/>
+                        <a:t>**</a:t>
+                      </a:r>
                     </a:p>
                   </a:txBody>
                   <a:tcPr/>
@@ -36179,6 +38434,36 @@
                   </a:txBody>
                   <a:tcPr/>
                 </a:tc>
+                <a:tc>
+                  <a:txBody>
+                    <a:bodyPr/>
+                    <a:lstStyle/>
+                    <a:p>
+                      <a:pPr marL="0" marR="0" lvl="0" indent="0" algn="l" defTabSz="914400" rtl="0" eaLnBrk="1" fontAlgn="auto" latinLnBrk="0" hangingPunct="1">
+                        <a:lnSpc>
+                          <a:spcPct val="100000"/>
+                        </a:lnSpc>
+                        <a:spcBef>
+                          <a:spcPts val="0"/>
+                        </a:spcBef>
+                        <a:spcAft>
+                          <a:spcPts val="0"/>
+                        </a:spcAft>
+                        <a:buClrTx/>
+                        <a:buSzTx/>
+                        <a:buFontTx/>
+                        <a:buNone/>
+                        <a:tabLst/>
+                        <a:defRPr/>
+                      </a:pPr>
+                      <a:r>
+                        <a:rPr lang="en-US" noProof="0" dirty="0"/>
+                        <a:t>Requested by customer</a:t>
+                      </a:r>
+                    </a:p>
+                  </a:txBody>
+                  <a:tcPr/>
+                </a:tc>
                 <a:extLst>
                   <a:ext uri="{0D108BD9-81ED-4DB2-BD59-A6C34878D82A}">
                     <a16:rowId xmlns:a16="http://schemas.microsoft.com/office/drawing/2014/main" val="3090657638"/>
@@ -36287,6 +38572,36 @@
                         <a:defRPr/>
                       </a:pPr>
                       <a:endParaRPr lang="en-US" noProof="0" dirty="0"/>
+                    </a:p>
+                  </a:txBody>
+                  <a:tcPr/>
+                </a:tc>
+                <a:tc>
+                  <a:txBody>
+                    <a:bodyPr/>
+                    <a:lstStyle/>
+                    <a:p>
+                      <a:pPr marL="0" marR="0" lvl="0" indent="0" algn="l" defTabSz="914400" rtl="0" eaLnBrk="1" fontAlgn="auto" latinLnBrk="0" hangingPunct="1">
+                        <a:lnSpc>
+                          <a:spcPct val="100000"/>
+                        </a:lnSpc>
+                        <a:spcBef>
+                          <a:spcPts val="0"/>
+                        </a:spcBef>
+                        <a:spcAft>
+                          <a:spcPts val="0"/>
+                        </a:spcAft>
+                        <a:buClrTx/>
+                        <a:buSzTx/>
+                        <a:buFontTx/>
+                        <a:buNone/>
+                        <a:tabLst/>
+                        <a:defRPr/>
+                      </a:pPr>
+                      <a:r>
+                        <a:rPr lang="en-US" noProof="0" dirty="0"/>
+                        <a:t>#N/A</a:t>
+                      </a:r>
                     </a:p>
                   </a:txBody>
                   <a:tcPr/>
@@ -36447,6 +38762,36 @@
                         <a:defRPr/>
                       </a:pPr>
                       <a:endParaRPr lang="en-US" noProof="0" dirty="0"/>
+                    </a:p>
+                  </a:txBody>
+                  <a:tcPr/>
+                </a:tc>
+                <a:tc>
+                  <a:txBody>
+                    <a:bodyPr/>
+                    <a:lstStyle/>
+                    <a:p>
+                      <a:pPr marL="0" marR="0" lvl="0" indent="0" algn="l" defTabSz="914400" rtl="0" eaLnBrk="1" fontAlgn="auto" latinLnBrk="0" hangingPunct="1">
+                        <a:lnSpc>
+                          <a:spcPct val="100000"/>
+                        </a:lnSpc>
+                        <a:spcBef>
+                          <a:spcPts val="0"/>
+                        </a:spcBef>
+                        <a:spcAft>
+                          <a:spcPts val="0"/>
+                        </a:spcAft>
+                        <a:buClrTx/>
+                        <a:buSzTx/>
+                        <a:buFontTx/>
+                        <a:buNone/>
+                        <a:tabLst/>
+                        <a:defRPr/>
+                      </a:pPr>
+                      <a:r>
+                        <a:rPr lang="en-US" noProof="0" dirty="0"/>
+                        <a:t>VEN238</a:t>
+                      </a:r>
                     </a:p>
                   </a:txBody>
                   <a:tcPr/>
@@ -36491,20 +38836,12 @@
           <a:p>
             <a:pPr algn="ctr"/>
             <a:r>
-              <a:rPr lang="en-US" dirty="0">
-                <a:highlight>
-                  <a:srgbClr val="00FF00"/>
-                </a:highlight>
-              </a:rPr>
-              <a:t>Foreign </a:t>
-            </a:r>
-            <a:r>
               <a:rPr lang="en-US" noProof="0" dirty="0">
                 <a:highlight>
                   <a:srgbClr val="00FF00"/>
                 </a:highlight>
               </a:rPr>
-              <a:t>Key</a:t>
+              <a:t>Foreign Key</a:t>
             </a:r>
           </a:p>
         </p:txBody>
@@ -36603,17 +38940,16 @@
           <a:p>
             <a:pPr algn="just"/>
             <a:r>
-              <a:rPr lang="en-US" sz="2400" dirty="0"/>
+              <a:rPr lang="en-US" sz="2400" noProof="0" dirty="0"/>
               <a:t>Develop and implement a database.</a:t>
             </a:r>
           </a:p>
           <a:p>
             <a:pPr algn="just"/>
             <a:r>
-              <a:rPr lang="en-US" sz="2400" dirty="0"/>
+              <a:rPr lang="en-US" sz="2400" noProof="0" dirty="0"/>
               <a:t>As well as a website for recording, monitoring, and managing information on PPAP’s from the Quality Department.</a:t>
             </a:r>
-            <a:endParaRPr lang="en-US" sz="2400" noProof="0" dirty="0"/>
           </a:p>
         </p:txBody>
       </p:sp>
@@ -36865,14 +39201,14 @@
           <p:nvPr>
             <p:extLst>
               <p:ext uri="{D42A27DB-BD31-4B8C-83A1-F6EECF244321}">
-                <p14:modId xmlns:p14="http://schemas.microsoft.com/office/powerpoint/2010/main" val="702727880"/>
+                <p14:modId xmlns:p14="http://schemas.microsoft.com/office/powerpoint/2010/main" val="3370071163"/>
               </p:ext>
             </p:extLst>
           </p:nvPr>
         </p:nvGraphicFramePr>
         <p:xfrm>
           <a:off x="1444752" y="2457026"/>
-          <a:ext cx="10195559" cy="2966741"/>
+          <a:ext cx="10195558" cy="2966741"/>
         </p:xfrm>
         <a:graphic>
           <a:graphicData uri="http://schemas.openxmlformats.org/drawingml/2006/table">
@@ -36881,41 +39217,48 @@
                 <a:tableStyleId>{8A107856-5554-42FB-B03E-39F5DBC370BA}</a:tableStyleId>
               </a:tblPr>
               <a:tblGrid>
-                <a:gridCol w="2149782">
+                <a:gridCol w="1115568">
                   <a:extLst>
                     <a:ext uri="{9D8B030D-6E8A-4147-A177-3AD203B41FA5}">
                       <a16:colId xmlns:a16="http://schemas.microsoft.com/office/drawing/2014/main" val="2245506330"/>
                     </a:ext>
                   </a:extLst>
                 </a:gridCol>
-                <a:gridCol w="3025120">
+                <a:gridCol w="2532888">
                   <a:extLst>
                     <a:ext uri="{9D8B030D-6E8A-4147-A177-3AD203B41FA5}">
                       <a16:colId xmlns:a16="http://schemas.microsoft.com/office/drawing/2014/main" val="1063389680"/>
                     </a:ext>
                   </a:extLst>
                 </a:gridCol>
-                <a:gridCol w="1827797">
+                <a:gridCol w="1517904">
                   <a:extLst>
                     <a:ext uri="{9D8B030D-6E8A-4147-A177-3AD203B41FA5}">
                       <a16:colId xmlns:a16="http://schemas.microsoft.com/office/drawing/2014/main" val="2334273950"/>
                     </a:ext>
                   </a:extLst>
                 </a:gridCol>
-                <a:gridCol w="1596430">
+                <a:gridCol w="1078992">
                   <a:extLst>
                     <a:ext uri="{9D8B030D-6E8A-4147-A177-3AD203B41FA5}">
                       <a16:colId xmlns:a16="http://schemas.microsoft.com/office/drawing/2014/main" val="3087133834"/>
                     </a:ext>
                   </a:extLst>
                 </a:gridCol>
-                <a:gridCol w="1596430">
+                <a:gridCol w="896112">
                   <a:extLst>
                     <a:ext uri="{9D8B030D-6E8A-4147-A177-3AD203B41FA5}">
                       <a16:colId xmlns:a16="http://schemas.microsoft.com/office/drawing/2014/main" val="2908841046"/>
                     </a:ext>
                   </a:extLst>
                 </a:gridCol>
+                <a:gridCol w="3054094">
+                  <a:extLst>
+                    <a:ext uri="{9D8B030D-6E8A-4147-A177-3AD203B41FA5}">
+                      <a16:colId xmlns:a16="http://schemas.microsoft.com/office/drawing/2014/main" val="3676295384"/>
+                    </a:ext>
+                  </a:extLst>
+                </a:gridCol>
               </a:tblGrid>
               <a:tr h="375341">
                 <a:tc>
@@ -36978,6 +39321,19 @@
                       <a:r>
                         <a:rPr lang="en-US" noProof="0" dirty="0"/>
                         <a:t>Unique</a:t>
+                      </a:r>
+                    </a:p>
+                  </a:txBody>
+                  <a:tcPr/>
+                </a:tc>
+                <a:tc>
+                  <a:txBody>
+                    <a:bodyPr/>
+                    <a:lstStyle/>
+                    <a:p>
+                      <a:r>
+                        <a:rPr lang="en-US" noProof="0" dirty="0"/>
+                        <a:t>Example</a:t>
                       </a:r>
                     </a:p>
                   </a:txBody>
@@ -37090,6 +39446,19 @@
                   </a:txBody>
                   <a:tcPr/>
                 </a:tc>
+                <a:tc>
+                  <a:txBody>
+                    <a:bodyPr/>
+                    <a:lstStyle/>
+                    <a:p>
+                      <a:r>
+                        <a:rPr lang="en-US" noProof="0" dirty="0"/>
+                        <a:t>1</a:t>
+                      </a:r>
+                    </a:p>
+                  </a:txBody>
+                  <a:tcPr/>
+                </a:tc>
                 <a:extLst>
                   <a:ext uri="{0D108BD9-81ED-4DB2-BD59-A6C34878D82A}">
                     <a16:rowId xmlns:a16="http://schemas.microsoft.com/office/drawing/2014/main" val="371253128"/>
@@ -37236,6 +39605,19 @@
                   </a:txBody>
                   <a:tcPr/>
                 </a:tc>
+                <a:tc>
+                  <a:txBody>
+                    <a:bodyPr/>
+                    <a:lstStyle/>
+                    <a:p>
+                      <a:r>
+                        <a:rPr lang="en-US" noProof="0" dirty="0"/>
+                        <a:t>Administrator</a:t>
+                      </a:r>
+                    </a:p>
+                  </a:txBody>
+                  <a:tcPr/>
+                </a:tc>
                 <a:extLst>
                   <a:ext uri="{0D108BD9-81ED-4DB2-BD59-A6C34878D82A}">
                     <a16:rowId xmlns:a16="http://schemas.microsoft.com/office/drawing/2014/main" val="3873730951"/>
@@ -37379,6 +39761,19 @@
                   </a:txBody>
                   <a:tcPr/>
                 </a:tc>
+                <a:tc>
+                  <a:txBody>
+                    <a:bodyPr/>
+                    <a:lstStyle/>
+                    <a:p>
+                      <a:r>
+                        <a:rPr lang="en-US" noProof="0" dirty="0"/>
+                        <a:t>4dm1n@3ur4tech</a:t>
+                      </a:r>
+                    </a:p>
+                  </a:txBody>
+                  <a:tcPr/>
+                </a:tc>
                 <a:extLst>
                   <a:ext uri="{0D108BD9-81ED-4DB2-BD59-A6C34878D82A}">
                     <a16:rowId xmlns:a16="http://schemas.microsoft.com/office/drawing/2014/main" val="3903227421"/>
@@ -37498,6 +39893,19 @@
                     <a:lstStyle/>
                     <a:p>
                       <a:endParaRPr lang="en-US" noProof="0" dirty="0"/>
+                    </a:p>
+                  </a:txBody>
+                  <a:tcPr/>
+                </a:tc>
+                <a:tc>
+                  <a:txBody>
+                    <a:bodyPr/>
+                    <a:lstStyle/>
+                    <a:p>
+                      <a:r>
+                        <a:rPr lang="en-US" noProof="0" dirty="0"/>
+                        <a:t>Administrator</a:t>
+                      </a:r>
                     </a:p>
                   </a:txBody>
                   <a:tcPr/>
@@ -37801,8 +40209,8 @@
         </p:nvSpPr>
         <p:spPr>
           <a:xfrm>
-            <a:off x="1542562" y="2590800"/>
-            <a:ext cx="10013709" cy="3987800"/>
+            <a:off x="1542563" y="2590800"/>
+            <a:ext cx="5498318" cy="3987800"/>
           </a:xfrm>
         </p:spPr>
         <p:txBody>
@@ -37813,8 +40221,8 @@
           <a:p>
             <a:pPr algn="just"/>
             <a:r>
-              <a:rPr lang="en-US" noProof="0" dirty="0"/>
-              <a:t>The number of pages for this project will be 6:</a:t>
+              <a:rPr lang="en-US" sz="1900" noProof="0" dirty="0"/>
+              <a:t>The number of pages for this project will be 13:</a:t>
             </a:r>
           </a:p>
           <a:p>
@@ -37823,7 +40231,7 @@
               <a:buChar char="ü"/>
             </a:pPr>
             <a:r>
-              <a:rPr lang="en-US" noProof="0" dirty="0"/>
+              <a:rPr lang="en-US" sz="1900" noProof="0" dirty="0"/>
               <a:t> Login Page</a:t>
             </a:r>
           </a:p>
@@ -37833,7 +40241,7 @@
               <a:buChar char="ü"/>
             </a:pPr>
             <a:r>
-              <a:rPr lang="en-US" noProof="0" dirty="0"/>
+              <a:rPr lang="en-US" sz="1900" noProof="0" dirty="0"/>
               <a:t> Welcome Page</a:t>
             </a:r>
           </a:p>
@@ -37843,16 +40251,16 @@
               <a:buChar char="ü"/>
             </a:pPr>
             <a:r>
-              <a:rPr lang="en-US" noProof="0" dirty="0"/>
+              <a:rPr lang="en-US" sz="1900" noProof="0" dirty="0"/>
               <a:t> </a:t>
             </a:r>
             <a:r>
-              <a:rPr lang="en-US" noProof="0" dirty="0" err="1"/>
+              <a:rPr lang="en-US" sz="1900" noProof="0" dirty="0" err="1"/>
               <a:t>BluSeal</a:t>
             </a:r>
             <a:r>
-              <a:rPr lang="en-US" noProof="0" dirty="0"/>
-              <a:t> Page</a:t>
+              <a:rPr lang="en-US" sz="1900" noProof="0" dirty="0"/>
+              <a:t> PPAP Page</a:t>
             </a:r>
           </a:p>
           <a:p>
@@ -37861,9 +40269,292 @@
               <a:buChar char="ü"/>
             </a:pPr>
             <a:r>
-              <a:rPr lang="en-US" dirty="0"/>
-              <a:t> Cables Page</a:t>
+              <a:rPr lang="en-US" sz="1900" noProof="0" dirty="0"/>
+              <a:t> Cables PPAP Page</a:t>
             </a:r>
+          </a:p>
+          <a:p>
+            <a:pPr lvl="2" algn="just">
+              <a:buFont typeface="Wingdings" panose="05000000000000000000" pitchFamily="2" charset="2"/>
+              <a:buChar char="ü"/>
+            </a:pPr>
+            <a:r>
+              <a:rPr lang="en-US" sz="1900" noProof="0" dirty="0"/>
+              <a:t> Tapes PPAP Page</a:t>
+            </a:r>
+          </a:p>
+          <a:p>
+            <a:pPr lvl="2" algn="just">
+              <a:buFont typeface="Wingdings" panose="05000000000000000000" pitchFamily="2" charset="2"/>
+              <a:buChar char="ü"/>
+            </a:pPr>
+            <a:r>
+              <a:rPr lang="en-US" sz="1900" noProof="0" dirty="0"/>
+              <a:t> Tubes PPAP Page</a:t>
+            </a:r>
+          </a:p>
+          <a:p>
+            <a:pPr lvl="2" algn="just">
+              <a:buFont typeface="Wingdings" panose="05000000000000000000" pitchFamily="2" charset="2"/>
+              <a:buChar char="ü"/>
+            </a:pPr>
+            <a:r>
+              <a:rPr lang="en-US" sz="1900" noProof="0" dirty="0"/>
+              <a:t> All Products PPAP Page</a:t>
+            </a:r>
+          </a:p>
+        </p:txBody>
+      </p:sp>
+      <p:sp>
+        <p:nvSpPr>
+          <p:cNvPr id="4" name="Content Placeholder 2">
+            <a:extLst>
+              <a:ext uri="{FF2B5EF4-FFF2-40B4-BE49-F238E27FC236}">
+                <a16:creationId xmlns:a16="http://schemas.microsoft.com/office/drawing/2014/main" id="{C3582206-16F9-9DD5-7D87-049DCEF163A5}"/>
+              </a:ext>
+            </a:extLst>
+          </p:cNvPr>
+          <p:cNvSpPr txBox="1">
+            <a:spLocks/>
+          </p:cNvSpPr>
+          <p:nvPr/>
+        </p:nvSpPr>
+        <p:spPr>
+          <a:xfrm>
+            <a:off x="4599432" y="2590800"/>
+            <a:ext cx="5282048" cy="3987800"/>
+          </a:xfrm>
+          <a:prstGeom prst="rect">
+            <a:avLst/>
+          </a:prstGeom>
+        </p:spPr>
+        <p:txBody>
+          <a:bodyPr vert="horz" lIns="45720" tIns="45720" rIns="45720" bIns="45720" rtlCol="0" anchor="t">
+            <a:normAutofit/>
+          </a:bodyPr>
+          <a:lstStyle>
+            <a:lvl1pPr marL="285750" indent="-285750" algn="l" defTabSz="914400" rtl="0" eaLnBrk="1" latinLnBrk="0" hangingPunct="1">
+              <a:lnSpc>
+                <a:spcPct val="125000"/>
+              </a:lnSpc>
+              <a:spcBef>
+                <a:spcPts val="1200"/>
+              </a:spcBef>
+              <a:spcAft>
+                <a:spcPts val="600"/>
+              </a:spcAft>
+              <a:buClr>
+                <a:schemeClr val="accent1"/>
+              </a:buClr>
+              <a:buSzPct val="100000"/>
+              <a:buFont typeface="Wingdings" panose="05000000000000000000" pitchFamily="2" charset="2"/>
+              <a:buChar char="§"/>
+              <a:defRPr sz="1800" b="0" kern="1200">
+                <a:solidFill>
+                  <a:schemeClr val="tx1"/>
+                </a:solidFill>
+                <a:latin typeface="+mn-lt"/>
+                <a:ea typeface="+mn-ea"/>
+                <a:cs typeface="+mn-cs"/>
+              </a:defRPr>
+            </a:lvl1pPr>
+            <a:lvl2pPr marL="265176" indent="-137160" algn="l" defTabSz="914400" rtl="0" eaLnBrk="1" latinLnBrk="0" hangingPunct="1">
+              <a:lnSpc>
+                <a:spcPct val="125000"/>
+              </a:lnSpc>
+              <a:spcBef>
+                <a:spcPts val="200"/>
+              </a:spcBef>
+              <a:spcAft>
+                <a:spcPts val="600"/>
+              </a:spcAft>
+              <a:buClr>
+                <a:schemeClr val="accent1"/>
+              </a:buClr>
+              <a:buFont typeface="Wingdings 3" pitchFamily="18" charset="2"/>
+              <a:buChar char=""/>
+              <a:defRPr sz="1800" kern="1200">
+                <a:solidFill>
+                  <a:schemeClr val="tx1"/>
+                </a:solidFill>
+                <a:latin typeface="+mn-lt"/>
+                <a:ea typeface="+mn-ea"/>
+                <a:cs typeface="+mn-cs"/>
+              </a:defRPr>
+            </a:lvl2pPr>
+            <a:lvl3pPr marL="448056" indent="-137160" algn="l" defTabSz="914400" rtl="0" eaLnBrk="1" latinLnBrk="0" hangingPunct="1">
+              <a:lnSpc>
+                <a:spcPct val="125000"/>
+              </a:lnSpc>
+              <a:spcBef>
+                <a:spcPts val="200"/>
+              </a:spcBef>
+              <a:spcAft>
+                <a:spcPts val="600"/>
+              </a:spcAft>
+              <a:buClr>
+                <a:schemeClr val="accent1"/>
+              </a:buClr>
+              <a:buFont typeface="Wingdings 3" pitchFamily="18" charset="2"/>
+              <a:buChar char=""/>
+              <a:defRPr sz="1800" kern="1200">
+                <a:solidFill>
+                  <a:schemeClr val="tx1"/>
+                </a:solidFill>
+                <a:latin typeface="+mn-lt"/>
+                <a:ea typeface="+mn-ea"/>
+                <a:cs typeface="+mn-cs"/>
+              </a:defRPr>
+            </a:lvl3pPr>
+            <a:lvl4pPr marL="594360" indent="-137160" algn="l" defTabSz="914400" rtl="0" eaLnBrk="1" latinLnBrk="0" hangingPunct="1">
+              <a:lnSpc>
+                <a:spcPct val="125000"/>
+              </a:lnSpc>
+              <a:spcBef>
+                <a:spcPts val="200"/>
+              </a:spcBef>
+              <a:spcAft>
+                <a:spcPts val="600"/>
+              </a:spcAft>
+              <a:buClr>
+                <a:schemeClr val="accent1"/>
+              </a:buClr>
+              <a:buFont typeface="Wingdings 3" pitchFamily="18" charset="2"/>
+              <a:buChar char=""/>
+              <a:defRPr sz="1800" kern="1200">
+                <a:solidFill>
+                  <a:schemeClr val="tx1"/>
+                </a:solidFill>
+                <a:latin typeface="+mn-lt"/>
+                <a:ea typeface="+mn-ea"/>
+                <a:cs typeface="+mn-cs"/>
+              </a:defRPr>
+            </a:lvl4pPr>
+            <a:lvl5pPr marL="777240" indent="-137160" algn="l" defTabSz="914400" rtl="0" eaLnBrk="1" latinLnBrk="0" hangingPunct="1">
+              <a:lnSpc>
+                <a:spcPct val="125000"/>
+              </a:lnSpc>
+              <a:spcBef>
+                <a:spcPts val="200"/>
+              </a:spcBef>
+              <a:spcAft>
+                <a:spcPts val="600"/>
+              </a:spcAft>
+              <a:buClr>
+                <a:schemeClr val="accent1"/>
+              </a:buClr>
+              <a:buFont typeface="Wingdings 3" pitchFamily="18" charset="2"/>
+              <a:buChar char=""/>
+              <a:defRPr sz="1800" kern="1200">
+                <a:solidFill>
+                  <a:schemeClr val="tx1"/>
+                </a:solidFill>
+                <a:latin typeface="+mn-lt"/>
+                <a:ea typeface="+mn-ea"/>
+                <a:cs typeface="+mn-cs"/>
+              </a:defRPr>
+            </a:lvl5pPr>
+            <a:lvl6pPr marL="914400" indent="-137160" algn="l" defTabSz="914400" rtl="0" eaLnBrk="1" latinLnBrk="0" hangingPunct="1">
+              <a:lnSpc>
+                <a:spcPct val="90000"/>
+              </a:lnSpc>
+              <a:spcBef>
+                <a:spcPts val="200"/>
+              </a:spcBef>
+              <a:spcAft>
+                <a:spcPts val="400"/>
+              </a:spcAft>
+              <a:buClr>
+                <a:schemeClr val="accent1"/>
+              </a:buClr>
+              <a:buFont typeface="Wingdings 3" pitchFamily="18" charset="2"/>
+              <a:buChar char=""/>
+              <a:defRPr sz="1400" kern="1200">
+                <a:solidFill>
+                  <a:schemeClr val="tx1"/>
+                </a:solidFill>
+                <a:latin typeface="+mn-lt"/>
+                <a:ea typeface="+mn-ea"/>
+                <a:cs typeface="+mn-cs"/>
+              </a:defRPr>
+            </a:lvl6pPr>
+            <a:lvl7pPr marL="1060704" indent="-137160" algn="l" defTabSz="914400" rtl="0" eaLnBrk="1" latinLnBrk="0" hangingPunct="1">
+              <a:lnSpc>
+                <a:spcPct val="90000"/>
+              </a:lnSpc>
+              <a:spcBef>
+                <a:spcPts val="200"/>
+              </a:spcBef>
+              <a:spcAft>
+                <a:spcPts val="400"/>
+              </a:spcAft>
+              <a:buClr>
+                <a:schemeClr val="accent1"/>
+              </a:buClr>
+              <a:buFont typeface="Wingdings 3" pitchFamily="18" charset="2"/>
+              <a:buChar char=""/>
+              <a:defRPr sz="1400" kern="1200">
+                <a:solidFill>
+                  <a:schemeClr val="tx1"/>
+                </a:solidFill>
+                <a:latin typeface="+mn-lt"/>
+                <a:ea typeface="+mn-ea"/>
+                <a:cs typeface="+mn-cs"/>
+              </a:defRPr>
+            </a:lvl7pPr>
+            <a:lvl8pPr marL="1216152" indent="-137160" algn="l" defTabSz="914400" rtl="0" eaLnBrk="1" latinLnBrk="0" hangingPunct="1">
+              <a:lnSpc>
+                <a:spcPct val="90000"/>
+              </a:lnSpc>
+              <a:spcBef>
+                <a:spcPts val="200"/>
+              </a:spcBef>
+              <a:spcAft>
+                <a:spcPts val="400"/>
+              </a:spcAft>
+              <a:buClr>
+                <a:schemeClr val="accent1"/>
+              </a:buClr>
+              <a:buFont typeface="Wingdings 3" pitchFamily="18" charset="2"/>
+              <a:buChar char=""/>
+              <a:defRPr sz="1400" kern="1200">
+                <a:solidFill>
+                  <a:schemeClr val="tx1"/>
+                </a:solidFill>
+                <a:latin typeface="+mn-lt"/>
+                <a:ea typeface="+mn-ea"/>
+                <a:cs typeface="+mn-cs"/>
+              </a:defRPr>
+            </a:lvl8pPr>
+            <a:lvl9pPr marL="1362456" indent="-137160" algn="l" defTabSz="914400" rtl="0" eaLnBrk="1" latinLnBrk="0" hangingPunct="1">
+              <a:lnSpc>
+                <a:spcPct val="90000"/>
+              </a:lnSpc>
+              <a:spcBef>
+                <a:spcPts val="200"/>
+              </a:spcBef>
+              <a:spcAft>
+                <a:spcPts val="400"/>
+              </a:spcAft>
+              <a:buClr>
+                <a:schemeClr val="accent1"/>
+              </a:buClr>
+              <a:buFont typeface="Wingdings 3" pitchFamily="18" charset="2"/>
+              <a:buChar char=""/>
+              <a:defRPr sz="1400" kern="1200">
+                <a:solidFill>
+                  <a:schemeClr val="tx1"/>
+                </a:solidFill>
+                <a:latin typeface="+mn-lt"/>
+                <a:ea typeface="+mn-ea"/>
+                <a:cs typeface="+mn-cs"/>
+              </a:defRPr>
+            </a:lvl9pPr>
+          </a:lstStyle>
+          <a:p>
+            <a:pPr marL="0" indent="0" algn="just">
+              <a:buNone/>
+            </a:pPr>
             <a:endParaRPr lang="en-US" noProof="0" dirty="0"/>
           </a:p>
           <a:p>
@@ -37872,8 +40563,8 @@
               <a:buChar char="ü"/>
             </a:pPr>
             <a:r>
-              <a:rPr lang="en-US" noProof="0" dirty="0"/>
-              <a:t> Tapes Page</a:t>
+              <a:rPr lang="en-US" sz="1900" noProof="0" dirty="0"/>
+              <a:t> Products Page</a:t>
             </a:r>
           </a:p>
           <a:p>
@@ -37882,10 +40573,49 @@
               <a:buChar char="ü"/>
             </a:pPr>
             <a:r>
-              <a:rPr lang="en-US" dirty="0"/>
-              <a:t> Tubes Page</a:t>
+              <a:rPr lang="en-US" sz="1900" noProof="0" dirty="0"/>
+              <a:t> Customers Page</a:t>
             </a:r>
-            <a:endParaRPr lang="en-US" noProof="0" dirty="0"/>
+          </a:p>
+          <a:p>
+            <a:pPr lvl="2" algn="just">
+              <a:buFont typeface="Wingdings" panose="05000000000000000000" pitchFamily="2" charset="2"/>
+              <a:buChar char="ü"/>
+            </a:pPr>
+            <a:r>
+              <a:rPr lang="en-US" sz="1900" noProof="0" dirty="0"/>
+              <a:t> Customer PN Page</a:t>
+            </a:r>
+          </a:p>
+          <a:p>
+            <a:pPr lvl="2" algn="just">
+              <a:buFont typeface="Wingdings" panose="05000000000000000000" pitchFamily="2" charset="2"/>
+              <a:buChar char="ü"/>
+            </a:pPr>
+            <a:r>
+              <a:rPr lang="en-US" sz="1900" noProof="0" dirty="0"/>
+              <a:t> Customer PPAP Number Page</a:t>
+            </a:r>
+          </a:p>
+          <a:p>
+            <a:pPr lvl="2" algn="just">
+              <a:buFont typeface="Wingdings" panose="05000000000000000000" pitchFamily="2" charset="2"/>
+              <a:buChar char="ü"/>
+            </a:pPr>
+            <a:r>
+              <a:rPr lang="en-US" sz="1900" noProof="0" dirty="0"/>
+              <a:t> Users Page</a:t>
+            </a:r>
+          </a:p>
+          <a:p>
+            <a:pPr lvl="2" algn="just">
+              <a:buFont typeface="Wingdings" panose="05000000000000000000" pitchFamily="2" charset="2"/>
+              <a:buChar char="ü"/>
+            </a:pPr>
+            <a:r>
+              <a:rPr lang="en-US" sz="1900" noProof="0" dirty="0"/>
+              <a:t> Vendors Page</a:t>
+            </a:r>
           </a:p>
         </p:txBody>
       </p:sp>
@@ -37983,17 +40713,16 @@
           <a:p>
             <a:pPr algn="just"/>
             <a:r>
-              <a:rPr lang="en-US" dirty="0"/>
+              <a:rPr lang="en-US" sz="1900" noProof="0" dirty="0"/>
               <a:t>This page will serve to control user access.</a:t>
             </a:r>
           </a:p>
           <a:p>
             <a:pPr algn="just"/>
             <a:r>
-              <a:rPr lang="en-US" dirty="0"/>
+              <a:rPr lang="en-US" sz="1900" noProof="0" dirty="0"/>
               <a:t>Users will be asked to log in with a username and password.</a:t>
             </a:r>
-            <a:endParaRPr lang="en-US" noProof="0" dirty="0"/>
           </a:p>
         </p:txBody>
       </p:sp>
@@ -38091,33 +40820,51 @@
           <a:p>
             <a:pPr algn="just"/>
             <a:r>
-              <a:rPr lang="en-US" dirty="0"/>
+              <a:rPr lang="en-US" sz="1900" noProof="0" dirty="0"/>
               <a:t>This page will serve as the home page for logged-in users.</a:t>
             </a:r>
           </a:p>
           <a:p>
             <a:pPr algn="just"/>
             <a:r>
-              <a:rPr lang="en-US" dirty="0"/>
+              <a:rPr lang="en-US" sz="1900" noProof="0" dirty="0"/>
               <a:t>A welcome message will be displayed.</a:t>
             </a:r>
-            <a:endParaRPr lang="en-US" noProof="0" dirty="0"/>
           </a:p>
           <a:p>
             <a:pPr algn="just"/>
             <a:r>
-              <a:rPr lang="en-US" dirty="0"/>
+              <a:rPr lang="en-US" sz="1900" noProof="0" dirty="0"/>
               <a:t>At the top of the page will be a menu with options for navigating to the </a:t>
             </a:r>
             <a:r>
-              <a:rPr lang="en-US" dirty="0" err="1"/>
+              <a:rPr lang="en-US" sz="1900" noProof="0" dirty="0" err="1"/>
               <a:t>BluSeal</a:t>
             </a:r>
             <a:r>
-              <a:rPr lang="en-US" dirty="0"/>
-              <a:t>, cables, tapes and tubes pages.</a:t>
+              <a:rPr lang="en-US" sz="1900" noProof="0" dirty="0"/>
+              <a:t>, cables, tapes and tubes PPAP pages.</a:t>
             </a:r>
-            <a:endParaRPr lang="en-US" noProof="0" dirty="0"/>
+          </a:p>
+          <a:p>
+            <a:pPr algn="just"/>
+            <a:r>
+              <a:rPr lang="en-US" sz="1900" noProof="0" dirty="0"/>
+              <a:t>The users with the role ‘Administrator’ will </a:t>
+            </a:r>
+            <a:r>
+              <a:rPr lang="en-US" sz="1900" dirty="0"/>
+              <a:t>have the permissions for navigating to the customers, customer </a:t>
+            </a:r>
+            <a:r>
+              <a:rPr lang="en-US" sz="1900" dirty="0" err="1"/>
+              <a:t>pn</a:t>
+            </a:r>
+            <a:r>
+              <a:rPr lang="en-US" sz="1900" dirty="0"/>
+              <a:t>, customer PPAP number, products, users and vendors pages.</a:t>
+            </a:r>
+            <a:endParaRPr lang="en-US" sz="1900" noProof="0" dirty="0"/>
           </a:p>
           <a:p>
             <a:pPr marL="285750" indent="-285750" algn="just">
@@ -38191,7 +40938,7 @@
             </a:r>
             <a:r>
               <a:rPr lang="en-US" sz="4000" noProof="0" dirty="0"/>
-              <a:t>, CABLES, TAPES AND TUBES PAGES</a:t>
+              <a:t>, CABLES, TAPES AND TUBES PPAP PAGES</a:t>
             </a:r>
           </a:p>
         </p:txBody>
@@ -38220,13 +40967,13 @@
         </p:spPr>
         <p:txBody>
           <a:bodyPr>
-            <a:normAutofit fontScale="92500" lnSpcReduction="20000"/>
+            <a:normAutofit/>
           </a:bodyPr>
           <a:lstStyle/>
           <a:p>
             <a:pPr algn="just"/>
             <a:r>
-              <a:rPr lang="en-US" sz="1900" dirty="0"/>
+              <a:rPr lang="en-US" sz="1900" noProof="0" dirty="0"/>
               <a:t>These pages will serve for querying, registering and tracking for the PPAP’s.</a:t>
             </a:r>
           </a:p>
@@ -38243,7 +40990,7 @@
               <a:buChar char="ü"/>
             </a:pPr>
             <a:r>
-              <a:rPr lang="en-US" sz="1900" dirty="0"/>
+              <a:rPr lang="en-US" sz="1900" noProof="0" dirty="0"/>
               <a:t> A table with the information of the PPAP’s. </a:t>
             </a:r>
           </a:p>
@@ -38253,7 +41000,7 @@
               <a:buChar char="ü"/>
             </a:pPr>
             <a:r>
-              <a:rPr lang="en-US" sz="1900" dirty="0"/>
+              <a:rPr lang="en-US" sz="1900" noProof="0" dirty="0"/>
               <a:t> A search form with each field of the table.</a:t>
             </a:r>
           </a:p>
@@ -38263,10 +41010,9 @@
               <a:buChar char="ü"/>
             </a:pPr>
             <a:r>
-              <a:rPr lang="en-US" sz="1900" dirty="0"/>
+              <a:rPr lang="en-US" sz="1900" noProof="0" dirty="0"/>
               <a:t> Three registration forms for entering new information into the table (by description, ET PN and Customer PN).</a:t>
             </a:r>
-            <a:endParaRPr lang="en-US" sz="1900" noProof="0" dirty="0"/>
           </a:p>
           <a:p>
             <a:pPr lvl="2" algn="just">
@@ -38274,7 +41020,7 @@
               <a:buChar char="ü"/>
             </a:pPr>
             <a:r>
-              <a:rPr lang="en-US" sz="1900" dirty="0"/>
+              <a:rPr lang="en-US" sz="1900" noProof="0" dirty="0"/>
               <a:t> An edit form for editing table information.</a:t>
             </a:r>
           </a:p>
@@ -38284,29 +41030,9 @@
               <a:buChar char="ü"/>
             </a:pPr>
             <a:r>
-              <a:rPr lang="en-US" sz="1900" dirty="0"/>
-              <a:t> A function for deleting records from the table.</a:t>
+              <a:rPr lang="en-US" sz="1900" noProof="0" dirty="0"/>
+              <a:t> A function for deleting records from the table (only Administrator).</a:t>
             </a:r>
-            <a:endParaRPr lang="en-US" sz="1900" noProof="0" dirty="0"/>
-          </a:p>
-          <a:p>
-            <a:pPr algn="just"/>
-            <a:r>
-              <a:rPr lang="en-US" sz="1900" dirty="0"/>
-              <a:t>At the top of the page will be a menu with options for navigating to the </a:t>
-            </a:r>
-            <a:r>
-              <a:rPr lang="en-US" sz="1900" dirty="0" err="1"/>
-              <a:t>BluSeal</a:t>
-            </a:r>
-            <a:r>
-              <a:rPr lang="en-US" sz="1900" dirty="0"/>
-              <a:t>, cables, tapes and tubes pages.</a:t>
-            </a:r>
-            <a:endParaRPr lang="en-US" sz="1900" noProof="0" dirty="0"/>
-          </a:p>
-          <a:p>
-            <a:pPr algn="just"/>
             <a:endParaRPr lang="en-US" noProof="0" dirty="0"/>
           </a:p>
           <a:p>
@@ -38381,7 +41107,7 @@
             </a:r>
             <a:r>
               <a:rPr lang="en-US" sz="4000" noProof="0" dirty="0"/>
-              <a:t> PAGE - FUNCTIONS</a:t>
+              <a:t> PPAP PAGE - FUNCTIONS</a:t>
             </a:r>
           </a:p>
         </p:txBody>
@@ -38419,7 +41145,7 @@
               <a:buChar char="Ø"/>
             </a:pPr>
             <a:r>
-              <a:rPr lang="en-US" noProof="0" dirty="0"/>
+              <a:rPr lang="en-US" sz="1900" noProof="0" dirty="0"/>
               <a:t>Records for which no PPAPs have been requested will be displayed with a white background.</a:t>
             </a:r>
           </a:p>
@@ -38429,7 +41155,7 @@
               <a:buChar char="Ø"/>
             </a:pPr>
             <a:r>
-              <a:rPr lang="en-US" noProof="0" dirty="0"/>
+              <a:rPr lang="en-US" sz="1900" noProof="0" dirty="0"/>
               <a:t>Records for which a PPAP has been requested but the signed documentation from the customer has not yet been received will be displayed with a yellow background.</a:t>
             </a:r>
           </a:p>
@@ -38439,7 +41165,7 @@
               <a:buChar char="Ø"/>
             </a:pPr>
             <a:r>
-              <a:rPr lang="en-US" noProof="0" dirty="0"/>
+              <a:rPr lang="en-US" sz="1900" noProof="0" dirty="0"/>
               <a:t>Records for which a PPAP has been requested and the signed documentation from the customer has been received will be displayed with a green background.</a:t>
             </a:r>
           </a:p>
@@ -38449,7 +41175,7 @@
               <a:buChar char="Ø"/>
             </a:pPr>
             <a:r>
-              <a:rPr lang="en-US" noProof="0" dirty="0"/>
+              <a:rPr lang="en-US" sz="1900" noProof="0" dirty="0"/>
               <a:t>In the “Received Date” field, a note can be displayed to check or uncheck the “PPAP ET” and “IMDS ET” fields.</a:t>
             </a:r>
           </a:p>
@@ -38514,7 +41240,7 @@
           <a:p>
             <a:r>
               <a:rPr lang="en-US" sz="4000" noProof="0" dirty="0"/>
-              <a:t>Cables PAGE - functions</a:t>
+              <a:t>Cables PPAP PAGE - functions</a:t>
             </a:r>
           </a:p>
         </p:txBody>
@@ -38552,7 +41278,7 @@
               <a:buChar char="Ø"/>
             </a:pPr>
             <a:r>
-              <a:rPr lang="en-US" noProof="0" dirty="0"/>
+              <a:rPr lang="en-US" sz="1900" noProof="0" dirty="0"/>
               <a:t>Records for which no PPAPs have been requested will be displayed with a white background.</a:t>
             </a:r>
           </a:p>
@@ -38562,7 +41288,7 @@
               <a:buChar char="Ø"/>
             </a:pPr>
             <a:r>
-              <a:rPr lang="en-US" noProof="0" dirty="0"/>
+              <a:rPr lang="en-US" sz="1900" noProof="0" dirty="0"/>
               <a:t>Records for which a PPAP has been requested but the signed documentation from the customer has not yet been received will be displayed with a yellow background.</a:t>
             </a:r>
           </a:p>
@@ -38572,7 +41298,7 @@
               <a:buChar char="Ø"/>
             </a:pPr>
             <a:r>
-              <a:rPr lang="en-US" noProof="0" dirty="0"/>
+              <a:rPr lang="en-US" sz="1900" noProof="0" dirty="0"/>
               <a:t>Records for which a PPAP has been requested and the signed documentation from the customer has been received will be displayed with a green background.</a:t>
             </a:r>
           </a:p>
@@ -38582,7 +41308,7 @@
               <a:buChar char="Ø"/>
             </a:pPr>
             <a:r>
-              <a:rPr lang="en-US" noProof="0" dirty="0"/>
+              <a:rPr lang="en-US" sz="1900" noProof="0" dirty="0"/>
               <a:t>In the “Received Date” field, a note can be displayed to check or uncheck the “PSW ET” and “IMDS ET” fields.</a:t>
             </a:r>
           </a:p>
@@ -38647,7 +41373,7 @@
           <a:p>
             <a:r>
               <a:rPr lang="en-US" sz="4000" noProof="0" dirty="0"/>
-              <a:t>TAPES PAGE - functions</a:t>
+              <a:t>TAPES PPAP PAGE - functions</a:t>
             </a:r>
           </a:p>
         </p:txBody>
@@ -38676,7 +41402,7 @@
         </p:spPr>
         <p:txBody>
           <a:bodyPr>
-            <a:normAutofit/>
+            <a:noAutofit/>
           </a:bodyPr>
           <a:lstStyle/>
           <a:p>
@@ -38685,7 +41411,7 @@
               <a:buChar char="Ø"/>
             </a:pPr>
             <a:r>
-              <a:rPr lang="en-US" noProof="0" dirty="0"/>
+              <a:rPr lang="en-US" sz="1900" noProof="0" dirty="0"/>
               <a:t>The renewal date for the year being recorded will be calculated.</a:t>
             </a:r>
           </a:p>
@@ -38695,7 +41421,7 @@
               <a:buChar char="Ø"/>
             </a:pPr>
             <a:r>
-              <a:rPr lang="en-US" noProof="0" dirty="0"/>
+              <a:rPr lang="en-US" sz="1900" noProof="0" dirty="0"/>
               <a:t>Records will be displayed with a green background when the PPAP has been sent to the customer and the PSW has been signed.</a:t>
             </a:r>
           </a:p>
@@ -38705,56 +41431,8 @@
               <a:buChar char="Ø"/>
             </a:pPr>
             <a:r>
-              <a:rPr lang="en-US" noProof="0" dirty="0"/>
-              <a:t>Records will be displayed with a red background when</a:t>
-            </a:r>
-            <a:r>
-              <a:rPr lang="en-US" dirty="0"/>
-              <a:t> t</a:t>
-            </a:r>
-            <a:r>
-              <a:rPr lang="en-US" noProof="0" dirty="0"/>
-              <a:t>he PPAP has been sent to the customer and the PSW has not been signed.</a:t>
-            </a:r>
-          </a:p>
-          <a:p>
-            <a:pPr marL="569214" lvl="1" indent="-285750" algn="just">
-              <a:buFont typeface="Wingdings" panose="05000000000000000000" pitchFamily="2" charset="2"/>
-              <a:buChar char="Ø"/>
-            </a:pPr>
-            <a:r>
-              <a:rPr lang="en-US" noProof="0" dirty="0"/>
-              <a:t>Records will be displayed with a white background when</a:t>
-            </a:r>
-            <a:r>
-              <a:rPr lang="en-US" dirty="0"/>
-              <a:t> t</a:t>
-            </a:r>
-            <a:r>
-              <a:rPr lang="en-US" noProof="0" dirty="0"/>
-              <a:t>he record does not yet require renewal.</a:t>
-            </a:r>
-          </a:p>
-          <a:p>
-            <a:pPr marL="569214" lvl="1" indent="-285750" algn="just">
-              <a:buFont typeface="Wingdings" panose="05000000000000000000" pitchFamily="2" charset="2"/>
-              <a:buChar char="Ø"/>
-            </a:pPr>
-            <a:r>
-              <a:rPr lang="en-US" dirty="0"/>
-              <a:t>Records</a:t>
-            </a:r>
-            <a:r>
-              <a:rPr lang="en-US" noProof="0" dirty="0"/>
-              <a:t> will be displayed with a white background and red text when</a:t>
-            </a:r>
-            <a:r>
-              <a:rPr lang="en-US" dirty="0"/>
-              <a:t> t</a:t>
-            </a:r>
-            <a:r>
-              <a:rPr lang="en-US" noProof="0" dirty="0"/>
-              <a:t>he record requires renewal, a week has passed, the request was made, and the documentation from Coroplast is still pending.</a:t>
+              <a:rPr lang="en-US" sz="1900" noProof="0" dirty="0"/>
+              <a:t>Records will be displayed with a red background when the PPAP has been sent to the customer and the PSW has not been signed.</a:t>
             </a:r>
           </a:p>
         </p:txBody>
@@ -38948,6 +41626,119 @@
         <p:cNvPr id="1" name="">
           <a:extLst>
             <a:ext uri="{FF2B5EF4-FFF2-40B4-BE49-F238E27FC236}">
+              <a16:creationId xmlns:a16="http://schemas.microsoft.com/office/drawing/2014/main" id="{DDF7AA8A-9111-3B7A-73CB-9CA121AC152B}"/>
+            </a:ext>
+          </a:extLst>
+        </p:cNvPr>
+        <p:cNvGrpSpPr/>
+        <p:nvPr/>
+      </p:nvGrpSpPr>
+      <p:grpSpPr>
+        <a:xfrm>
+          <a:off x="0" y="0"/>
+          <a:ext cx="0" cy="0"/>
+          <a:chOff x="0" y="0"/>
+          <a:chExt cx="0" cy="0"/>
+        </a:xfrm>
+      </p:grpSpPr>
+      <p:sp>
+        <p:nvSpPr>
+          <p:cNvPr id="2" name="Title 1">
+            <a:extLst>
+              <a:ext uri="{FF2B5EF4-FFF2-40B4-BE49-F238E27FC236}">
+                <a16:creationId xmlns:a16="http://schemas.microsoft.com/office/drawing/2014/main" id="{6F127B37-7EEC-71A7-7CAC-85F25BDD2E2D}"/>
+              </a:ext>
+            </a:extLst>
+          </p:cNvPr>
+          <p:cNvSpPr>
+            <a:spLocks noGrp="1"/>
+          </p:cNvSpPr>
+          <p:nvPr>
+            <p:ph type="title"/>
+          </p:nvPr>
+        </p:nvSpPr>
+        <p:spPr/>
+        <p:txBody>
+          <a:bodyPr/>
+          <a:lstStyle/>
+          <a:p>
+            <a:r>
+              <a:rPr lang="en-US" sz="4000" noProof="0" dirty="0"/>
+              <a:t>TAPES PPAP PAGE - functions</a:t>
+            </a:r>
+          </a:p>
+        </p:txBody>
+      </p:sp>
+      <p:sp>
+        <p:nvSpPr>
+          <p:cNvPr id="3" name="Content Placeholder 2">
+            <a:extLst>
+              <a:ext uri="{FF2B5EF4-FFF2-40B4-BE49-F238E27FC236}">
+                <a16:creationId xmlns:a16="http://schemas.microsoft.com/office/drawing/2014/main" id="{6A56DF05-5A30-8B21-02E1-ACF9B9601963}"/>
+              </a:ext>
+            </a:extLst>
+          </p:cNvPr>
+          <p:cNvSpPr>
+            <a:spLocks noGrp="1"/>
+          </p:cNvSpPr>
+          <p:nvPr>
+            <p:ph sz="quarter" idx="17"/>
+          </p:nvPr>
+        </p:nvSpPr>
+        <p:spPr>
+          <a:xfrm>
+            <a:off x="1542562" y="2590800"/>
+            <a:ext cx="10013709" cy="4056888"/>
+          </a:xfrm>
+        </p:spPr>
+        <p:txBody>
+          <a:bodyPr>
+            <a:noAutofit/>
+          </a:bodyPr>
+          <a:lstStyle/>
+          <a:p>
+            <a:pPr marL="569214" lvl="1" indent="-285750" algn="just">
+              <a:buFont typeface="Wingdings" panose="05000000000000000000" pitchFamily="2" charset="2"/>
+              <a:buChar char="Ø"/>
+            </a:pPr>
+            <a:r>
+              <a:rPr lang="en-US" sz="1900" noProof="0" dirty="0"/>
+              <a:t>Records will be displayed with a white background when the record does not yet require renewal.</a:t>
+            </a:r>
+          </a:p>
+          <a:p>
+            <a:pPr marL="569214" lvl="1" indent="-285750" algn="just">
+              <a:buFont typeface="Wingdings" panose="05000000000000000000" pitchFamily="2" charset="2"/>
+              <a:buChar char="Ø"/>
+            </a:pPr>
+            <a:r>
+              <a:rPr lang="en-US" sz="1900" noProof="0" dirty="0"/>
+              <a:t>Records will be displayed with a white background and red text when the record requires renewal, a week has passed, the request was made, and the documentation from Coroplast is still pending.</a:t>
+            </a:r>
+          </a:p>
+        </p:txBody>
+      </p:sp>
+    </p:spTree>
+    <p:extLst>
+      <p:ext uri="{BB962C8B-B14F-4D97-AF65-F5344CB8AC3E}">
+        <p14:creationId xmlns:p14="http://schemas.microsoft.com/office/powerpoint/2010/main" val="3068483034"/>
+      </p:ext>
+    </p:extLst>
+  </p:cSld>
+  <p:clrMapOvr>
+    <a:masterClrMapping/>
+  </p:clrMapOvr>
+</p:sld>
+</file>
+
+<file path=ppt/slides/slide31.xml><?xml version="1.0" encoding="utf-8"?>
+<p:sld xmlns:a="http://schemas.openxmlformats.org/drawingml/2006/main" xmlns:r="http://schemas.openxmlformats.org/officeDocument/2006/relationships" xmlns:p="http://schemas.openxmlformats.org/presentationml/2006/main">
+  <p:cSld>
+    <p:spTree>
+      <p:nvGrpSpPr>
+        <p:cNvPr id="1" name="">
+          <a:extLst>
+            <a:ext uri="{FF2B5EF4-FFF2-40B4-BE49-F238E27FC236}">
               <a16:creationId xmlns:a16="http://schemas.microsoft.com/office/drawing/2014/main" id="{FF12AF35-BC60-C7F9-20D7-EB1EFCCFDD0A}"/>
             </a:ext>
           </a:extLst>
@@ -38986,15 +41777,7 @@
           <a:p>
             <a:r>
               <a:rPr lang="en-US" sz="4000" noProof="0" dirty="0"/>
-              <a:t>Tub</a:t>
-            </a:r>
-            <a:r>
-              <a:rPr lang="en-US" sz="4000" dirty="0"/>
-              <a:t>e</a:t>
-            </a:r>
-            <a:r>
-              <a:rPr lang="en-US" sz="4000" noProof="0" dirty="0"/>
-              <a:t>s Page - Functions</a:t>
+              <a:t>Tubes PPAP Page - Functions</a:t>
             </a:r>
           </a:p>
         </p:txBody>
@@ -39032,7 +41815,7 @@
               <a:buChar char="Ø"/>
             </a:pPr>
             <a:r>
-              <a:rPr lang="en-US" dirty="0"/>
+              <a:rPr lang="en-US" sz="1900" noProof="0" dirty="0"/>
               <a:t>The difference in days between the customer’s request date and the date the documentation was sent to the customer will be calculated.</a:t>
             </a:r>
           </a:p>
@@ -39042,10 +41825,9 @@
               <a:buChar char="Ø"/>
             </a:pPr>
             <a:r>
-              <a:rPr lang="en-US" dirty="0"/>
+              <a:rPr lang="en-US" sz="1900" noProof="0" dirty="0"/>
               <a:t>When the difference in days is:</a:t>
             </a:r>
-            <a:endParaRPr lang="en-US" noProof="0" dirty="0"/>
           </a:p>
           <a:p>
             <a:pPr marL="898398" lvl="3" indent="-285750" algn="just">
@@ -39053,7 +41835,7 @@
               <a:buChar char="o"/>
             </a:pPr>
             <a:r>
-              <a:rPr lang="en-US" noProof="0" dirty="0"/>
+              <a:rPr lang="en-US" sz="1900" noProof="0" dirty="0"/>
               <a:t>Less than or equal to 18 days, the field ‘Days to Submit’ will be displayed with a green background.</a:t>
             </a:r>
           </a:p>
@@ -39063,12 +41845,8 @@
               <a:buChar char="o"/>
             </a:pPr>
             <a:r>
-              <a:rPr lang="en-US" dirty="0"/>
-              <a:t>Between 19 and 30 days, the field ‘Days to Submit’ will be displayed with a yellow background</a:t>
-            </a:r>
-            <a:r>
-              <a:rPr lang="en-US" noProof="0" dirty="0"/>
-              <a:t>.</a:t>
+              <a:rPr lang="en-US" sz="1900" noProof="0" dirty="0"/>
+              <a:t>Between 19 and 30 days, the field ‘Days to Submit’ will be displayed with a yellow background.</a:t>
             </a:r>
           </a:p>
           <a:p>
@@ -39077,36 +41855,8 @@
               <a:buChar char="o"/>
             </a:pPr>
             <a:r>
-              <a:rPr lang="es-MX" dirty="0" err="1"/>
-              <a:t>Greater</a:t>
-            </a:r>
-            <a:r>
-              <a:rPr lang="es-MX" dirty="0"/>
-              <a:t> </a:t>
-            </a:r>
-            <a:r>
-              <a:rPr lang="es-MX" dirty="0" err="1"/>
-              <a:t>than</a:t>
-            </a:r>
-            <a:r>
-              <a:rPr lang="es-MX" dirty="0"/>
-              <a:t> 30 </a:t>
-            </a:r>
-            <a:r>
-              <a:rPr lang="es-MX" dirty="0" err="1"/>
-              <a:t>days</a:t>
-            </a:r>
-            <a:r>
-              <a:rPr lang="en-US" noProof="0" dirty="0"/>
-              <a:t>, </a:t>
-            </a:r>
-            <a:r>
-              <a:rPr lang="en-US" dirty="0"/>
-              <a:t>the field ‘Days to Submit’ will be </a:t>
-            </a:r>
-            <a:r>
-              <a:rPr lang="en-US" noProof="0" dirty="0"/>
-              <a:t>displayed with a red background.</a:t>
+              <a:rPr lang="en-US" sz="1900" noProof="0" dirty="0"/>
+              <a:t>Greater than 30 days, the field ‘Days to Submit’ will be displayed with a red background.</a:t>
             </a:r>
           </a:p>
           <a:p>
@@ -39146,7 +41896,7 @@
 </p:sld>
 </file>
 
-<file path=ppt/slides/slide31.xml><?xml version="1.0" encoding="utf-8"?>
+<file path=ppt/slides/slide32.xml><?xml version="1.0" encoding="utf-8"?>
 <p:sld xmlns:a="http://schemas.openxmlformats.org/drawingml/2006/main" xmlns:r="http://schemas.openxmlformats.org/officeDocument/2006/relationships" xmlns:p="http://schemas.openxmlformats.org/presentationml/2006/main">
   <p:cSld>
     <p:spTree>
@@ -39192,15 +41942,7 @@
           <a:p>
             <a:r>
               <a:rPr lang="en-US" sz="4000" noProof="0" dirty="0"/>
-              <a:t>Tub</a:t>
-            </a:r>
-            <a:r>
-              <a:rPr lang="en-US" sz="4000" dirty="0"/>
-              <a:t>e</a:t>
-            </a:r>
-            <a:r>
-              <a:rPr lang="en-US" sz="4000" noProof="0" dirty="0"/>
-              <a:t>s Page - Functions</a:t>
+              <a:t>Tubes PPAP Page - Functions</a:t>
             </a:r>
           </a:p>
         </p:txBody>
@@ -39238,7 +41980,7 @@
               <a:buChar char="Ø"/>
             </a:pPr>
             <a:r>
-              <a:rPr lang="en-US" dirty="0"/>
+              <a:rPr lang="en-US" sz="1900" noProof="0" dirty="0"/>
               <a:t>Records will be displayed with a blue background when the PPAP has been request.</a:t>
             </a:r>
           </a:p>
@@ -39248,7 +41990,7 @@
               <a:buChar char="Ø"/>
             </a:pPr>
             <a:r>
-              <a:rPr lang="en-US" dirty="0"/>
+              <a:rPr lang="en-US" sz="1900" noProof="0" dirty="0"/>
               <a:t>Records will be displayed with a yellow background when the PPAP has been sent to the customer.</a:t>
             </a:r>
           </a:p>
@@ -39258,7 +42000,7 @@
               <a:buChar char="Ø"/>
             </a:pPr>
             <a:r>
-              <a:rPr lang="en-US" dirty="0"/>
+              <a:rPr lang="en-US" sz="1900" noProof="0" dirty="0"/>
               <a:t>Records will be displayed with a green background when the PSW has been returned signed by the customer.</a:t>
             </a:r>
           </a:p>
@@ -39290,6 +42032,1044 @@
     <p:extLst>
       <p:ext uri="{BB962C8B-B14F-4D97-AF65-F5344CB8AC3E}">
         <p14:creationId xmlns:p14="http://schemas.microsoft.com/office/powerpoint/2010/main" val="3672609408"/>
+      </p:ext>
+    </p:extLst>
+  </p:cSld>
+  <p:clrMapOvr>
+    <a:masterClrMapping/>
+  </p:clrMapOvr>
+</p:sld>
+</file>
+
+<file path=ppt/slides/slide33.xml><?xml version="1.0" encoding="utf-8"?>
+<p:sld xmlns:a="http://schemas.openxmlformats.org/drawingml/2006/main" xmlns:r="http://schemas.openxmlformats.org/officeDocument/2006/relationships" xmlns:p="http://schemas.openxmlformats.org/presentationml/2006/main">
+  <p:cSld>
+    <p:spTree>
+      <p:nvGrpSpPr>
+        <p:cNvPr id="1" name="">
+          <a:extLst>
+            <a:ext uri="{FF2B5EF4-FFF2-40B4-BE49-F238E27FC236}">
+              <a16:creationId xmlns:a16="http://schemas.microsoft.com/office/drawing/2014/main" id="{140F9356-1E6B-958A-126F-462977BACDA2}"/>
+            </a:ext>
+          </a:extLst>
+        </p:cNvPr>
+        <p:cNvGrpSpPr/>
+        <p:nvPr/>
+      </p:nvGrpSpPr>
+      <p:grpSpPr>
+        <a:xfrm>
+          <a:off x="0" y="0"/>
+          <a:ext cx="0" cy="0"/>
+          <a:chOff x="0" y="0"/>
+          <a:chExt cx="0" cy="0"/>
+        </a:xfrm>
+      </p:grpSpPr>
+      <p:sp>
+        <p:nvSpPr>
+          <p:cNvPr id="2" name="Title 1">
+            <a:extLst>
+              <a:ext uri="{FF2B5EF4-FFF2-40B4-BE49-F238E27FC236}">
+                <a16:creationId xmlns:a16="http://schemas.microsoft.com/office/drawing/2014/main" id="{41686F97-3C42-C9B5-004E-127C158CA9E1}"/>
+              </a:ext>
+            </a:extLst>
+          </p:cNvPr>
+          <p:cNvSpPr>
+            <a:spLocks noGrp="1"/>
+          </p:cNvSpPr>
+          <p:nvPr>
+            <p:ph type="title"/>
+          </p:nvPr>
+        </p:nvSpPr>
+        <p:spPr/>
+        <p:txBody>
+          <a:bodyPr/>
+          <a:lstStyle/>
+          <a:p>
+            <a:r>
+              <a:rPr lang="en-US" sz="4000" noProof="0" dirty="0"/>
+              <a:t>Products PAGE</a:t>
+            </a:r>
+          </a:p>
+        </p:txBody>
+      </p:sp>
+      <p:sp>
+        <p:nvSpPr>
+          <p:cNvPr id="3" name="Content Placeholder 2">
+            <a:extLst>
+              <a:ext uri="{FF2B5EF4-FFF2-40B4-BE49-F238E27FC236}">
+                <a16:creationId xmlns:a16="http://schemas.microsoft.com/office/drawing/2014/main" id="{46EC91E9-C101-3F2D-0125-6DFCF1467453}"/>
+              </a:ext>
+            </a:extLst>
+          </p:cNvPr>
+          <p:cNvSpPr>
+            <a:spLocks noGrp="1"/>
+          </p:cNvSpPr>
+          <p:nvPr>
+            <p:ph sz="quarter" idx="17"/>
+          </p:nvPr>
+        </p:nvSpPr>
+        <p:spPr>
+          <a:xfrm>
+            <a:off x="1542562" y="2523064"/>
+            <a:ext cx="10013709" cy="4056888"/>
+          </a:xfrm>
+        </p:spPr>
+        <p:txBody>
+          <a:bodyPr>
+            <a:normAutofit/>
+          </a:bodyPr>
+          <a:lstStyle/>
+          <a:p>
+            <a:pPr algn="just"/>
+            <a:r>
+              <a:rPr lang="en-US" sz="1900" noProof="0" dirty="0"/>
+              <a:t>This page will serve for querying, registering and tracking for the Eurotech’s products.</a:t>
+            </a:r>
+          </a:p>
+          <a:p>
+            <a:pPr algn="just"/>
+            <a:r>
+              <a:rPr lang="en-US" sz="1900" noProof="0" dirty="0"/>
+              <a:t>The page will include:</a:t>
+            </a:r>
+          </a:p>
+          <a:p>
+            <a:pPr lvl="2" algn="just">
+              <a:buFont typeface="Wingdings" panose="05000000000000000000" pitchFamily="2" charset="2"/>
+              <a:buChar char="ü"/>
+            </a:pPr>
+            <a:r>
+              <a:rPr lang="en-US" sz="1900" noProof="0" dirty="0"/>
+              <a:t> A table with the information of the products. </a:t>
+            </a:r>
+          </a:p>
+          <a:p>
+            <a:pPr lvl="2" algn="just">
+              <a:buFont typeface="Wingdings" panose="05000000000000000000" pitchFamily="2" charset="2"/>
+              <a:buChar char="ü"/>
+            </a:pPr>
+            <a:r>
+              <a:rPr lang="en-US" sz="1900" noProof="0" dirty="0"/>
+              <a:t> A search form with each field of the table.</a:t>
+            </a:r>
+          </a:p>
+          <a:p>
+            <a:pPr lvl="2" algn="just">
+              <a:buFont typeface="Wingdings" panose="05000000000000000000" pitchFamily="2" charset="2"/>
+              <a:buChar char="ü"/>
+            </a:pPr>
+            <a:r>
+              <a:rPr lang="en-US" sz="1900" noProof="0" dirty="0"/>
+              <a:t> A registration form for entering new information into the table.</a:t>
+            </a:r>
+          </a:p>
+          <a:p>
+            <a:pPr lvl="2" algn="just">
+              <a:buFont typeface="Wingdings" panose="05000000000000000000" pitchFamily="2" charset="2"/>
+              <a:buChar char="ü"/>
+            </a:pPr>
+            <a:r>
+              <a:rPr lang="en-US" sz="1900" noProof="0" dirty="0"/>
+              <a:t> An edit form for editing table information.</a:t>
+            </a:r>
+          </a:p>
+          <a:p>
+            <a:pPr lvl="2" algn="just">
+              <a:buFont typeface="Wingdings" panose="05000000000000000000" pitchFamily="2" charset="2"/>
+              <a:buChar char="ü"/>
+            </a:pPr>
+            <a:r>
+              <a:rPr lang="en-US" sz="1900" noProof="0" dirty="0"/>
+              <a:t> A function for deleting records from the table</a:t>
+            </a:r>
+            <a:r>
+              <a:rPr lang="en-US" sz="1900" dirty="0"/>
+              <a:t>.</a:t>
+            </a:r>
+            <a:endParaRPr lang="en-US" noProof="0" dirty="0"/>
+          </a:p>
+          <a:p>
+            <a:pPr marL="285750" indent="-285750" algn="just">
+              <a:buFont typeface="Arial" panose="020B0604020202020204" pitchFamily="34" charset="0"/>
+              <a:buChar char="•"/>
+            </a:pPr>
+            <a:endParaRPr lang="en-US" noProof="0" dirty="0"/>
+          </a:p>
+        </p:txBody>
+      </p:sp>
+    </p:spTree>
+    <p:extLst>
+      <p:ext uri="{BB962C8B-B14F-4D97-AF65-F5344CB8AC3E}">
+        <p14:creationId xmlns:p14="http://schemas.microsoft.com/office/powerpoint/2010/main" val="488909217"/>
+      </p:ext>
+    </p:extLst>
+  </p:cSld>
+  <p:clrMapOvr>
+    <a:masterClrMapping/>
+  </p:clrMapOvr>
+</p:sld>
+</file>
+
+<file path=ppt/slides/slide34.xml><?xml version="1.0" encoding="utf-8"?>
+<p:sld xmlns:a="http://schemas.openxmlformats.org/drawingml/2006/main" xmlns:r="http://schemas.openxmlformats.org/officeDocument/2006/relationships" xmlns:p="http://schemas.openxmlformats.org/presentationml/2006/main">
+  <p:cSld>
+    <p:spTree>
+      <p:nvGrpSpPr>
+        <p:cNvPr id="1" name="">
+          <a:extLst>
+            <a:ext uri="{FF2B5EF4-FFF2-40B4-BE49-F238E27FC236}">
+              <a16:creationId xmlns:a16="http://schemas.microsoft.com/office/drawing/2014/main" id="{042EE0F7-1502-D57B-C31F-0D4FDFA67FC6}"/>
+            </a:ext>
+          </a:extLst>
+        </p:cNvPr>
+        <p:cNvGrpSpPr/>
+        <p:nvPr/>
+      </p:nvGrpSpPr>
+      <p:grpSpPr>
+        <a:xfrm>
+          <a:off x="0" y="0"/>
+          <a:ext cx="0" cy="0"/>
+          <a:chOff x="0" y="0"/>
+          <a:chExt cx="0" cy="0"/>
+        </a:xfrm>
+      </p:grpSpPr>
+      <p:sp>
+        <p:nvSpPr>
+          <p:cNvPr id="2" name="Title 1">
+            <a:extLst>
+              <a:ext uri="{FF2B5EF4-FFF2-40B4-BE49-F238E27FC236}">
+                <a16:creationId xmlns:a16="http://schemas.microsoft.com/office/drawing/2014/main" id="{4D00B9DC-C536-B1C0-D527-7F20E46EFD49}"/>
+              </a:ext>
+            </a:extLst>
+          </p:cNvPr>
+          <p:cNvSpPr>
+            <a:spLocks noGrp="1"/>
+          </p:cNvSpPr>
+          <p:nvPr>
+            <p:ph type="title"/>
+          </p:nvPr>
+        </p:nvSpPr>
+        <p:spPr/>
+        <p:txBody>
+          <a:bodyPr/>
+          <a:lstStyle/>
+          <a:p>
+            <a:r>
+              <a:rPr lang="en-US" sz="4000" noProof="0" dirty="0"/>
+              <a:t>Customers PAGE</a:t>
+            </a:r>
+          </a:p>
+        </p:txBody>
+      </p:sp>
+      <p:sp>
+        <p:nvSpPr>
+          <p:cNvPr id="3" name="Content Placeholder 2">
+            <a:extLst>
+              <a:ext uri="{FF2B5EF4-FFF2-40B4-BE49-F238E27FC236}">
+                <a16:creationId xmlns:a16="http://schemas.microsoft.com/office/drawing/2014/main" id="{2779300A-97FB-AAED-544D-5CEDA7AE6371}"/>
+              </a:ext>
+            </a:extLst>
+          </p:cNvPr>
+          <p:cNvSpPr>
+            <a:spLocks noGrp="1"/>
+          </p:cNvSpPr>
+          <p:nvPr>
+            <p:ph sz="quarter" idx="17"/>
+          </p:nvPr>
+        </p:nvSpPr>
+        <p:spPr>
+          <a:xfrm>
+            <a:off x="1542562" y="2523064"/>
+            <a:ext cx="10013709" cy="4056888"/>
+          </a:xfrm>
+        </p:spPr>
+        <p:txBody>
+          <a:bodyPr>
+            <a:normAutofit/>
+          </a:bodyPr>
+          <a:lstStyle/>
+          <a:p>
+            <a:pPr algn="just"/>
+            <a:r>
+              <a:rPr lang="en-US" sz="1900" noProof="0" dirty="0"/>
+              <a:t>This page will serve for querying, registering and tracking for the customers.</a:t>
+            </a:r>
+          </a:p>
+          <a:p>
+            <a:pPr algn="just"/>
+            <a:r>
+              <a:rPr lang="en-US" sz="1900" noProof="0" dirty="0"/>
+              <a:t>The page will include:</a:t>
+            </a:r>
+          </a:p>
+          <a:p>
+            <a:pPr lvl="2" algn="just">
+              <a:buFont typeface="Wingdings" panose="05000000000000000000" pitchFamily="2" charset="2"/>
+              <a:buChar char="ü"/>
+            </a:pPr>
+            <a:r>
+              <a:rPr lang="en-US" sz="1900" noProof="0" dirty="0"/>
+              <a:t> A table with the information of the customers. </a:t>
+            </a:r>
+          </a:p>
+          <a:p>
+            <a:pPr lvl="2" algn="just">
+              <a:buFont typeface="Wingdings" panose="05000000000000000000" pitchFamily="2" charset="2"/>
+              <a:buChar char="ü"/>
+            </a:pPr>
+            <a:r>
+              <a:rPr lang="en-US" sz="1900" noProof="0" dirty="0"/>
+              <a:t> A search form with each field of the table.</a:t>
+            </a:r>
+          </a:p>
+          <a:p>
+            <a:pPr lvl="2" algn="just">
+              <a:buFont typeface="Wingdings" panose="05000000000000000000" pitchFamily="2" charset="2"/>
+              <a:buChar char="ü"/>
+            </a:pPr>
+            <a:r>
+              <a:rPr lang="en-US" sz="1900" noProof="0" dirty="0"/>
+              <a:t> A registration form for entering new information into the table.</a:t>
+            </a:r>
+          </a:p>
+          <a:p>
+            <a:pPr lvl="2" algn="just">
+              <a:buFont typeface="Wingdings" panose="05000000000000000000" pitchFamily="2" charset="2"/>
+              <a:buChar char="ü"/>
+            </a:pPr>
+            <a:r>
+              <a:rPr lang="en-US" sz="1900" noProof="0" dirty="0"/>
+              <a:t> An edit form for editing table information.</a:t>
+            </a:r>
+          </a:p>
+          <a:p>
+            <a:pPr lvl="2" algn="just">
+              <a:buFont typeface="Wingdings" panose="05000000000000000000" pitchFamily="2" charset="2"/>
+              <a:buChar char="ü"/>
+            </a:pPr>
+            <a:r>
+              <a:rPr lang="en-US" sz="1900" noProof="0" dirty="0"/>
+              <a:t> A function for deleting records from the table</a:t>
+            </a:r>
+            <a:r>
+              <a:rPr lang="en-US" sz="1900" dirty="0"/>
+              <a:t>.</a:t>
+            </a:r>
+            <a:endParaRPr lang="en-US" noProof="0" dirty="0"/>
+          </a:p>
+          <a:p>
+            <a:pPr marL="285750" indent="-285750" algn="just">
+              <a:buFont typeface="Arial" panose="020B0604020202020204" pitchFamily="34" charset="0"/>
+              <a:buChar char="•"/>
+            </a:pPr>
+            <a:endParaRPr lang="en-US" noProof="0" dirty="0"/>
+          </a:p>
+        </p:txBody>
+      </p:sp>
+    </p:spTree>
+    <p:extLst>
+      <p:ext uri="{BB962C8B-B14F-4D97-AF65-F5344CB8AC3E}">
+        <p14:creationId xmlns:p14="http://schemas.microsoft.com/office/powerpoint/2010/main" val="4075284519"/>
+      </p:ext>
+    </p:extLst>
+  </p:cSld>
+  <p:clrMapOvr>
+    <a:masterClrMapping/>
+  </p:clrMapOvr>
+</p:sld>
+</file>
+
+<file path=ppt/slides/slide35.xml><?xml version="1.0" encoding="utf-8"?>
+<p:sld xmlns:a="http://schemas.openxmlformats.org/drawingml/2006/main" xmlns:r="http://schemas.openxmlformats.org/officeDocument/2006/relationships" xmlns:p="http://schemas.openxmlformats.org/presentationml/2006/main">
+  <p:cSld>
+    <p:spTree>
+      <p:nvGrpSpPr>
+        <p:cNvPr id="1" name="">
+          <a:extLst>
+            <a:ext uri="{FF2B5EF4-FFF2-40B4-BE49-F238E27FC236}">
+              <a16:creationId xmlns:a16="http://schemas.microsoft.com/office/drawing/2014/main" id="{F7280C36-B90C-189E-63A5-D50DF700BDF2}"/>
+            </a:ext>
+          </a:extLst>
+        </p:cNvPr>
+        <p:cNvGrpSpPr/>
+        <p:nvPr/>
+      </p:nvGrpSpPr>
+      <p:grpSpPr>
+        <a:xfrm>
+          <a:off x="0" y="0"/>
+          <a:ext cx="0" cy="0"/>
+          <a:chOff x="0" y="0"/>
+          <a:chExt cx="0" cy="0"/>
+        </a:xfrm>
+      </p:grpSpPr>
+      <p:sp>
+        <p:nvSpPr>
+          <p:cNvPr id="2" name="Title 1">
+            <a:extLst>
+              <a:ext uri="{FF2B5EF4-FFF2-40B4-BE49-F238E27FC236}">
+                <a16:creationId xmlns:a16="http://schemas.microsoft.com/office/drawing/2014/main" id="{62F09C82-F288-DD49-2E6A-EB76F75E1873}"/>
+              </a:ext>
+            </a:extLst>
+          </p:cNvPr>
+          <p:cNvSpPr>
+            <a:spLocks noGrp="1"/>
+          </p:cNvSpPr>
+          <p:nvPr>
+            <p:ph type="title"/>
+          </p:nvPr>
+        </p:nvSpPr>
+        <p:spPr/>
+        <p:txBody>
+          <a:bodyPr/>
+          <a:lstStyle/>
+          <a:p>
+            <a:r>
+              <a:rPr lang="en-US" sz="4000" noProof="0" dirty="0"/>
+              <a:t>Customer PN PAGE</a:t>
+            </a:r>
+          </a:p>
+        </p:txBody>
+      </p:sp>
+      <p:sp>
+        <p:nvSpPr>
+          <p:cNvPr id="3" name="Content Placeholder 2">
+            <a:extLst>
+              <a:ext uri="{FF2B5EF4-FFF2-40B4-BE49-F238E27FC236}">
+                <a16:creationId xmlns:a16="http://schemas.microsoft.com/office/drawing/2014/main" id="{894678CE-2776-34C4-9B2F-DCFF40851ADB}"/>
+              </a:ext>
+            </a:extLst>
+          </p:cNvPr>
+          <p:cNvSpPr>
+            <a:spLocks noGrp="1"/>
+          </p:cNvSpPr>
+          <p:nvPr>
+            <p:ph sz="quarter" idx="17"/>
+          </p:nvPr>
+        </p:nvSpPr>
+        <p:spPr>
+          <a:xfrm>
+            <a:off x="1542562" y="2523064"/>
+            <a:ext cx="10013709" cy="4056888"/>
+          </a:xfrm>
+        </p:spPr>
+        <p:txBody>
+          <a:bodyPr>
+            <a:normAutofit/>
+          </a:bodyPr>
+          <a:lstStyle/>
+          <a:p>
+            <a:pPr algn="just"/>
+            <a:r>
+              <a:rPr lang="en-US" sz="1900" noProof="0" dirty="0"/>
+              <a:t>This page will serve for querying, registering and tracking for the customers PN.</a:t>
+            </a:r>
+          </a:p>
+          <a:p>
+            <a:pPr algn="just"/>
+            <a:r>
+              <a:rPr lang="en-US" sz="1900" noProof="0" dirty="0"/>
+              <a:t>The page will include:</a:t>
+            </a:r>
+          </a:p>
+          <a:p>
+            <a:pPr lvl="2" algn="just">
+              <a:buFont typeface="Wingdings" panose="05000000000000000000" pitchFamily="2" charset="2"/>
+              <a:buChar char="ü"/>
+            </a:pPr>
+            <a:r>
+              <a:rPr lang="en-US" sz="1900" noProof="0" dirty="0"/>
+              <a:t> A table with the information of the customers PN. </a:t>
+            </a:r>
+          </a:p>
+          <a:p>
+            <a:pPr lvl="2" algn="just">
+              <a:buFont typeface="Wingdings" panose="05000000000000000000" pitchFamily="2" charset="2"/>
+              <a:buChar char="ü"/>
+            </a:pPr>
+            <a:r>
+              <a:rPr lang="en-US" sz="1900" noProof="0" dirty="0"/>
+              <a:t> A search form with each field of the table.</a:t>
+            </a:r>
+          </a:p>
+          <a:p>
+            <a:pPr lvl="2" algn="just">
+              <a:buFont typeface="Wingdings" panose="05000000000000000000" pitchFamily="2" charset="2"/>
+              <a:buChar char="ü"/>
+            </a:pPr>
+            <a:r>
+              <a:rPr lang="en-US" sz="1900" noProof="0" dirty="0"/>
+              <a:t> A registration form for entering new information into the table.</a:t>
+            </a:r>
+          </a:p>
+          <a:p>
+            <a:pPr lvl="2" algn="just">
+              <a:buFont typeface="Wingdings" panose="05000000000000000000" pitchFamily="2" charset="2"/>
+              <a:buChar char="ü"/>
+            </a:pPr>
+            <a:r>
+              <a:rPr lang="en-US" sz="1900" noProof="0" dirty="0"/>
+              <a:t> An edit form for editing table information.</a:t>
+            </a:r>
+          </a:p>
+          <a:p>
+            <a:pPr lvl="2" algn="just">
+              <a:buFont typeface="Wingdings" panose="05000000000000000000" pitchFamily="2" charset="2"/>
+              <a:buChar char="ü"/>
+            </a:pPr>
+            <a:r>
+              <a:rPr lang="en-US" sz="1900" noProof="0" dirty="0"/>
+              <a:t> A function for deleting records from the table</a:t>
+            </a:r>
+            <a:r>
+              <a:rPr lang="en-US" sz="1900" dirty="0"/>
+              <a:t>.</a:t>
+            </a:r>
+            <a:endParaRPr lang="en-US" noProof="0" dirty="0"/>
+          </a:p>
+          <a:p>
+            <a:pPr marL="285750" indent="-285750" algn="just">
+              <a:buFont typeface="Arial" panose="020B0604020202020204" pitchFamily="34" charset="0"/>
+              <a:buChar char="•"/>
+            </a:pPr>
+            <a:endParaRPr lang="en-US" noProof="0" dirty="0"/>
+          </a:p>
+        </p:txBody>
+      </p:sp>
+    </p:spTree>
+    <p:extLst>
+      <p:ext uri="{BB962C8B-B14F-4D97-AF65-F5344CB8AC3E}">
+        <p14:creationId xmlns:p14="http://schemas.microsoft.com/office/powerpoint/2010/main" val="3299117930"/>
+      </p:ext>
+    </p:extLst>
+  </p:cSld>
+  <p:clrMapOvr>
+    <a:masterClrMapping/>
+  </p:clrMapOvr>
+</p:sld>
+</file>
+
+<file path=ppt/slides/slide36.xml><?xml version="1.0" encoding="utf-8"?>
+<p:sld xmlns:a="http://schemas.openxmlformats.org/drawingml/2006/main" xmlns:r="http://schemas.openxmlformats.org/officeDocument/2006/relationships" xmlns:p="http://schemas.openxmlformats.org/presentationml/2006/main">
+  <p:cSld>
+    <p:spTree>
+      <p:nvGrpSpPr>
+        <p:cNvPr id="1" name="">
+          <a:extLst>
+            <a:ext uri="{FF2B5EF4-FFF2-40B4-BE49-F238E27FC236}">
+              <a16:creationId xmlns:a16="http://schemas.microsoft.com/office/drawing/2014/main" id="{B7E71BC0-2FCC-ACC1-0B5B-5B33BEB0F5CC}"/>
+            </a:ext>
+          </a:extLst>
+        </p:cNvPr>
+        <p:cNvGrpSpPr/>
+        <p:nvPr/>
+      </p:nvGrpSpPr>
+      <p:grpSpPr>
+        <a:xfrm>
+          <a:off x="0" y="0"/>
+          <a:ext cx="0" cy="0"/>
+          <a:chOff x="0" y="0"/>
+          <a:chExt cx="0" cy="0"/>
+        </a:xfrm>
+      </p:grpSpPr>
+      <p:sp>
+        <p:nvSpPr>
+          <p:cNvPr id="2" name="Title 1">
+            <a:extLst>
+              <a:ext uri="{FF2B5EF4-FFF2-40B4-BE49-F238E27FC236}">
+                <a16:creationId xmlns:a16="http://schemas.microsoft.com/office/drawing/2014/main" id="{A843D240-FF96-E0C5-730C-5748463E906F}"/>
+              </a:ext>
+            </a:extLst>
+          </p:cNvPr>
+          <p:cNvSpPr>
+            <a:spLocks noGrp="1"/>
+          </p:cNvSpPr>
+          <p:nvPr>
+            <p:ph type="title"/>
+          </p:nvPr>
+        </p:nvSpPr>
+        <p:spPr/>
+        <p:txBody>
+          <a:bodyPr/>
+          <a:lstStyle/>
+          <a:p>
+            <a:r>
+              <a:rPr lang="en-US" sz="4000" noProof="0" dirty="0"/>
+              <a:t>Customer PPAP Number PAGE</a:t>
+            </a:r>
+          </a:p>
+        </p:txBody>
+      </p:sp>
+      <p:sp>
+        <p:nvSpPr>
+          <p:cNvPr id="3" name="Content Placeholder 2">
+            <a:extLst>
+              <a:ext uri="{FF2B5EF4-FFF2-40B4-BE49-F238E27FC236}">
+                <a16:creationId xmlns:a16="http://schemas.microsoft.com/office/drawing/2014/main" id="{8FCE7D56-64BA-4550-11D0-41C3E446786E}"/>
+              </a:ext>
+            </a:extLst>
+          </p:cNvPr>
+          <p:cNvSpPr>
+            <a:spLocks noGrp="1"/>
+          </p:cNvSpPr>
+          <p:nvPr>
+            <p:ph sz="quarter" idx="17"/>
+          </p:nvPr>
+        </p:nvSpPr>
+        <p:spPr>
+          <a:xfrm>
+            <a:off x="1542562" y="2523064"/>
+            <a:ext cx="10013709" cy="4056888"/>
+          </a:xfrm>
+        </p:spPr>
+        <p:txBody>
+          <a:bodyPr>
+            <a:normAutofit/>
+          </a:bodyPr>
+          <a:lstStyle/>
+          <a:p>
+            <a:pPr algn="just"/>
+            <a:r>
+              <a:rPr lang="en-US" sz="1900" noProof="0" dirty="0"/>
+              <a:t>This page will serve for querying, registering and tracking for the customers PPAP number.</a:t>
+            </a:r>
+          </a:p>
+          <a:p>
+            <a:pPr algn="just"/>
+            <a:r>
+              <a:rPr lang="en-US" sz="1900" noProof="0" dirty="0"/>
+              <a:t>The page will include:</a:t>
+            </a:r>
+          </a:p>
+          <a:p>
+            <a:pPr lvl="2" algn="just">
+              <a:buFont typeface="Wingdings" panose="05000000000000000000" pitchFamily="2" charset="2"/>
+              <a:buChar char="ü"/>
+            </a:pPr>
+            <a:r>
+              <a:rPr lang="en-US" sz="1900" noProof="0" dirty="0"/>
+              <a:t> A table with the information of the </a:t>
+            </a:r>
+            <a:r>
+              <a:rPr lang="en-US" sz="1900" dirty="0"/>
+              <a:t>customers PPAP number</a:t>
+            </a:r>
+            <a:r>
+              <a:rPr lang="en-US" sz="1900" noProof="0" dirty="0"/>
+              <a:t>. </a:t>
+            </a:r>
+          </a:p>
+          <a:p>
+            <a:pPr lvl="2" algn="just">
+              <a:buFont typeface="Wingdings" panose="05000000000000000000" pitchFamily="2" charset="2"/>
+              <a:buChar char="ü"/>
+            </a:pPr>
+            <a:r>
+              <a:rPr lang="en-US" sz="1900" noProof="0" dirty="0"/>
+              <a:t> A search form with each field of the table.</a:t>
+            </a:r>
+          </a:p>
+          <a:p>
+            <a:pPr lvl="2" algn="just">
+              <a:buFont typeface="Wingdings" panose="05000000000000000000" pitchFamily="2" charset="2"/>
+              <a:buChar char="ü"/>
+            </a:pPr>
+            <a:r>
+              <a:rPr lang="en-US" sz="1900" noProof="0" dirty="0"/>
+              <a:t> A registration form for entering new information into the table.</a:t>
+            </a:r>
+          </a:p>
+          <a:p>
+            <a:pPr lvl="2" algn="just">
+              <a:buFont typeface="Wingdings" panose="05000000000000000000" pitchFamily="2" charset="2"/>
+              <a:buChar char="ü"/>
+            </a:pPr>
+            <a:r>
+              <a:rPr lang="en-US" sz="1900" noProof="0" dirty="0"/>
+              <a:t> An edit form for editing table information.</a:t>
+            </a:r>
+          </a:p>
+          <a:p>
+            <a:pPr lvl="2" algn="just">
+              <a:buFont typeface="Wingdings" panose="05000000000000000000" pitchFamily="2" charset="2"/>
+              <a:buChar char="ü"/>
+            </a:pPr>
+            <a:r>
+              <a:rPr lang="en-US" sz="1900" noProof="0" dirty="0"/>
+              <a:t> A function for deleting records from the table</a:t>
+            </a:r>
+            <a:r>
+              <a:rPr lang="en-US" sz="1900" dirty="0"/>
+              <a:t>.</a:t>
+            </a:r>
+            <a:endParaRPr lang="en-US" noProof="0" dirty="0"/>
+          </a:p>
+          <a:p>
+            <a:pPr marL="285750" indent="-285750" algn="just">
+              <a:buFont typeface="Arial" panose="020B0604020202020204" pitchFamily="34" charset="0"/>
+              <a:buChar char="•"/>
+            </a:pPr>
+            <a:endParaRPr lang="en-US" noProof="0" dirty="0"/>
+          </a:p>
+        </p:txBody>
+      </p:sp>
+    </p:spTree>
+    <p:extLst>
+      <p:ext uri="{BB962C8B-B14F-4D97-AF65-F5344CB8AC3E}">
+        <p14:creationId xmlns:p14="http://schemas.microsoft.com/office/powerpoint/2010/main" val="1511226404"/>
+      </p:ext>
+    </p:extLst>
+  </p:cSld>
+  <p:clrMapOvr>
+    <a:masterClrMapping/>
+  </p:clrMapOvr>
+</p:sld>
+</file>
+
+<file path=ppt/slides/slide37.xml><?xml version="1.0" encoding="utf-8"?>
+<p:sld xmlns:a="http://schemas.openxmlformats.org/drawingml/2006/main" xmlns:r="http://schemas.openxmlformats.org/officeDocument/2006/relationships" xmlns:p="http://schemas.openxmlformats.org/presentationml/2006/main">
+  <p:cSld>
+    <p:spTree>
+      <p:nvGrpSpPr>
+        <p:cNvPr id="1" name="">
+          <a:extLst>
+            <a:ext uri="{FF2B5EF4-FFF2-40B4-BE49-F238E27FC236}">
+              <a16:creationId xmlns:a16="http://schemas.microsoft.com/office/drawing/2014/main" id="{60A39179-BA90-DBFD-7B9A-53E4B7595889}"/>
+            </a:ext>
+          </a:extLst>
+        </p:cNvPr>
+        <p:cNvGrpSpPr/>
+        <p:nvPr/>
+      </p:nvGrpSpPr>
+      <p:grpSpPr>
+        <a:xfrm>
+          <a:off x="0" y="0"/>
+          <a:ext cx="0" cy="0"/>
+          <a:chOff x="0" y="0"/>
+          <a:chExt cx="0" cy="0"/>
+        </a:xfrm>
+      </p:grpSpPr>
+      <p:sp>
+        <p:nvSpPr>
+          <p:cNvPr id="2" name="Title 1">
+            <a:extLst>
+              <a:ext uri="{FF2B5EF4-FFF2-40B4-BE49-F238E27FC236}">
+                <a16:creationId xmlns:a16="http://schemas.microsoft.com/office/drawing/2014/main" id="{E336DF19-D88B-1874-32E6-C667CEC3DFE4}"/>
+              </a:ext>
+            </a:extLst>
+          </p:cNvPr>
+          <p:cNvSpPr>
+            <a:spLocks noGrp="1"/>
+          </p:cNvSpPr>
+          <p:nvPr>
+            <p:ph type="title"/>
+          </p:nvPr>
+        </p:nvSpPr>
+        <p:spPr/>
+        <p:txBody>
+          <a:bodyPr/>
+          <a:lstStyle/>
+          <a:p>
+            <a:r>
+              <a:rPr lang="en-US" sz="4000" noProof="0" dirty="0"/>
+              <a:t>Users PAGE</a:t>
+            </a:r>
+          </a:p>
+        </p:txBody>
+      </p:sp>
+      <p:sp>
+        <p:nvSpPr>
+          <p:cNvPr id="3" name="Content Placeholder 2">
+            <a:extLst>
+              <a:ext uri="{FF2B5EF4-FFF2-40B4-BE49-F238E27FC236}">
+                <a16:creationId xmlns:a16="http://schemas.microsoft.com/office/drawing/2014/main" id="{03D884AE-07A6-F82C-8031-1CF62A36FF1C}"/>
+              </a:ext>
+            </a:extLst>
+          </p:cNvPr>
+          <p:cNvSpPr>
+            <a:spLocks noGrp="1"/>
+          </p:cNvSpPr>
+          <p:nvPr>
+            <p:ph sz="quarter" idx="17"/>
+          </p:nvPr>
+        </p:nvSpPr>
+        <p:spPr>
+          <a:xfrm>
+            <a:off x="1542562" y="2523064"/>
+            <a:ext cx="10013709" cy="4056888"/>
+          </a:xfrm>
+        </p:spPr>
+        <p:txBody>
+          <a:bodyPr>
+            <a:normAutofit/>
+          </a:bodyPr>
+          <a:lstStyle/>
+          <a:p>
+            <a:pPr algn="just"/>
+            <a:r>
+              <a:rPr lang="en-US" sz="1900" noProof="0" dirty="0"/>
+              <a:t>This page will serve for querying, registering and tracking for the users.</a:t>
+            </a:r>
+          </a:p>
+          <a:p>
+            <a:pPr algn="just"/>
+            <a:r>
+              <a:rPr lang="en-US" sz="1900" noProof="0" dirty="0"/>
+              <a:t>The page will include:</a:t>
+            </a:r>
+          </a:p>
+          <a:p>
+            <a:pPr lvl="2" algn="just">
+              <a:buFont typeface="Wingdings" panose="05000000000000000000" pitchFamily="2" charset="2"/>
+              <a:buChar char="ü"/>
+            </a:pPr>
+            <a:r>
+              <a:rPr lang="en-US" sz="1900" noProof="0" dirty="0"/>
+              <a:t> A table with the information of the </a:t>
+            </a:r>
+            <a:r>
+              <a:rPr lang="en-US" sz="1900" dirty="0"/>
+              <a:t>users</a:t>
+            </a:r>
+            <a:r>
+              <a:rPr lang="en-US" sz="1900" noProof="0" dirty="0"/>
+              <a:t>. </a:t>
+            </a:r>
+          </a:p>
+          <a:p>
+            <a:pPr lvl="2" algn="just">
+              <a:buFont typeface="Wingdings" panose="05000000000000000000" pitchFamily="2" charset="2"/>
+              <a:buChar char="ü"/>
+            </a:pPr>
+            <a:r>
+              <a:rPr lang="en-US" sz="1900" noProof="0" dirty="0"/>
+              <a:t> A search form with each field of the table.</a:t>
+            </a:r>
+          </a:p>
+          <a:p>
+            <a:pPr lvl="2" algn="just">
+              <a:buFont typeface="Wingdings" panose="05000000000000000000" pitchFamily="2" charset="2"/>
+              <a:buChar char="ü"/>
+            </a:pPr>
+            <a:r>
+              <a:rPr lang="en-US" sz="1900" noProof="0" dirty="0"/>
+              <a:t> A registration form for entering new information into the table.</a:t>
+            </a:r>
+          </a:p>
+          <a:p>
+            <a:pPr lvl="2" algn="just">
+              <a:buFont typeface="Wingdings" panose="05000000000000000000" pitchFamily="2" charset="2"/>
+              <a:buChar char="ü"/>
+            </a:pPr>
+            <a:r>
+              <a:rPr lang="en-US" sz="1900" noProof="0" dirty="0"/>
+              <a:t> An edit form for editing table information.</a:t>
+            </a:r>
+          </a:p>
+          <a:p>
+            <a:pPr lvl="2" algn="just">
+              <a:buFont typeface="Wingdings" panose="05000000000000000000" pitchFamily="2" charset="2"/>
+              <a:buChar char="ü"/>
+            </a:pPr>
+            <a:r>
+              <a:rPr lang="en-US" sz="1900" noProof="0" dirty="0"/>
+              <a:t> A function for deleting records from the table</a:t>
+            </a:r>
+            <a:r>
+              <a:rPr lang="en-US" sz="1900" dirty="0"/>
+              <a:t>.</a:t>
+            </a:r>
+            <a:endParaRPr lang="en-US" noProof="0" dirty="0"/>
+          </a:p>
+          <a:p>
+            <a:pPr marL="285750" indent="-285750" algn="just">
+              <a:buFont typeface="Arial" panose="020B0604020202020204" pitchFamily="34" charset="0"/>
+              <a:buChar char="•"/>
+            </a:pPr>
+            <a:endParaRPr lang="en-US" noProof="0" dirty="0"/>
+          </a:p>
+        </p:txBody>
+      </p:sp>
+    </p:spTree>
+    <p:extLst>
+      <p:ext uri="{BB962C8B-B14F-4D97-AF65-F5344CB8AC3E}">
+        <p14:creationId xmlns:p14="http://schemas.microsoft.com/office/powerpoint/2010/main" val="3657705107"/>
+      </p:ext>
+    </p:extLst>
+  </p:cSld>
+  <p:clrMapOvr>
+    <a:masterClrMapping/>
+  </p:clrMapOvr>
+</p:sld>
+</file>
+
+<file path=ppt/slides/slide38.xml><?xml version="1.0" encoding="utf-8"?>
+<p:sld xmlns:a="http://schemas.openxmlformats.org/drawingml/2006/main" xmlns:r="http://schemas.openxmlformats.org/officeDocument/2006/relationships" xmlns:p="http://schemas.openxmlformats.org/presentationml/2006/main">
+  <p:cSld>
+    <p:spTree>
+      <p:nvGrpSpPr>
+        <p:cNvPr id="1" name="">
+          <a:extLst>
+            <a:ext uri="{FF2B5EF4-FFF2-40B4-BE49-F238E27FC236}">
+              <a16:creationId xmlns:a16="http://schemas.microsoft.com/office/drawing/2014/main" id="{20A5D9F1-BCB4-1B8C-6B02-871B69F07ACF}"/>
+            </a:ext>
+          </a:extLst>
+        </p:cNvPr>
+        <p:cNvGrpSpPr/>
+        <p:nvPr/>
+      </p:nvGrpSpPr>
+      <p:grpSpPr>
+        <a:xfrm>
+          <a:off x="0" y="0"/>
+          <a:ext cx="0" cy="0"/>
+          <a:chOff x="0" y="0"/>
+          <a:chExt cx="0" cy="0"/>
+        </a:xfrm>
+      </p:grpSpPr>
+      <p:sp>
+        <p:nvSpPr>
+          <p:cNvPr id="2" name="Title 1">
+            <a:extLst>
+              <a:ext uri="{FF2B5EF4-FFF2-40B4-BE49-F238E27FC236}">
+                <a16:creationId xmlns:a16="http://schemas.microsoft.com/office/drawing/2014/main" id="{01473B49-A0F3-8AA1-C568-2FF88E00B4A7}"/>
+              </a:ext>
+            </a:extLst>
+          </p:cNvPr>
+          <p:cNvSpPr>
+            <a:spLocks noGrp="1"/>
+          </p:cNvSpPr>
+          <p:nvPr>
+            <p:ph type="title"/>
+          </p:nvPr>
+        </p:nvSpPr>
+        <p:spPr/>
+        <p:txBody>
+          <a:bodyPr/>
+          <a:lstStyle/>
+          <a:p>
+            <a:r>
+              <a:rPr lang="en-US" sz="4000" noProof="0" dirty="0"/>
+              <a:t>Vendors PAGE</a:t>
+            </a:r>
+          </a:p>
+        </p:txBody>
+      </p:sp>
+      <p:sp>
+        <p:nvSpPr>
+          <p:cNvPr id="3" name="Content Placeholder 2">
+            <a:extLst>
+              <a:ext uri="{FF2B5EF4-FFF2-40B4-BE49-F238E27FC236}">
+                <a16:creationId xmlns:a16="http://schemas.microsoft.com/office/drawing/2014/main" id="{327C42B7-0382-9D12-EEA6-E23B7FEBC91D}"/>
+              </a:ext>
+            </a:extLst>
+          </p:cNvPr>
+          <p:cNvSpPr>
+            <a:spLocks noGrp="1"/>
+          </p:cNvSpPr>
+          <p:nvPr>
+            <p:ph sz="quarter" idx="17"/>
+          </p:nvPr>
+        </p:nvSpPr>
+        <p:spPr>
+          <a:xfrm>
+            <a:off x="1542562" y="2523064"/>
+            <a:ext cx="10013709" cy="4056888"/>
+          </a:xfrm>
+        </p:spPr>
+        <p:txBody>
+          <a:bodyPr>
+            <a:normAutofit/>
+          </a:bodyPr>
+          <a:lstStyle/>
+          <a:p>
+            <a:pPr algn="just"/>
+            <a:r>
+              <a:rPr lang="en-US" sz="1900" noProof="0" dirty="0"/>
+              <a:t>This page will serve for querying, registering and tracking for the vendors.</a:t>
+            </a:r>
+          </a:p>
+          <a:p>
+            <a:pPr algn="just"/>
+            <a:r>
+              <a:rPr lang="en-US" sz="1900" noProof="0" dirty="0"/>
+              <a:t>The page will include:</a:t>
+            </a:r>
+          </a:p>
+          <a:p>
+            <a:pPr lvl="2" algn="just">
+              <a:buFont typeface="Wingdings" panose="05000000000000000000" pitchFamily="2" charset="2"/>
+              <a:buChar char="ü"/>
+            </a:pPr>
+            <a:r>
+              <a:rPr lang="en-US" sz="1900" noProof="0" dirty="0"/>
+              <a:t> A table with the information of the </a:t>
+            </a:r>
+            <a:r>
+              <a:rPr lang="en-US" sz="1900" dirty="0"/>
+              <a:t>vendors</a:t>
+            </a:r>
+            <a:r>
+              <a:rPr lang="en-US" sz="1900" noProof="0" dirty="0"/>
+              <a:t>. </a:t>
+            </a:r>
+          </a:p>
+          <a:p>
+            <a:pPr lvl="2" algn="just">
+              <a:buFont typeface="Wingdings" panose="05000000000000000000" pitchFamily="2" charset="2"/>
+              <a:buChar char="ü"/>
+            </a:pPr>
+            <a:r>
+              <a:rPr lang="en-US" sz="1900" noProof="0" dirty="0"/>
+              <a:t> A search form with each field of the table.</a:t>
+            </a:r>
+          </a:p>
+          <a:p>
+            <a:pPr lvl="2" algn="just">
+              <a:buFont typeface="Wingdings" panose="05000000000000000000" pitchFamily="2" charset="2"/>
+              <a:buChar char="ü"/>
+            </a:pPr>
+            <a:r>
+              <a:rPr lang="en-US" sz="1900" noProof="0" dirty="0"/>
+              <a:t> A registration form for entering new information into the table.</a:t>
+            </a:r>
+          </a:p>
+          <a:p>
+            <a:pPr lvl="2" algn="just">
+              <a:buFont typeface="Wingdings" panose="05000000000000000000" pitchFamily="2" charset="2"/>
+              <a:buChar char="ü"/>
+            </a:pPr>
+            <a:r>
+              <a:rPr lang="en-US" sz="1900" noProof="0" dirty="0"/>
+              <a:t> An edit form for editing table information.</a:t>
+            </a:r>
+          </a:p>
+          <a:p>
+            <a:pPr lvl="2" algn="just">
+              <a:buFont typeface="Wingdings" panose="05000000000000000000" pitchFamily="2" charset="2"/>
+              <a:buChar char="ü"/>
+            </a:pPr>
+            <a:r>
+              <a:rPr lang="en-US" sz="1900" noProof="0" dirty="0"/>
+              <a:t> A function for deleting records from the table</a:t>
+            </a:r>
+            <a:r>
+              <a:rPr lang="en-US" sz="1900" dirty="0"/>
+              <a:t>.</a:t>
+            </a:r>
+            <a:endParaRPr lang="en-US" noProof="0" dirty="0"/>
+          </a:p>
+          <a:p>
+            <a:pPr marL="285750" indent="-285750" algn="just">
+              <a:buFont typeface="Arial" panose="020B0604020202020204" pitchFamily="34" charset="0"/>
+              <a:buChar char="•"/>
+            </a:pPr>
+            <a:endParaRPr lang="en-US" noProof="0" dirty="0"/>
+          </a:p>
+        </p:txBody>
+      </p:sp>
+    </p:spTree>
+    <p:extLst>
+      <p:ext uri="{BB962C8B-B14F-4D97-AF65-F5344CB8AC3E}">
+        <p14:creationId xmlns:p14="http://schemas.microsoft.com/office/powerpoint/2010/main" val="1687814650"/>
       </p:ext>
     </p:extLst>
   </p:cSld>
@@ -39344,10 +43124,9 @@
           <a:lstStyle/>
           <a:p>
             <a:r>
-              <a:rPr lang="en-US" sz="4000" dirty="0"/>
+              <a:rPr lang="en-US" sz="4000" noProof="0" dirty="0"/>
               <a:t>REQUIREMENTS</a:t>
             </a:r>
-            <a:endParaRPr lang="en-US" sz="4000" noProof="0" dirty="0"/>
           </a:p>
         </p:txBody>
       </p:sp>
@@ -39401,7 +43180,7 @@
               <a:buNone/>
             </a:pPr>
             <a:r>
-              <a:rPr lang="en-US" sz="2400" dirty="0"/>
+              <a:rPr lang="en-US" sz="2400" noProof="0" dirty="0"/>
               <a:t>- The tables found in the Excel files “Book2,” “PPAP ET Master File COROFLEX,” and “PPAP Master File 2025 - EJ.SG.”.</a:t>
             </a:r>
           </a:p>
@@ -39410,10 +43189,9 @@
               <a:buNone/>
             </a:pPr>
             <a:r>
-              <a:rPr lang="en-US" sz="2400" dirty="0"/>
+              <a:rPr lang="en-US" sz="2400" noProof="0" dirty="0"/>
               <a:t>- The database structure from NetSuite.</a:t>
             </a:r>
-            <a:endParaRPr lang="en-US" sz="2400" noProof="0" dirty="0"/>
           </a:p>
         </p:txBody>
       </p:sp>
@@ -39510,10 +43288,9 @@
           </a:p>
           <a:p>
             <a:r>
-              <a:rPr lang="en-US" sz="2400" dirty="0"/>
+              <a:rPr lang="en-US" sz="2400" noProof="0" dirty="0"/>
               <a:t>- vendors</a:t>
             </a:r>
-            <a:endParaRPr lang="en-US" sz="2400" noProof="0" dirty="0"/>
           </a:p>
           <a:p>
             <a:r>
@@ -39538,17 +43315,17 @@
               <a:t>- </a:t>
             </a:r>
             <a:r>
-              <a:rPr lang="en-US" sz="2400" dirty="0" err="1"/>
+              <a:rPr lang="en-US" sz="2400" noProof="0" dirty="0" err="1"/>
               <a:t>customer_ppap_number</a:t>
             </a:r>
-            <a:endParaRPr lang="en-US" sz="2400" dirty="0"/>
+            <a:endParaRPr lang="en-US" sz="2400" noProof="0" dirty="0"/>
           </a:p>
           <a:p>
             <a:pPr marL="0" indent="0">
               <a:buNone/>
             </a:pPr>
             <a:r>
-              <a:rPr lang="en-US" sz="2400" dirty="0"/>
+              <a:rPr lang="en-US" sz="2400" noProof="0" dirty="0"/>
               <a:t> - users</a:t>
             </a:r>
           </a:p>
@@ -39583,14 +43360,14 @@
           <a:lstStyle/>
           <a:p>
             <a:r>
-              <a:rPr lang="en-US" sz="2400" dirty="0"/>
+              <a:rPr lang="en-US" sz="2400" noProof="0" dirty="0"/>
               <a:t>- </a:t>
             </a:r>
             <a:r>
-              <a:rPr lang="en-US" sz="2400" dirty="0" err="1"/>
+              <a:rPr lang="en-US" sz="2400" noProof="0" dirty="0" err="1"/>
               <a:t>bluseal_ppap</a:t>
             </a:r>
-            <a:endParaRPr lang="en-US" sz="2400" dirty="0"/>
+            <a:endParaRPr lang="en-US" sz="2400" noProof="0" dirty="0"/>
           </a:p>
           <a:p>
             <a:r>
@@ -39605,47 +43382,47 @@
           </a:p>
           <a:p>
             <a:r>
-              <a:rPr lang="en-US" sz="2400" dirty="0"/>
+              <a:rPr lang="en-US" sz="2400" noProof="0" dirty="0"/>
               <a:t>- </a:t>
             </a:r>
             <a:r>
-              <a:rPr lang="en-US" sz="2400" dirty="0" err="1"/>
+              <a:rPr lang="en-US" sz="2400" noProof="0" dirty="0" err="1"/>
               <a:t>tapes_ppap</a:t>
             </a:r>
-            <a:endParaRPr lang="en-US" sz="2400" dirty="0"/>
+            <a:endParaRPr lang="en-US" sz="2400" noProof="0" dirty="0"/>
           </a:p>
           <a:p>
             <a:r>
-              <a:rPr lang="en-US" sz="2400" dirty="0"/>
+              <a:rPr lang="en-US" sz="2400" noProof="0" dirty="0"/>
               <a:t>- </a:t>
             </a:r>
             <a:r>
-              <a:rPr lang="en-US" sz="2400" dirty="0" err="1"/>
+              <a:rPr lang="en-US" sz="2400" noProof="0" dirty="0" err="1"/>
               <a:t>tapes_renewal</a:t>
             </a:r>
-            <a:endParaRPr lang="en-US" sz="2400" dirty="0"/>
+            <a:endParaRPr lang="en-US" sz="2400" noProof="0" dirty="0"/>
           </a:p>
           <a:p>
             <a:r>
-              <a:rPr lang="en-US" sz="2400" dirty="0"/>
+              <a:rPr lang="en-US" sz="2400" noProof="0" dirty="0"/>
               <a:t>- </a:t>
             </a:r>
             <a:r>
-              <a:rPr lang="en-US" sz="2400" dirty="0" err="1"/>
+              <a:rPr lang="en-US" sz="2400" noProof="0" dirty="0" err="1"/>
               <a:t>tubes_ppap</a:t>
             </a:r>
-            <a:endParaRPr lang="en-US" sz="2400" dirty="0"/>
+            <a:endParaRPr lang="en-US" sz="2400" noProof="0" dirty="0"/>
           </a:p>
           <a:p>
             <a:r>
-              <a:rPr lang="en-US" sz="2400" dirty="0"/>
+              <a:rPr lang="en-US" sz="2400" noProof="0" dirty="0"/>
               <a:t>- </a:t>
             </a:r>
             <a:r>
-              <a:rPr lang="en-US" sz="2400" dirty="0" err="1"/>
+              <a:rPr lang="en-US" sz="2400" noProof="0" dirty="0" err="1"/>
               <a:t>tubes_ppaps</a:t>
             </a:r>
-            <a:endParaRPr lang="en-US" sz="2400" dirty="0"/>
+            <a:endParaRPr lang="en-US" sz="2400" noProof="0" dirty="0"/>
           </a:p>
           <a:p>
             <a:endParaRPr lang="en-US" sz="2400" noProof="0" dirty="0"/>
@@ -39734,14 +43511,14 @@
           <p:nvPr>
             <p:extLst>
               <p:ext uri="{D42A27DB-BD31-4B8C-83A1-F6EECF244321}">
-                <p14:modId xmlns:p14="http://schemas.microsoft.com/office/powerpoint/2010/main" val="2193418038"/>
+                <p14:modId xmlns:p14="http://schemas.microsoft.com/office/powerpoint/2010/main" val="3927120382"/>
               </p:ext>
             </p:extLst>
           </p:nvPr>
         </p:nvGraphicFramePr>
         <p:xfrm>
-          <a:off x="1444752" y="2457026"/>
-          <a:ext cx="10195560" cy="3351492"/>
+          <a:off x="1216152" y="2466170"/>
+          <a:ext cx="10716768" cy="3584054"/>
         </p:xfrm>
         <a:graphic>
           <a:graphicData uri="http://schemas.openxmlformats.org/drawingml/2006/table">
@@ -39750,41 +43527,48 @@
                 <a:tableStyleId>{8A107856-5554-42FB-B03E-39F5DBC370BA}</a:tableStyleId>
               </a:tblPr>
               <a:tblGrid>
-                <a:gridCol w="1817993">
+                <a:gridCol w="1463040">
                   <a:extLst>
                     <a:ext uri="{9D8B030D-6E8A-4147-A177-3AD203B41FA5}">
                       <a16:colId xmlns:a16="http://schemas.microsoft.com/office/drawing/2014/main" val="2245506330"/>
                     </a:ext>
                   </a:extLst>
                 </a:gridCol>
-                <a:gridCol w="2909455">
+                <a:gridCol w="2551176">
                   <a:extLst>
                     <a:ext uri="{9D8B030D-6E8A-4147-A177-3AD203B41FA5}">
                       <a16:colId xmlns:a16="http://schemas.microsoft.com/office/drawing/2014/main" val="1063389680"/>
                     </a:ext>
                   </a:extLst>
                 </a:gridCol>
-                <a:gridCol w="1932709">
+                <a:gridCol w="1572768">
                   <a:extLst>
                     <a:ext uri="{9D8B030D-6E8A-4147-A177-3AD203B41FA5}">
                       <a16:colId xmlns:a16="http://schemas.microsoft.com/office/drawing/2014/main" val="2334273950"/>
                     </a:ext>
                   </a:extLst>
                 </a:gridCol>
-                <a:gridCol w="1797627">
+                <a:gridCol w="1060704">
                   <a:extLst>
                     <a:ext uri="{9D8B030D-6E8A-4147-A177-3AD203B41FA5}">
                       <a16:colId xmlns:a16="http://schemas.microsoft.com/office/drawing/2014/main" val="3087133834"/>
                     </a:ext>
                   </a:extLst>
                 </a:gridCol>
-                <a:gridCol w="1737776">
+                <a:gridCol w="877824">
                   <a:extLst>
                     <a:ext uri="{9D8B030D-6E8A-4147-A177-3AD203B41FA5}">
                       <a16:colId xmlns:a16="http://schemas.microsoft.com/office/drawing/2014/main" val="1277425726"/>
                     </a:ext>
                   </a:extLst>
                 </a:gridCol>
+                <a:gridCol w="3191256">
+                  <a:extLst>
+                    <a:ext uri="{9D8B030D-6E8A-4147-A177-3AD203B41FA5}">
+                      <a16:colId xmlns:a16="http://schemas.microsoft.com/office/drawing/2014/main" val="1290398352"/>
+                    </a:ext>
+                  </a:extLst>
+                </a:gridCol>
               </a:tblGrid>
               <a:tr h="375341">
                 <a:tc>
@@ -39847,6 +43631,19 @@
                       <a:r>
                         <a:rPr lang="en-US" noProof="0" dirty="0"/>
                         <a:t>Unique</a:t>
+                      </a:r>
+                    </a:p>
+                  </a:txBody>
+                  <a:tcPr/>
+                </a:tc>
+                <a:tc>
+                  <a:txBody>
+                    <a:bodyPr/>
+                    <a:lstStyle/>
+                    <a:p>
+                      <a:r>
+                        <a:rPr lang="en-US" noProof="0" dirty="0"/>
+                        <a:t>Example</a:t>
                       </a:r>
                     </a:p>
                   </a:txBody>
@@ -39947,6 +43744,19 @@
                   </a:txBody>
                   <a:tcPr/>
                 </a:tc>
+                <a:tc>
+                  <a:txBody>
+                    <a:bodyPr/>
+                    <a:lstStyle/>
+                    <a:p>
+                      <a:r>
+                        <a:rPr lang="en-US" noProof="0" dirty="0"/>
+                        <a:t>ET008-50</a:t>
+                      </a:r>
+                    </a:p>
+                  </a:txBody>
+                  <a:tcPr/>
+                </a:tc>
                 <a:extLst>
                   <a:ext uri="{0D108BD9-81ED-4DB2-BD59-A6C34878D82A}">
                     <a16:rowId xmlns:a16="http://schemas.microsoft.com/office/drawing/2014/main" val="371253128"/>
@@ -40084,6 +43894,23 @@
                   </a:txBody>
                   <a:tcPr/>
                 </a:tc>
+                <a:tc>
+                  <a:txBody>
+                    <a:bodyPr/>
+                    <a:lstStyle/>
+                    <a:p>
+                      <a:r>
+                        <a:rPr lang="en-US" noProof="0" dirty="0" err="1"/>
+                        <a:t>BluSeal</a:t>
+                      </a:r>
+                      <a:r>
+                        <a:rPr lang="en-US" noProof="0" dirty="0"/>
+                        <a:t> ET008-50 gram Bottle with UV Tracer</a:t>
+                      </a:r>
+                    </a:p>
+                  </a:txBody>
+                  <a:tcPr/>
+                </a:tc>
                 <a:extLst>
                   <a:ext uri="{0D108BD9-81ED-4DB2-BD59-A6C34878D82A}">
                     <a16:rowId xmlns:a16="http://schemas.microsoft.com/office/drawing/2014/main" val="4074494692"/>
@@ -40214,6 +44041,19 @@
                     <a:lstStyle/>
                     <a:p>
                       <a:endParaRPr lang="en-US" noProof="0" dirty="0"/>
+                    </a:p>
+                  </a:txBody>
+                  <a:tcPr/>
+                </a:tc>
+                <a:tc>
+                  <a:txBody>
+                    <a:bodyPr/>
+                    <a:lstStyle/>
+                    <a:p>
+                      <a:r>
+                        <a:rPr lang="en-US" noProof="0" dirty="0"/>
+                        <a:t>Toagosei (TGA)</a:t>
+                      </a:r>
                     </a:p>
                   </a:txBody>
                   <a:tcPr/>
@@ -40356,6 +44196,19 @@
                   </a:txBody>
                   <a:tcPr/>
                 </a:tc>
+                <a:tc>
+                  <a:txBody>
+                    <a:bodyPr/>
+                    <a:lstStyle/>
+                    <a:p>
+                      <a:r>
+                        <a:rPr lang="en-US" noProof="0" dirty="0"/>
+                        <a:t>CE6039</a:t>
+                      </a:r>
+                    </a:p>
+                  </a:txBody>
+                  <a:tcPr/>
+                </a:tc>
                 <a:extLst>
                   <a:ext uri="{0D108BD9-81ED-4DB2-BD59-A6C34878D82A}">
                     <a16:rowId xmlns:a16="http://schemas.microsoft.com/office/drawing/2014/main" val="3903227421"/>
@@ -40386,10 +44239,9 @@
                         <a:defRPr/>
                       </a:pPr>
                       <a:r>
-                        <a:rPr lang="en-US" b="0" noProof="0" dirty="0" err="1"/>
-                        <a:t>Coroflex_PN</a:t>
+                        <a:rPr lang="en-US" b="0" noProof="0" dirty="0"/>
+                        <a:t>Tape</a:t>
                       </a:r>
-                      <a:endParaRPr lang="en-US" b="0" noProof="0" dirty="0"/>
                     </a:p>
                   </a:txBody>
                   <a:tcPr/>
@@ -40448,7 +44300,7 @@
                       </a:pPr>
                       <a:r>
                         <a:rPr lang="en-US" noProof="0" dirty="0"/>
-                        <a:t>8 characters</a:t>
+                        <a:t>25 characters</a:t>
                       </a:r>
                     </a:p>
                   </a:txBody>
@@ -40486,9 +44338,19 @@
                     <a:bodyPr/>
                     <a:lstStyle/>
                     <a:p>
+                      <a:endParaRPr lang="en-US" noProof="0" dirty="0"/>
+                    </a:p>
+                  </a:txBody>
+                  <a:tcPr/>
+                </a:tc>
+                <a:tc>
+                  <a:txBody>
+                    <a:bodyPr/>
+                    <a:lstStyle/>
+                    <a:p>
                       <a:r>
                         <a:rPr lang="en-US" noProof="0" dirty="0"/>
-                        <a:t>Yes</a:t>
+                        <a:t>835</a:t>
                       </a:r>
                     </a:p>
                   </a:txBody>
@@ -40496,7 +44358,7 @@
                 </a:tc>
                 <a:extLst>
                   <a:ext uri="{0D108BD9-81ED-4DB2-BD59-A6C34878D82A}">
-                    <a16:rowId xmlns:a16="http://schemas.microsoft.com/office/drawing/2014/main" val="444297874"/>
+                    <a16:rowId xmlns:a16="http://schemas.microsoft.com/office/drawing/2014/main" val="605318509"/>
                   </a:ext>
                 </a:extLst>
               </a:tr>
@@ -40524,10 +44386,9 @@
                         <a:defRPr/>
                       </a:pPr>
                       <a:r>
-                        <a:rPr lang="en-US" b="0" noProof="0" dirty="0" err="1"/>
-                        <a:t>SAP_Number</a:t>
+                        <a:rPr lang="en-US" b="0" noProof="0" dirty="0"/>
+                        <a:t>Width</a:t>
                       </a:r>
-                      <a:endParaRPr lang="en-US" b="0" noProof="0" dirty="0"/>
                     </a:p>
                   </a:txBody>
                   <a:tcPr/>
@@ -40624,9 +44485,19 @@
                     <a:bodyPr/>
                     <a:lstStyle/>
                     <a:p>
+                      <a:endParaRPr lang="en-US" noProof="0" dirty="0"/>
+                    </a:p>
+                  </a:txBody>
+                  <a:tcPr/>
+                </a:tc>
+                <a:tc>
+                  <a:txBody>
+                    <a:bodyPr/>
+                    <a:lstStyle/>
+                    <a:p>
                       <a:r>
                         <a:rPr lang="en-US" noProof="0" dirty="0"/>
-                        <a:t>Yes</a:t>
+                        <a:t>19</a:t>
                       </a:r>
                     </a:p>
                   </a:txBody>
@@ -40634,11 +44505,11 @@
                 </a:tc>
                 <a:extLst>
                   <a:ext uri="{0D108BD9-81ED-4DB2-BD59-A6C34878D82A}">
-                    <a16:rowId xmlns:a16="http://schemas.microsoft.com/office/drawing/2014/main" val="2850864658"/>
+                    <a16:rowId xmlns:a16="http://schemas.microsoft.com/office/drawing/2014/main" val="1819347375"/>
                   </a:ext>
                 </a:extLst>
               </a:tr>
-              <a:tr h="353291">
+              <a:tr h="0">
                 <a:tc>
                   <a:txBody>
                     <a:bodyPr/>
@@ -40663,7 +44534,7 @@
                       </a:pPr>
                       <a:r>
                         <a:rPr lang="en-US" b="0" noProof="0" dirty="0"/>
-                        <a:t>Tape</a:t>
+                        <a:t>Length</a:t>
                       </a:r>
                     </a:p>
                   </a:txBody>
@@ -40723,7 +44594,7 @@
                       </a:pPr>
                       <a:r>
                         <a:rPr lang="en-US" noProof="0" dirty="0"/>
-                        <a:t>25 characters</a:t>
+                        <a:t>8 characters</a:t>
                       </a:r>
                     </a:p>
                   </a:txBody>
@@ -40766,13 +44637,26 @@
                   </a:txBody>
                   <a:tcPr/>
                 </a:tc>
+                <a:tc>
+                  <a:txBody>
+                    <a:bodyPr/>
+                    <a:lstStyle/>
+                    <a:p>
+                      <a:r>
+                        <a:rPr lang="en-US" noProof="0" dirty="0"/>
+                        <a:t>25</a:t>
+                      </a:r>
+                    </a:p>
+                  </a:txBody>
+                  <a:tcPr/>
+                </a:tc>
                 <a:extLst>
                   <a:ext uri="{0D108BD9-81ED-4DB2-BD59-A6C34878D82A}">
-                    <a16:rowId xmlns:a16="http://schemas.microsoft.com/office/drawing/2014/main" val="605318509"/>
+                    <a16:rowId xmlns:a16="http://schemas.microsoft.com/office/drawing/2014/main" val="2028035715"/>
                   </a:ext>
                 </a:extLst>
               </a:tr>
-              <a:tr h="353291">
+              <a:tr h="0">
                 <a:tc>
                   <a:txBody>
                     <a:bodyPr/>
@@ -40797,7 +44681,7 @@
                       </a:pPr>
                       <a:r>
                         <a:rPr lang="en-US" b="0" noProof="0" dirty="0"/>
-                        <a:t>Width</a:t>
+                        <a:t>Color</a:t>
                       </a:r>
                     </a:p>
                   </a:txBody>
@@ -40900,9 +44784,22 @@
                   </a:txBody>
                   <a:tcPr/>
                 </a:tc>
+                <a:tc>
+                  <a:txBody>
+                    <a:bodyPr/>
+                    <a:lstStyle/>
+                    <a:p>
+                      <a:r>
+                        <a:rPr lang="en-US" noProof="0" dirty="0"/>
+                        <a:t>BLK</a:t>
+                      </a:r>
+                    </a:p>
+                  </a:txBody>
+                  <a:tcPr/>
+                </a:tc>
                 <a:extLst>
                   <a:ext uri="{0D108BD9-81ED-4DB2-BD59-A6C34878D82A}">
-                    <a16:rowId xmlns:a16="http://schemas.microsoft.com/office/drawing/2014/main" val="1819347375"/>
+                    <a16:rowId xmlns:a16="http://schemas.microsoft.com/office/drawing/2014/main" val="2828870816"/>
                   </a:ext>
                 </a:extLst>
               </a:tr>
@@ -41034,14 +44931,14 @@
           <p:nvPr>
             <p:extLst>
               <p:ext uri="{D42A27DB-BD31-4B8C-83A1-F6EECF244321}">
-                <p14:modId xmlns:p14="http://schemas.microsoft.com/office/powerpoint/2010/main" val="3065761317"/>
+                <p14:modId xmlns:p14="http://schemas.microsoft.com/office/powerpoint/2010/main" val="3521174702"/>
               </p:ext>
             </p:extLst>
           </p:nvPr>
         </p:nvGraphicFramePr>
         <p:xfrm>
           <a:off x="1444752" y="2457026"/>
-          <a:ext cx="10195560" cy="2254212"/>
+          <a:ext cx="10195561" cy="1472621"/>
         </p:xfrm>
         <a:graphic>
           <a:graphicData uri="http://schemas.openxmlformats.org/drawingml/2006/table">
@@ -41050,41 +44947,48 @@
                 <a:tableStyleId>{8A107856-5554-42FB-B03E-39F5DBC370BA}</a:tableStyleId>
               </a:tblPr>
               <a:tblGrid>
-                <a:gridCol w="1817993">
+                <a:gridCol w="1115568">
                   <a:extLst>
                     <a:ext uri="{9D8B030D-6E8A-4147-A177-3AD203B41FA5}">
                       <a16:colId xmlns:a16="http://schemas.microsoft.com/office/drawing/2014/main" val="2245506330"/>
                     </a:ext>
                   </a:extLst>
                 </a:gridCol>
-                <a:gridCol w="2909455">
+                <a:gridCol w="2578608">
                   <a:extLst>
                     <a:ext uri="{9D8B030D-6E8A-4147-A177-3AD203B41FA5}">
                       <a16:colId xmlns:a16="http://schemas.microsoft.com/office/drawing/2014/main" val="1063389680"/>
                     </a:ext>
                   </a:extLst>
                 </a:gridCol>
-                <a:gridCol w="1932709">
+                <a:gridCol w="1517904">
                   <a:extLst>
                     <a:ext uri="{9D8B030D-6E8A-4147-A177-3AD203B41FA5}">
                       <a16:colId xmlns:a16="http://schemas.microsoft.com/office/drawing/2014/main" val="2334273950"/>
                     </a:ext>
                   </a:extLst>
                 </a:gridCol>
-                <a:gridCol w="1797627">
+                <a:gridCol w="1097280">
                   <a:extLst>
                     <a:ext uri="{9D8B030D-6E8A-4147-A177-3AD203B41FA5}">
                       <a16:colId xmlns:a16="http://schemas.microsoft.com/office/drawing/2014/main" val="3087133834"/>
                     </a:ext>
                   </a:extLst>
                 </a:gridCol>
-                <a:gridCol w="1737776">
+                <a:gridCol w="868680">
                   <a:extLst>
                     <a:ext uri="{9D8B030D-6E8A-4147-A177-3AD203B41FA5}">
                       <a16:colId xmlns:a16="http://schemas.microsoft.com/office/drawing/2014/main" val="1277425726"/>
                     </a:ext>
                   </a:extLst>
                 </a:gridCol>
+                <a:gridCol w="3017521">
+                  <a:extLst>
+                    <a:ext uri="{9D8B030D-6E8A-4147-A177-3AD203B41FA5}">
+                      <a16:colId xmlns:a16="http://schemas.microsoft.com/office/drawing/2014/main" val="1778989622"/>
+                    </a:ext>
+                  </a:extLst>
+                </a:gridCol>
               </a:tblGrid>
               <a:tr h="375341">
                 <a:tc>
@@ -41152,277 +45056,22 @@
                   </a:txBody>
                   <a:tcPr/>
                 </a:tc>
+                <a:tc>
+                  <a:txBody>
+                    <a:bodyPr/>
+                    <a:lstStyle/>
+                    <a:p>
+                      <a:r>
+                        <a:rPr lang="en-US" noProof="0" dirty="0"/>
+                        <a:t>Example</a:t>
+                      </a:r>
+                    </a:p>
+                  </a:txBody>
+                  <a:tcPr/>
+                </a:tc>
                 <a:extLst>
                   <a:ext uri="{0D108BD9-81ED-4DB2-BD59-A6C34878D82A}">
                     <a16:rowId xmlns:a16="http://schemas.microsoft.com/office/drawing/2014/main" val="3609378606"/>
-                  </a:ext>
-                </a:extLst>
-              </a:tr>
-              <a:tr h="407518">
-                <a:tc>
-                  <a:txBody>
-                    <a:bodyPr/>
-                    <a:lstStyle/>
-                    <a:p>
-                      <a:pPr marL="0" marR="0" lvl="0" indent="0" algn="l" defTabSz="914400" rtl="0" eaLnBrk="1" fontAlgn="auto" latinLnBrk="0" hangingPunct="1">
-                        <a:lnSpc>
-                          <a:spcPct val="100000"/>
-                        </a:lnSpc>
-                        <a:spcBef>
-                          <a:spcPts val="0"/>
-                        </a:spcBef>
-                        <a:spcAft>
-                          <a:spcPts val="0"/>
-                        </a:spcAft>
-                        <a:buClrTx/>
-                        <a:buSzTx/>
-                        <a:buFontTx/>
-                        <a:buNone/>
-                        <a:tabLst/>
-                        <a:defRPr/>
-                      </a:pPr>
-                      <a:r>
-                        <a:rPr lang="en-US" b="0" noProof="0" dirty="0"/>
-                        <a:t>Length</a:t>
-                      </a:r>
-                    </a:p>
-                  </a:txBody>
-                  <a:tcPr/>
-                </a:tc>
-                <a:tc>
-                  <a:txBody>
-                    <a:bodyPr/>
-                    <a:lstStyle/>
-                    <a:p>
-                      <a:pPr marL="0" marR="0" lvl="0" indent="0" algn="l" defTabSz="914400" rtl="0" eaLnBrk="1" fontAlgn="auto" latinLnBrk="0" hangingPunct="1">
-                        <a:lnSpc>
-                          <a:spcPct val="100000"/>
-                        </a:lnSpc>
-                        <a:spcBef>
-                          <a:spcPts val="0"/>
-                        </a:spcBef>
-                        <a:spcAft>
-                          <a:spcPts val="0"/>
-                        </a:spcAft>
-                        <a:buClrTx/>
-                        <a:buSzTx/>
-                        <a:buFontTx/>
-                        <a:buNone/>
-                        <a:tabLst/>
-                        <a:defRPr/>
-                      </a:pPr>
-                      <a:r>
-                        <a:rPr lang="en-US" noProof="0" dirty="0"/>
-                        <a:t>Alphanumeric (VARCHAR)</a:t>
-                      </a:r>
-                    </a:p>
-                  </a:txBody>
-                  <a:tcPr/>
-                </a:tc>
-                <a:tc>
-                  <a:txBody>
-                    <a:bodyPr/>
-                    <a:lstStyle/>
-                    <a:p>
-                      <a:pPr marL="0" marR="0" lvl="0" indent="0" algn="l" defTabSz="914400" rtl="0" eaLnBrk="1" fontAlgn="auto" latinLnBrk="0" hangingPunct="1">
-                        <a:lnSpc>
-                          <a:spcPct val="100000"/>
-                        </a:lnSpc>
-                        <a:spcBef>
-                          <a:spcPts val="0"/>
-                        </a:spcBef>
-                        <a:spcAft>
-                          <a:spcPts val="0"/>
-                        </a:spcAft>
-                        <a:buClrTx/>
-                        <a:buSzTx/>
-                        <a:buFontTx/>
-                        <a:buNone/>
-                        <a:tabLst/>
-                        <a:defRPr/>
-                      </a:pPr>
-                      <a:r>
-                        <a:rPr lang="en-US" noProof="0" dirty="0"/>
-                        <a:t>8 characters</a:t>
-                      </a:r>
-                    </a:p>
-                  </a:txBody>
-                  <a:tcPr/>
-                </a:tc>
-                <a:tc>
-                  <a:txBody>
-                    <a:bodyPr/>
-                    <a:lstStyle/>
-                    <a:p>
-                      <a:pPr marL="0" marR="0" lvl="0" indent="0" algn="l" defTabSz="914400" rtl="0" eaLnBrk="1" fontAlgn="auto" latinLnBrk="0" hangingPunct="1">
-                        <a:lnSpc>
-                          <a:spcPct val="100000"/>
-                        </a:lnSpc>
-                        <a:spcBef>
-                          <a:spcPts val="0"/>
-                        </a:spcBef>
-                        <a:spcAft>
-                          <a:spcPts val="0"/>
-                        </a:spcAft>
-                        <a:buClrTx/>
-                        <a:buSzTx/>
-                        <a:buFontTx/>
-                        <a:buNone/>
-                        <a:tabLst/>
-                        <a:defRPr/>
-                      </a:pPr>
-                      <a:endParaRPr lang="en-US" noProof="0" dirty="0"/>
-                    </a:p>
-                  </a:txBody>
-                  <a:tcPr/>
-                </a:tc>
-                <a:tc>
-                  <a:txBody>
-                    <a:bodyPr/>
-                    <a:lstStyle/>
-                    <a:p>
-                      <a:endParaRPr lang="en-US" noProof="0" dirty="0"/>
-                    </a:p>
-                  </a:txBody>
-                  <a:tcPr/>
-                </a:tc>
-                <a:extLst>
-                  <a:ext uri="{0D108BD9-81ED-4DB2-BD59-A6C34878D82A}">
-                    <a16:rowId xmlns:a16="http://schemas.microsoft.com/office/drawing/2014/main" val="4074494692"/>
-                  </a:ext>
-                </a:extLst>
-              </a:tr>
-              <a:tr h="374073">
-                <a:tc>
-                  <a:txBody>
-                    <a:bodyPr/>
-                    <a:lstStyle/>
-                    <a:p>
-                      <a:pPr marL="0" marR="0" lvl="0" indent="0" algn="l" defTabSz="914400" rtl="0" eaLnBrk="1" fontAlgn="auto" latinLnBrk="0" hangingPunct="1">
-                        <a:lnSpc>
-                          <a:spcPct val="100000"/>
-                        </a:lnSpc>
-                        <a:spcBef>
-                          <a:spcPts val="0"/>
-                        </a:spcBef>
-                        <a:spcAft>
-                          <a:spcPts val="0"/>
-                        </a:spcAft>
-                        <a:buClrTx/>
-                        <a:buSzTx/>
-                        <a:buFontTx/>
-                        <a:buNone/>
-                        <a:tabLst/>
-                        <a:defRPr/>
-                      </a:pPr>
-                      <a:r>
-                        <a:rPr lang="en-US" b="0" noProof="0" dirty="0"/>
-                        <a:t>Color</a:t>
-                      </a:r>
-                    </a:p>
-                  </a:txBody>
-                  <a:tcPr/>
-                </a:tc>
-                <a:tc>
-                  <a:txBody>
-                    <a:bodyPr/>
-                    <a:lstStyle/>
-                    <a:p>
-                      <a:pPr marL="0" marR="0" lvl="0" indent="0" algn="l" defTabSz="914400" rtl="0" eaLnBrk="1" fontAlgn="auto" latinLnBrk="0" hangingPunct="1">
-                        <a:lnSpc>
-                          <a:spcPct val="100000"/>
-                        </a:lnSpc>
-                        <a:spcBef>
-                          <a:spcPts val="0"/>
-                        </a:spcBef>
-                        <a:spcAft>
-                          <a:spcPts val="0"/>
-                        </a:spcAft>
-                        <a:buClrTx/>
-                        <a:buSzTx/>
-                        <a:buFontTx/>
-                        <a:buNone/>
-                        <a:tabLst/>
-                        <a:defRPr/>
-                      </a:pPr>
-                      <a:r>
-                        <a:rPr lang="en-US" noProof="0" dirty="0"/>
-                        <a:t>Alphanumeric (VARCHAR)</a:t>
-                      </a:r>
-                    </a:p>
-                  </a:txBody>
-                  <a:tcPr/>
-                </a:tc>
-                <a:tc>
-                  <a:txBody>
-                    <a:bodyPr/>
-                    <a:lstStyle/>
-                    <a:p>
-                      <a:pPr marL="0" marR="0" lvl="0" indent="0" algn="l" defTabSz="914400" rtl="0" eaLnBrk="1" fontAlgn="auto" latinLnBrk="0" hangingPunct="1">
-                        <a:lnSpc>
-                          <a:spcPct val="100000"/>
-                        </a:lnSpc>
-                        <a:spcBef>
-                          <a:spcPts val="0"/>
-                        </a:spcBef>
-                        <a:spcAft>
-                          <a:spcPts val="0"/>
-                        </a:spcAft>
-                        <a:buClrTx/>
-                        <a:buSzTx/>
-                        <a:buFontTx/>
-                        <a:buNone/>
-                        <a:tabLst/>
-                        <a:defRPr/>
-                      </a:pPr>
-                      <a:r>
-                        <a:rPr lang="en-US" noProof="0" dirty="0"/>
-                        <a:t>8 characters</a:t>
-                      </a:r>
-                    </a:p>
-                  </a:txBody>
-                  <a:tcPr/>
-                </a:tc>
-                <a:tc>
-                  <a:txBody>
-                    <a:bodyPr/>
-                    <a:lstStyle/>
-                    <a:p>
-                      <a:pPr marL="0" marR="0" lvl="0" indent="0" algn="l" defTabSz="914400" rtl="0" eaLnBrk="1" fontAlgn="auto" latinLnBrk="0" hangingPunct="1">
-                        <a:lnSpc>
-                          <a:spcPct val="100000"/>
-                        </a:lnSpc>
-                        <a:spcBef>
-                          <a:spcPts val="0"/>
-                        </a:spcBef>
-                        <a:spcAft>
-                          <a:spcPts val="0"/>
-                        </a:spcAft>
-                        <a:buClrTx/>
-                        <a:buSzTx/>
-                        <a:buFontTx/>
-                        <a:buNone/>
-                        <a:tabLst/>
-                        <a:defRPr/>
-                      </a:pPr>
-                      <a:endParaRPr lang="en-US" noProof="0" dirty="0"/>
-                    </a:p>
-                  </a:txBody>
-                  <a:tcPr/>
-                </a:tc>
-                <a:tc>
-                  <a:txBody>
-                    <a:bodyPr/>
-                    <a:lstStyle/>
-                    <a:p>
-                      <a:endParaRPr lang="en-US" noProof="0" dirty="0"/>
-                    </a:p>
-                  </a:txBody>
-                  <a:tcPr/>
-                </a:tc>
-                <a:extLst>
-                  <a:ext uri="{0D108BD9-81ED-4DB2-BD59-A6C34878D82A}">
-                    <a16:rowId xmlns:a16="http://schemas.microsoft.com/office/drawing/2014/main" val="3873730951"/>
                   </a:ext>
                 </a:extLst>
               </a:tr>
@@ -41555,6 +45204,19 @@
                   </a:txBody>
                   <a:tcPr/>
                 </a:tc>
+                <a:tc>
+                  <a:txBody>
+                    <a:bodyPr/>
+                    <a:lstStyle/>
+                    <a:p>
+                      <a:r>
+                        <a:rPr lang="en-US" noProof="0" dirty="0"/>
+                        <a:t>ET00</a:t>
+                      </a:r>
+                    </a:p>
+                  </a:txBody>
+                  <a:tcPr/>
+                </a:tc>
                 <a:extLst>
                   <a:ext uri="{0D108BD9-81ED-4DB2-BD59-A6C34878D82A}">
                     <a16:rowId xmlns:a16="http://schemas.microsoft.com/office/drawing/2014/main" val="3903227421"/>
@@ -41690,6 +45352,19 @@
                   </a:txBody>
                   <a:tcPr/>
                 </a:tc>
+                <a:tc>
+                  <a:txBody>
+                    <a:bodyPr/>
+                    <a:lstStyle/>
+                    <a:p>
+                      <a:r>
+                        <a:rPr lang="en-US" noProof="0" dirty="0"/>
+                        <a:t>D000002</a:t>
+                      </a:r>
+                    </a:p>
+                  </a:txBody>
+                  <a:tcPr/>
+                </a:tc>
                 <a:extLst>
                   <a:ext uri="{0D108BD9-81ED-4DB2-BD59-A6C34878D82A}">
                     <a16:rowId xmlns:a16="http://schemas.microsoft.com/office/drawing/2014/main" val="444297874"/>
@@ -41822,6 +45497,20 @@
                     <a:bodyPr/>
                     <a:lstStyle/>
                     <a:p>
+                      <a:endParaRPr lang="en-US" noProof="0" dirty="0"/>
+                    </a:p>
+                  </a:txBody>
+                  <a:tcPr/>
+                </a:tc>
+                <a:tc>
+                  <a:txBody>
+                    <a:bodyPr/>
+                    <a:lstStyle/>
+                    <a:p>
+                      <a:r>
+                        <a:rPr lang="en-US" noProof="0" dirty="0" err="1"/>
+                        <a:t>BluSeal</a:t>
+                      </a:r>
                       <a:endParaRPr lang="en-US" noProof="0" dirty="0"/>
                     </a:p>
                   </a:txBody>
@@ -41916,14 +45605,14 @@
           <p:nvPr>
             <p:extLst>
               <p:ext uri="{D42A27DB-BD31-4B8C-83A1-F6EECF244321}">
-                <p14:modId xmlns:p14="http://schemas.microsoft.com/office/powerpoint/2010/main" val="3731376696"/>
+                <p14:modId xmlns:p14="http://schemas.microsoft.com/office/powerpoint/2010/main" val="367705159"/>
               </p:ext>
             </p:extLst>
           </p:nvPr>
         </p:nvGraphicFramePr>
         <p:xfrm>
           <a:off x="1444752" y="2457026"/>
-          <a:ext cx="10195560" cy="1480934"/>
+          <a:ext cx="10195561" cy="1746941"/>
         </p:xfrm>
         <a:graphic>
           <a:graphicData uri="http://schemas.openxmlformats.org/drawingml/2006/table">
@@ -41932,41 +45621,48 @@
                 <a:tableStyleId>{8A107856-5554-42FB-B03E-39F5DBC370BA}</a:tableStyleId>
               </a:tblPr>
               <a:tblGrid>
-                <a:gridCol w="1817993">
+                <a:gridCol w="1325880">
                   <a:extLst>
                     <a:ext uri="{9D8B030D-6E8A-4147-A177-3AD203B41FA5}">
                       <a16:colId xmlns:a16="http://schemas.microsoft.com/office/drawing/2014/main" val="2245506330"/>
                     </a:ext>
                   </a:extLst>
                 </a:gridCol>
-                <a:gridCol w="2909455">
+                <a:gridCol w="2569464">
                   <a:extLst>
                     <a:ext uri="{9D8B030D-6E8A-4147-A177-3AD203B41FA5}">
                       <a16:colId xmlns:a16="http://schemas.microsoft.com/office/drawing/2014/main" val="1063389680"/>
                     </a:ext>
                   </a:extLst>
                 </a:gridCol>
-                <a:gridCol w="1932709">
+                <a:gridCol w="1444752">
                   <a:extLst>
                     <a:ext uri="{9D8B030D-6E8A-4147-A177-3AD203B41FA5}">
                       <a16:colId xmlns:a16="http://schemas.microsoft.com/office/drawing/2014/main" val="2334273950"/>
                     </a:ext>
                   </a:extLst>
                 </a:gridCol>
-                <a:gridCol w="1797627">
+                <a:gridCol w="1042416">
                   <a:extLst>
                     <a:ext uri="{9D8B030D-6E8A-4147-A177-3AD203B41FA5}">
                       <a16:colId xmlns:a16="http://schemas.microsoft.com/office/drawing/2014/main" val="3087133834"/>
                     </a:ext>
                   </a:extLst>
                 </a:gridCol>
-                <a:gridCol w="1737776">
+                <a:gridCol w="960120">
                   <a:extLst>
                     <a:ext uri="{9D8B030D-6E8A-4147-A177-3AD203B41FA5}">
                       <a16:colId xmlns:a16="http://schemas.microsoft.com/office/drawing/2014/main" val="1277425726"/>
                     </a:ext>
                   </a:extLst>
                 </a:gridCol>
+                <a:gridCol w="2852929">
+                  <a:extLst>
+                    <a:ext uri="{9D8B030D-6E8A-4147-A177-3AD203B41FA5}">
+                      <a16:colId xmlns:a16="http://schemas.microsoft.com/office/drawing/2014/main" val="1686388612"/>
+                    </a:ext>
+                  </a:extLst>
+                </a:gridCol>
               </a:tblGrid>
               <a:tr h="375341">
                 <a:tc>
@@ -42029,6 +45725,19 @@
                       <a:r>
                         <a:rPr lang="en-US" noProof="0" dirty="0"/>
                         <a:t>Unique</a:t>
+                      </a:r>
+                    </a:p>
+                  </a:txBody>
+                  <a:tcPr/>
+                </a:tc>
+                <a:tc>
+                  <a:txBody>
+                    <a:bodyPr/>
+                    <a:lstStyle/>
+                    <a:p>
+                      <a:r>
+                        <a:rPr lang="en-US" b="1" noProof="0" dirty="0"/>
+                        <a:t>Example</a:t>
                       </a:r>
                     </a:p>
                   </a:txBody>
@@ -42129,6 +45838,19 @@
                   </a:txBody>
                   <a:tcPr/>
                 </a:tc>
+                <a:tc>
+                  <a:txBody>
+                    <a:bodyPr/>
+                    <a:lstStyle/>
+                    <a:p>
+                      <a:r>
+                        <a:rPr lang="en-US" noProof="0" dirty="0"/>
+                        <a:t>VEN238</a:t>
+                      </a:r>
+                    </a:p>
+                  </a:txBody>
+                  <a:tcPr/>
+                </a:tc>
                 <a:extLst>
                   <a:ext uri="{0D108BD9-81ED-4DB2-BD59-A6C34878D82A}">
                     <a16:rowId xmlns:a16="http://schemas.microsoft.com/office/drawing/2014/main" val="371253128"/>
@@ -42264,6 +45986,19 @@
                       <a:r>
                         <a:rPr lang="en-US" noProof="0" dirty="0"/>
                         <a:t>Yes</a:t>
+                      </a:r>
+                    </a:p>
+                  </a:txBody>
+                  <a:tcPr/>
+                </a:tc>
+                <a:tc>
+                  <a:txBody>
+                    <a:bodyPr/>
+                    <a:lstStyle/>
+                    <a:p>
+                      <a:r>
+                        <a:rPr lang="en-US" noProof="0" dirty="0"/>
+                        <a:t>Union Polymer Material CO., LTD</a:t>
                       </a:r>
                     </a:p>
                   </a:txBody>
@@ -42405,6 +46140,19 @@
                       <a:r>
                         <a:rPr lang="en-US" noProof="0" dirty="0"/>
                         <a:t>Yes</a:t>
+                      </a:r>
+                    </a:p>
+                  </a:txBody>
+                  <a:tcPr/>
+                </a:tc>
+                <a:tc>
+                  <a:txBody>
+                    <a:bodyPr/>
+                    <a:lstStyle/>
+                    <a:p>
+                      <a:r>
+                        <a:rPr lang="en-US" noProof="0" dirty="0"/>
+                        <a:t>UPM</a:t>
                       </a:r>
                     </a:p>
                   </a:txBody>
@@ -42544,14 +46292,14 @@
           <p:nvPr>
             <p:extLst>
               <p:ext uri="{D42A27DB-BD31-4B8C-83A1-F6EECF244321}">
-                <p14:modId xmlns:p14="http://schemas.microsoft.com/office/powerpoint/2010/main" val="3793033840"/>
+                <p14:modId xmlns:p14="http://schemas.microsoft.com/office/powerpoint/2010/main" val="2139254533"/>
               </p:ext>
             </p:extLst>
           </p:nvPr>
         </p:nvGraphicFramePr>
         <p:xfrm>
           <a:off x="1444752" y="2457026"/>
-          <a:ext cx="10195560" cy="1480934"/>
+          <a:ext cx="10195561" cy="1480934"/>
         </p:xfrm>
         <a:graphic>
           <a:graphicData uri="http://schemas.openxmlformats.org/drawingml/2006/table">
@@ -42560,41 +46308,48 @@
                 <a:tableStyleId>{8A107856-5554-42FB-B03E-39F5DBC370BA}</a:tableStyleId>
               </a:tblPr>
               <a:tblGrid>
-                <a:gridCol w="1817993">
+                <a:gridCol w="1380744">
                   <a:extLst>
                     <a:ext uri="{9D8B030D-6E8A-4147-A177-3AD203B41FA5}">
                       <a16:colId xmlns:a16="http://schemas.microsoft.com/office/drawing/2014/main" val="2245506330"/>
                     </a:ext>
                   </a:extLst>
                 </a:gridCol>
-                <a:gridCol w="2909455">
+                <a:gridCol w="2523744">
                   <a:extLst>
                     <a:ext uri="{9D8B030D-6E8A-4147-A177-3AD203B41FA5}">
                       <a16:colId xmlns:a16="http://schemas.microsoft.com/office/drawing/2014/main" val="1063389680"/>
                     </a:ext>
                   </a:extLst>
                 </a:gridCol>
-                <a:gridCol w="1932709">
+                <a:gridCol w="1618488">
                   <a:extLst>
                     <a:ext uri="{9D8B030D-6E8A-4147-A177-3AD203B41FA5}">
                       <a16:colId xmlns:a16="http://schemas.microsoft.com/office/drawing/2014/main" val="2334273950"/>
                     </a:ext>
                   </a:extLst>
                 </a:gridCol>
-                <a:gridCol w="1797627">
+                <a:gridCol w="1078992">
                   <a:extLst>
                     <a:ext uri="{9D8B030D-6E8A-4147-A177-3AD203B41FA5}">
                       <a16:colId xmlns:a16="http://schemas.microsoft.com/office/drawing/2014/main" val="3087133834"/>
                     </a:ext>
                   </a:extLst>
                 </a:gridCol>
-                <a:gridCol w="1737776">
+                <a:gridCol w="868680">
                   <a:extLst>
                     <a:ext uri="{9D8B030D-6E8A-4147-A177-3AD203B41FA5}">
                       <a16:colId xmlns:a16="http://schemas.microsoft.com/office/drawing/2014/main" val="1277425726"/>
                     </a:ext>
                   </a:extLst>
                 </a:gridCol>
+                <a:gridCol w="2724913">
+                  <a:extLst>
+                    <a:ext uri="{9D8B030D-6E8A-4147-A177-3AD203B41FA5}">
+                      <a16:colId xmlns:a16="http://schemas.microsoft.com/office/drawing/2014/main" val="1170641572"/>
+                    </a:ext>
+                  </a:extLst>
+                </a:gridCol>
               </a:tblGrid>
               <a:tr h="375341">
                 <a:tc>
@@ -42657,6 +46412,19 @@
                       <a:r>
                         <a:rPr lang="en-US" noProof="0" dirty="0"/>
                         <a:t>Unique</a:t>
+                      </a:r>
+                    </a:p>
+                  </a:txBody>
+                  <a:tcPr/>
+                </a:tc>
+                <a:tc>
+                  <a:txBody>
+                    <a:bodyPr/>
+                    <a:lstStyle/>
+                    <a:p>
+                      <a:r>
+                        <a:rPr lang="en-US" noProof="0" dirty="0"/>
+                        <a:t>Example</a:t>
                       </a:r>
                     </a:p>
                   </a:txBody>
@@ -42757,6 +46525,19 @@
                   </a:txBody>
                   <a:tcPr/>
                 </a:tc>
+                <a:tc>
+                  <a:txBody>
+                    <a:bodyPr/>
+                    <a:lstStyle/>
+                    <a:p>
+                      <a:r>
+                        <a:rPr lang="en-US" noProof="0" dirty="0"/>
+                        <a:t>CUS003</a:t>
+                      </a:r>
+                    </a:p>
+                  </a:txBody>
+                  <a:tcPr/>
+                </a:tc>
                 <a:extLst>
                   <a:ext uri="{0D108BD9-81ED-4DB2-BD59-A6C34878D82A}">
                     <a16:rowId xmlns:a16="http://schemas.microsoft.com/office/drawing/2014/main" val="371253128"/>
@@ -42897,6 +46678,19 @@
                   </a:txBody>
                   <a:tcPr/>
                 </a:tc>
+                <a:tc>
+                  <a:txBody>
+                    <a:bodyPr/>
+                    <a:lstStyle/>
+                    <a:p>
+                      <a:r>
+                        <a:rPr lang="en-US" noProof="0" dirty="0"/>
+                        <a:t>MSSL</a:t>
+                      </a:r>
+                    </a:p>
+                  </a:txBody>
+                  <a:tcPr/>
+                </a:tc>
                 <a:extLst>
                   <a:ext uri="{0D108BD9-81ED-4DB2-BD59-A6C34878D82A}">
                     <a16:rowId xmlns:a16="http://schemas.microsoft.com/office/drawing/2014/main" val="3873730951"/>
@@ -43030,6 +46824,19 @@
                     <a:lstStyle/>
                     <a:p>
                       <a:endParaRPr lang="en-US" noProof="0" dirty="0"/>
+                    </a:p>
+                  </a:txBody>
+                  <a:tcPr/>
+                </a:tc>
+                <a:tc>
+                  <a:txBody>
+                    <a:bodyPr/>
+                    <a:lstStyle/>
+                    <a:p>
+                      <a:r>
+                        <a:rPr lang="en-US" noProof="0" dirty="0"/>
+                        <a:t>Cables</a:t>
+                      </a:r>
                     </a:p>
                   </a:txBody>
                   <a:tcPr/>
@@ -43961,6 +47768,26 @@
 </file>
 
 <file path=customXml/item1.xml><?xml version="1.0" encoding="utf-8"?>
+<p:properties xmlns:p="http://schemas.microsoft.com/office/2006/metadata/properties" xmlns:xsi="http://www.w3.org/2001/XMLSchema-instance" xmlns:pc="http://schemas.microsoft.com/office/infopath/2007/PartnerControls">
+  <documentManagement>
+    <_ip_UnifiedCompliancePolicyUIAction xmlns="http://schemas.microsoft.com/sharepoint/v3" xsi:nil="true"/>
+    <Image xmlns="71af3243-3dd4-4a8d-8c0d-dd76da1f02a5">
+      <Url xsi:nil="true"/>
+      <Description xsi:nil="true"/>
+    </Image>
+    <Status xmlns="71af3243-3dd4-4a8d-8c0d-dd76da1f02a5">Not started</Status>
+    <Background xmlns="71af3243-3dd4-4a8d-8c0d-dd76da1f02a5">false</Background>
+    <_ip_UnifiedCompliancePolicyProperties xmlns="http://schemas.microsoft.com/sharepoint/v3" xsi:nil="true"/>
+    <ImageTagsTaxHTField xmlns="71af3243-3dd4-4a8d-8c0d-dd76da1f02a5">
+      <Terms xmlns="http://schemas.microsoft.com/office/infopath/2007/PartnerControls"/>
+    </ImageTagsTaxHTField>
+    <TaxCatchAll xmlns="230e9df3-be65-4c73-a93b-d1236ebd677e" xsi:nil="true"/>
+    <MediaServiceKeyPoints xmlns="71af3243-3dd4-4a8d-8c0d-dd76da1f02a5" xsi:nil="true"/>
+  </documentManagement>
+</p:properties>
+</file>
+
+<file path=customXml/item2.xml><?xml version="1.0" encoding="utf-8"?>
 <ct:contentTypeSchema xmlns:ct="http://schemas.microsoft.com/office/2006/metadata/contentType" xmlns:ma="http://schemas.microsoft.com/office/2006/metadata/properties/metaAttributes" ct:_="" ma:_="" ma:contentTypeName="Document" ma:contentTypeID="0x01010079F111ED35F8CC479449609E8A0923A6" ma:contentTypeVersion="28" ma:contentTypeDescription="Create a new document." ma:contentTypeScope="" ma:versionID="60f5a4f2d2b0abadcf532d48ebf9cb71">
   <xsd:schema xmlns:xsd="http://www.w3.org/2001/XMLSchema" xmlns:xs="http://www.w3.org/2001/XMLSchema" xmlns:p="http://schemas.microsoft.com/office/2006/metadata/properties" xmlns:ns1="http://schemas.microsoft.com/sharepoint/v3" xmlns:ns2="71af3243-3dd4-4a8d-8c0d-dd76da1f02a5" xmlns:ns3="16c05727-aa75-4e4a-9b5f-8a80a1165891" xmlns:ns4="230e9df3-be65-4c73-a93b-d1236ebd677e" targetNamespace="http://schemas.microsoft.com/office/2006/metadata/properties" ma:root="true" ma:fieldsID="7dd78129e6a1811f84807ad11c651531" ns1:_="" ns2:_="" ns3:_="" ns4:_="">
     <xsd:import namespace="http://schemas.microsoft.com/sharepoint/v3"/>
@@ -44272,26 +48099,6 @@
 </ct:contentTypeSchema>
 </file>
 
-<file path=customXml/item2.xml><?xml version="1.0" encoding="utf-8"?>
-<p:properties xmlns:p="http://schemas.microsoft.com/office/2006/metadata/properties" xmlns:xsi="http://www.w3.org/2001/XMLSchema-instance" xmlns:pc="http://schemas.microsoft.com/office/infopath/2007/PartnerControls">
-  <documentManagement>
-    <_ip_UnifiedCompliancePolicyUIAction xmlns="http://schemas.microsoft.com/sharepoint/v3" xsi:nil="true"/>
-    <Image xmlns="71af3243-3dd4-4a8d-8c0d-dd76da1f02a5">
-      <Url xsi:nil="true"/>
-      <Description xsi:nil="true"/>
-    </Image>
-    <Status xmlns="71af3243-3dd4-4a8d-8c0d-dd76da1f02a5">Not started</Status>
-    <Background xmlns="71af3243-3dd4-4a8d-8c0d-dd76da1f02a5">false</Background>
-    <_ip_UnifiedCompliancePolicyProperties xmlns="http://schemas.microsoft.com/sharepoint/v3" xsi:nil="true"/>
-    <ImageTagsTaxHTField xmlns="71af3243-3dd4-4a8d-8c0d-dd76da1f02a5">
-      <Terms xmlns="http://schemas.microsoft.com/office/infopath/2007/PartnerControls"/>
-    </ImageTagsTaxHTField>
-    <TaxCatchAll xmlns="230e9df3-be65-4c73-a93b-d1236ebd677e" xsi:nil="true"/>
-    <MediaServiceKeyPoints xmlns="71af3243-3dd4-4a8d-8c0d-dd76da1f02a5" xsi:nil="true"/>
-  </documentManagement>
-</p:properties>
-</file>
-
 <file path=customXml/item3.xml><?xml version="1.0" encoding="utf-8"?>
 <?mso-contentType ?>
 <FormTemplates xmlns="http://schemas.microsoft.com/sharepoint/v3/contenttype/forms">
@@ -44302,6 +48109,18 @@
 </file>
 
 <file path=customXml/itemProps1.xml><?xml version="1.0" encoding="utf-8"?>
+<ds:datastoreItem xmlns:ds="http://schemas.openxmlformats.org/officeDocument/2006/customXml" ds:itemID="{57FF477C-132F-44F8-8C56-EBFF95FAF97B}">
+  <ds:schemaRefs>
+    <ds:schemaRef ds:uri="http://schemas.microsoft.com/office/2006/metadata/properties"/>
+    <ds:schemaRef ds:uri="http://schemas.microsoft.com/office/infopath/2007/PartnerControls"/>
+    <ds:schemaRef ds:uri="http://schemas.microsoft.com/sharepoint/v3"/>
+    <ds:schemaRef ds:uri="71af3243-3dd4-4a8d-8c0d-dd76da1f02a5"/>
+    <ds:schemaRef ds:uri="230e9df3-be65-4c73-a93b-d1236ebd677e"/>
+  </ds:schemaRefs>
+</ds:datastoreItem>
+</file>
+
+<file path=customXml/itemProps2.xml><?xml version="1.0" encoding="utf-8"?>
 <ds:datastoreItem xmlns:ds="http://schemas.openxmlformats.org/officeDocument/2006/customXml" ds:itemID="{2C1AA24C-4CA6-40FF-8947-DA1F6F47456C}">
   <ds:schemaRefs>
     <ds:schemaRef ds:uri="http://schemas.microsoft.com/office/2006/metadata/contentType"/>
@@ -44322,18 +48141,6 @@
 </ds:datastoreItem>
 </file>
 
-<file path=customXml/itemProps2.xml><?xml version="1.0" encoding="utf-8"?>
-<ds:datastoreItem xmlns:ds="http://schemas.openxmlformats.org/officeDocument/2006/customXml" ds:itemID="{57FF477C-132F-44F8-8C56-EBFF95FAF97B}">
-  <ds:schemaRefs>
-    <ds:schemaRef ds:uri="http://schemas.microsoft.com/office/2006/metadata/properties"/>
-    <ds:schemaRef ds:uri="http://schemas.microsoft.com/office/infopath/2007/PartnerControls"/>
-    <ds:schemaRef ds:uri="http://schemas.microsoft.com/sharepoint/v3"/>
-    <ds:schemaRef ds:uri="71af3243-3dd4-4a8d-8c0d-dd76da1f02a5"/>
-    <ds:schemaRef ds:uri="230e9df3-be65-4c73-a93b-d1236ebd677e"/>
-  </ds:schemaRefs>
-</ds:datastoreItem>
-</file>
-
 <file path=customXml/itemProps3.xml><?xml version="1.0" encoding="utf-8"?>
 <ds:datastoreItem xmlns:ds="http://schemas.openxmlformats.org/officeDocument/2006/customXml" ds:itemID="{6F36CB81-A037-44A8-88EB-C0C0F17FD4B1}">
   <ds:schemaRefs>
